--- a/并发点对点查询/其它材料/PPT/GraphCPP介绍.pptx
+++ b/并发点对点查询/其它材料/PPT/GraphCPP介绍.pptx
@@ -5,7 +5,7 @@
     <p:sldMasterId id="2147483648" r:id="rId1"/>
   </p:sldMasterIdLst>
   <p:notesMasterIdLst>
-    <p:notesMasterId r:id="rId19"/>
+    <p:notesMasterId r:id="rId21"/>
   </p:notesMasterIdLst>
   <p:sldIdLst>
     <p:sldId id="258" r:id="rId2"/>
@@ -18,13 +18,15 @@
     <p:sldId id="274" r:id="rId9"/>
     <p:sldId id="275" r:id="rId10"/>
     <p:sldId id="272" r:id="rId11"/>
-    <p:sldId id="445" r:id="rId12"/>
-    <p:sldId id="446" r:id="rId13"/>
-    <p:sldId id="447" r:id="rId14"/>
-    <p:sldId id="448" r:id="rId15"/>
-    <p:sldId id="449" r:id="rId16"/>
-    <p:sldId id="450" r:id="rId17"/>
-    <p:sldId id="451" r:id="rId18"/>
+    <p:sldId id="457" r:id="rId12"/>
+    <p:sldId id="445" r:id="rId13"/>
+    <p:sldId id="446" r:id="rId14"/>
+    <p:sldId id="447" r:id="rId15"/>
+    <p:sldId id="448" r:id="rId16"/>
+    <p:sldId id="449" r:id="rId17"/>
+    <p:sldId id="450" r:id="rId18"/>
+    <p:sldId id="451" r:id="rId19"/>
+    <p:sldId id="458" r:id="rId20"/>
   </p:sldIdLst>
   <p:sldSz cx="12192000" cy="6858000"/>
   <p:notesSz cx="6858000" cy="9144000"/>
@@ -219,7 +221,7 @@
           <a:p>
             <a:fld id="{FD01935B-F7A1-472F-9BFB-8826E17EB721}" type="datetimeFigureOut">
               <a:rPr lang="zh-CN" altLang="en-US" smtClean="0"/>
-              <a:t>2023-12-03</a:t>
+              <a:t>2023-12-04</a:t>
             </a:fld>
             <a:endParaRPr lang="zh-CN" altLang="en-US"/>
           </a:p>
@@ -853,119 +855,7 @@
                 <a:ea typeface="微软雅黑" panose="020B0503020204020204" pitchFamily="34" charset="-122"/>
                 <a:cs typeface="微软雅黑" panose="020B0503020204020204" pitchFamily="34" charset="-122"/>
               </a:rPr>
-              <a:t>）。由于图遵循幂律分布的特点，少量的全局顶点充当了大量查询路径上的枢纽节点。这意味着对于大部分点对点查询</a:t>
-            </a:r>
-            <a:r>
-              <a:rPr lang="en-US" altLang="zh-CN" sz="1800" dirty="0">
-                <a:effectLst/>
-                <a:ea typeface="微软雅黑" panose="020B0503020204020204" pitchFamily="34" charset="-122"/>
-                <a:cs typeface="微软雅黑" panose="020B0503020204020204" pitchFamily="34" charset="-122"/>
-              </a:rPr>
-              <a:t>qi</a:t>
-            </a:r>
-            <a:r>
-              <a:rPr lang="zh-CN" altLang="zh-CN" sz="1800" dirty="0">
-                <a:effectLst/>
-                <a:ea typeface="微软雅黑" panose="020B0503020204020204" pitchFamily="34" charset="-122"/>
-                <a:cs typeface="微软雅黑" panose="020B0503020204020204" pitchFamily="34" charset="-122"/>
-              </a:rPr>
-              <a:t>，都可以找到一条从</a:t>
-            </a:r>
-            <a:r>
-              <a:rPr lang="en-US" altLang="zh-CN" sz="1800" dirty="0" err="1">
-                <a:effectLst/>
-                <a:ea typeface="微软雅黑" panose="020B0503020204020204" pitchFamily="34" charset="-122"/>
-                <a:cs typeface="微软雅黑" panose="020B0503020204020204" pitchFamily="34" charset="-122"/>
-              </a:rPr>
-              <a:t>si</a:t>
-            </a:r>
-            <a:r>
-              <a:rPr lang="zh-CN" altLang="zh-CN" sz="1800" dirty="0">
-                <a:effectLst/>
-                <a:ea typeface="微软雅黑" panose="020B0503020204020204" pitchFamily="34" charset="-122"/>
-                <a:cs typeface="微软雅黑" panose="020B0503020204020204" pitchFamily="34" charset="-122"/>
-              </a:rPr>
-              <a:t>出发，途径至少一个全局顶点到达</a:t>
-            </a:r>
-            <a:r>
-              <a:rPr lang="en-US" altLang="zh-CN" sz="1800" dirty="0">
-                <a:effectLst/>
-                <a:ea typeface="微软雅黑" panose="020B0503020204020204" pitchFamily="34" charset="-122"/>
-                <a:cs typeface="微软雅黑" panose="020B0503020204020204" pitchFamily="34" charset="-122"/>
-              </a:rPr>
-              <a:t>di</a:t>
-            </a:r>
-            <a:r>
-              <a:rPr lang="zh-CN" altLang="zh-CN" sz="1800" dirty="0">
-                <a:effectLst/>
-                <a:ea typeface="微软雅黑" panose="020B0503020204020204" pitchFamily="34" charset="-122"/>
-                <a:cs typeface="微软雅黑" panose="020B0503020204020204" pitchFamily="34" charset="-122"/>
-              </a:rPr>
-              <a:t>的路径。这条路径虽然不一定是查询</a:t>
-            </a:r>
-            <a:r>
-              <a:rPr lang="en-US" altLang="zh-CN" sz="1800" dirty="0">
-                <a:effectLst/>
-                <a:ea typeface="微软雅黑" panose="020B0503020204020204" pitchFamily="34" charset="-122"/>
-                <a:cs typeface="微软雅黑" panose="020B0503020204020204" pitchFamily="34" charset="-122"/>
-              </a:rPr>
-              <a:t>qi</a:t>
-            </a:r>
-            <a:r>
-              <a:rPr lang="zh-CN" altLang="zh-CN" sz="1800" dirty="0">
-                <a:effectLst/>
-                <a:ea typeface="微软雅黑" panose="020B0503020204020204" pitchFamily="34" charset="-122"/>
-                <a:cs typeface="微软雅黑" panose="020B0503020204020204" pitchFamily="34" charset="-122"/>
-              </a:rPr>
-              <a:t>的最佳路径，但是为查询提供了有价值的剪枝界限。</a:t>
-            </a:r>
-            <a:r>
-              <a:rPr lang="en-US" altLang="zh-CN" sz="1800" dirty="0" err="1">
-                <a:effectLst/>
-                <a:ea typeface="微软雅黑" panose="020B0503020204020204" pitchFamily="34" charset="-122"/>
-                <a:cs typeface="微软雅黑" panose="020B0503020204020204" pitchFamily="34" charset="-122"/>
-              </a:rPr>
-              <a:t>GraphCPP</a:t>
-            </a:r>
-            <a:r>
-              <a:rPr lang="zh-CN" altLang="zh-CN" sz="1800" dirty="0">
-                <a:effectLst/>
-                <a:ea typeface="微软雅黑" panose="020B0503020204020204" pitchFamily="34" charset="-122"/>
-                <a:cs typeface="微软雅黑" panose="020B0503020204020204" pitchFamily="34" charset="-122"/>
-              </a:rPr>
-              <a:t>借助全局索引机制快速确定途径路径，实现了第一层次的计算共享；进一步的，核心子图机制在无需预处理的前提下，挖掘已有查询结果的最佳路径，实现对不同查询重叠热路径的计算的共享。和全局索引相比，核心子图更加轻量级，因此可以通过增加热顶点数目做到更高的覆盖范围，进而可以提供更精确的剪枝界限值，从而加速剪枝查询的收敛速度。算法</a:t>
-            </a:r>
-            <a:r>
-              <a:rPr lang="en-US" altLang="zh-CN" sz="1800" dirty="0">
-                <a:effectLst/>
-                <a:ea typeface="微软雅黑" panose="020B0503020204020204" pitchFamily="34" charset="-122"/>
-                <a:cs typeface="微软雅黑" panose="020B0503020204020204" pitchFamily="34" charset="-122"/>
-              </a:rPr>
-              <a:t>3</a:t>
-            </a:r>
-            <a:r>
-              <a:rPr lang="zh-CN" altLang="zh-CN" sz="1800" dirty="0">
-                <a:effectLst/>
-                <a:ea typeface="微软雅黑" panose="020B0503020204020204" pitchFamily="34" charset="-122"/>
-                <a:cs typeface="微软雅黑" panose="020B0503020204020204" pitchFamily="34" charset="-122"/>
-              </a:rPr>
-              <a:t>展示了计算共享机制的伪代码</a:t>
-            </a:r>
-            <a:r>
-              <a:rPr lang="en-US" altLang="zh-CN" sz="1800" dirty="0">
-                <a:effectLst/>
-                <a:latin typeface="微软雅黑" panose="020B0503020204020204" pitchFamily="34" charset="-122"/>
-                <a:cs typeface="微软雅黑" panose="020B0503020204020204" pitchFamily="34" charset="-122"/>
-              </a:rPr>
-              <a:t> </a:t>
-            </a:r>
-            <a:r>
-              <a:rPr lang="zh-CN" altLang="zh-CN" sz="1800" dirty="0">
-                <a:effectLst/>
-                <a:ea typeface="微软雅黑" panose="020B0503020204020204" pitchFamily="34" charset="-122"/>
-                <a:cs typeface="微软雅黑" panose="020B0503020204020204" pitchFamily="34" charset="-122"/>
-              </a:rPr>
-              <a:t>。</a:t>
+              <a:t>）。和全局索引相比，核心子图更加轻量级，因此可以通过增加热顶点数目做到更高的覆盖范围，进而可以提供更精确的剪枝界限值，从而加速剪枝查询的收敛速度</a:t>
             </a:r>
             <a:endParaRPr lang="en-US" altLang="zh-CN" sz="1800" dirty="0">
               <a:effectLst/>
@@ -977,6 +867,7 @@
             <a:endParaRPr lang="en-US" altLang="zh-CN" sz="1800" dirty="0">
               <a:effectLst/>
               <a:ea typeface="微软雅黑" panose="020B0503020204020204" pitchFamily="34" charset="-122"/>
+              <a:cs typeface="微软雅黑" panose="020B0503020204020204" pitchFamily="34" charset="-122"/>
             </a:endParaRPr>
           </a:p>
           <a:p>
@@ -986,7 +877,7 @@
                 <a:ea typeface="微软雅黑" panose="020B0503020204020204" pitchFamily="34" charset="-122"/>
                 <a:cs typeface="微软雅黑" panose="020B0503020204020204" pitchFamily="34" charset="-122"/>
               </a:rPr>
-              <a:t>实现计算共享的执行步骤如下：</a:t>
+              <a:t>由于图遵循幂律分布的特点，少量的全局顶点充当了大量查询路径上的枢纽节点。这意味着对于大部分点对点查询</a:t>
             </a:r>
             <a:r>
               <a:rPr lang="en-US" altLang="zh-CN" sz="1800" dirty="0">
@@ -994,7 +885,7 @@
                 <a:ea typeface="微软雅黑" panose="020B0503020204020204" pitchFamily="34" charset="-122"/>
                 <a:cs typeface="微软雅黑" panose="020B0503020204020204" pitchFamily="34" charset="-122"/>
               </a:rPr>
-              <a:t>1</a:t>
+              <a:t>qi</a:t>
             </a:r>
             <a:r>
               <a:rPr lang="zh-CN" altLang="zh-CN" sz="1800" dirty="0">
@@ -1002,7 +893,23 @@
                 <a:ea typeface="微软雅黑" panose="020B0503020204020204" pitchFamily="34" charset="-122"/>
                 <a:cs typeface="微软雅黑" panose="020B0503020204020204" pitchFamily="34" charset="-122"/>
               </a:rPr>
-              <a:t>，索引预处理（第</a:t>
+              <a:t>，都可以找到一条从</a:t>
+            </a:r>
+            <a:r>
+              <a:rPr lang="en-US" altLang="zh-CN" sz="1800" dirty="0" err="1">
+                <a:effectLst/>
+                <a:ea typeface="微软雅黑" panose="020B0503020204020204" pitchFamily="34" charset="-122"/>
+                <a:cs typeface="微软雅黑" panose="020B0503020204020204" pitchFamily="34" charset="-122"/>
+              </a:rPr>
+              <a:t>si</a:t>
+            </a:r>
+            <a:r>
+              <a:rPr lang="zh-CN" altLang="zh-CN" sz="1800" dirty="0">
+                <a:effectLst/>
+                <a:ea typeface="微软雅黑" panose="020B0503020204020204" pitchFamily="34" charset="-122"/>
+                <a:cs typeface="微软雅黑" panose="020B0503020204020204" pitchFamily="34" charset="-122"/>
+              </a:rPr>
+              <a:t>出发，途径至少一个全局顶点到达</a:t>
             </a:r>
             <a:r>
               <a:rPr lang="en-US" altLang="zh-CN" sz="1800" dirty="0">
@@ -1010,7 +917,7 @@
                 <a:ea typeface="微软雅黑" panose="020B0503020204020204" pitchFamily="34" charset="-122"/>
                 <a:cs typeface="微软雅黑" panose="020B0503020204020204" pitchFamily="34" charset="-122"/>
               </a:rPr>
-              <a:t>2</a:t>
+              <a:t>di</a:t>
             </a:r>
             <a:r>
               <a:rPr lang="zh-CN" altLang="zh-CN" sz="1800" dirty="0">
@@ -1018,7 +925,23 @@
                 <a:ea typeface="微软雅黑" panose="020B0503020204020204" pitchFamily="34" charset="-122"/>
                 <a:cs typeface="微软雅黑" panose="020B0503020204020204" pitchFamily="34" charset="-122"/>
               </a:rPr>
-              <a:t>行），系统在对顶点的度数进行排序之后，选择度数最高的</a:t>
+              <a:t>的路径。这条路径虽然不一定是查询</a:t>
+            </a:r>
+            <a:r>
+              <a:rPr lang="en-US" altLang="zh-CN" sz="1800" dirty="0">
+                <a:effectLst/>
+                <a:ea typeface="微软雅黑" panose="020B0503020204020204" pitchFamily="34" charset="-122"/>
+                <a:cs typeface="微软雅黑" panose="020B0503020204020204" pitchFamily="34" charset="-122"/>
+              </a:rPr>
+              <a:t>qi</a:t>
+            </a:r>
+            <a:r>
+              <a:rPr lang="zh-CN" altLang="zh-CN" sz="1800" dirty="0">
+                <a:effectLst/>
+                <a:ea typeface="微软雅黑" panose="020B0503020204020204" pitchFamily="34" charset="-122"/>
+                <a:cs typeface="微软雅黑" panose="020B0503020204020204" pitchFamily="34" charset="-122"/>
+              </a:rPr>
+              <a:t>的最佳路径，但是为查询提供了有价值的剪枝界限。</a:t>
             </a:r>
             <a:r>
               <a:rPr lang="en-US" altLang="zh-CN" sz="1800" dirty="0" err="1">
@@ -1026,7 +949,7 @@
                 <a:ea typeface="微软雅黑" panose="020B0503020204020204" pitchFamily="34" charset="-122"/>
                 <a:cs typeface="微软雅黑" panose="020B0503020204020204" pitchFamily="34" charset="-122"/>
               </a:rPr>
-              <a:t>k+m</a:t>
+              <a:t>GraphCPP</a:t>
             </a:r>
             <a:r>
               <a:rPr lang="zh-CN" altLang="zh-CN" sz="1800" dirty="0">
@@ -1034,169 +957,43 @@
                 <a:ea typeface="微软雅黑" panose="020B0503020204020204" pitchFamily="34" charset="-122"/>
                 <a:cs typeface="微软雅黑" panose="020B0503020204020204" pitchFamily="34" charset="-122"/>
               </a:rPr>
-              <a:t>个热顶点，将前</a:t>
-            </a:r>
-            <a:r>
-              <a:rPr lang="en-US" altLang="zh-CN" sz="1800" dirty="0">
-                <a:effectLst/>
-                <a:ea typeface="微软雅黑" panose="020B0503020204020204" pitchFamily="34" charset="-122"/>
-                <a:cs typeface="微软雅黑" panose="020B0503020204020204" pitchFamily="34" charset="-122"/>
-              </a:rPr>
-              <a:t>k</a:t>
-            </a:r>
+              <a:t>借助全局索引机制快速确定途径路径，实现了第一层次的计算共享；</a:t>
+            </a:r>
+            <a:endParaRPr lang="en-US" altLang="zh-CN" sz="1800" dirty="0">
+              <a:effectLst/>
+              <a:ea typeface="微软雅黑" panose="020B0503020204020204" pitchFamily="34" charset="-122"/>
+              <a:cs typeface="微软雅黑" panose="020B0503020204020204" pitchFamily="34" charset="-122"/>
+            </a:endParaRPr>
+          </a:p>
+          <a:p>
+            <a:endParaRPr lang="en-US" altLang="zh-CN" sz="1800" dirty="0">
+              <a:effectLst/>
+              <a:ea typeface="微软雅黑" panose="020B0503020204020204" pitchFamily="34" charset="-122"/>
+              <a:cs typeface="微软雅黑" panose="020B0503020204020204" pitchFamily="34" charset="-122"/>
+            </a:endParaRPr>
+          </a:p>
+          <a:p>
             <a:r>
               <a:rPr lang="zh-CN" altLang="zh-CN" sz="1800" dirty="0">
                 <a:effectLst/>
                 <a:ea typeface="微软雅黑" panose="020B0503020204020204" pitchFamily="34" charset="-122"/>
                 <a:cs typeface="微软雅黑" panose="020B0503020204020204" pitchFamily="34" charset="-122"/>
               </a:rPr>
-              <a:t>个顶点作为全局索引顶点（</a:t>
-            </a:r>
-            <a:r>
-              <a:rPr lang="en-US" altLang="zh-CN" sz="1800" dirty="0">
-                <a:effectLst/>
-                <a:ea typeface="微软雅黑" panose="020B0503020204020204" pitchFamily="34" charset="-122"/>
-                <a:cs typeface="微软雅黑" panose="020B0503020204020204" pitchFamily="34" charset="-122"/>
-              </a:rPr>
-              <a:t>k</a:t>
-            </a:r>
-            <a:r>
-              <a:rPr lang="zh-CN" altLang="zh-CN" sz="1800" dirty="0">
-                <a:effectLst/>
-                <a:ea typeface="微软雅黑" panose="020B0503020204020204" pitchFamily="34" charset="-122"/>
-                <a:cs typeface="微软雅黑" panose="020B0503020204020204" pitchFamily="34" charset="-122"/>
-              </a:rPr>
-              <a:t>值由用户确定），剩下的顶点作为核心子图顶点。全局索引的计算在预处理阶段完成，</a:t>
-            </a:r>
-            <a:r>
-              <a:rPr lang="en-US" altLang="zh-CN" sz="1800" dirty="0" err="1">
-                <a:effectLst/>
-                <a:ea typeface="微软雅黑" panose="020B0503020204020204" pitchFamily="34" charset="-122"/>
-                <a:cs typeface="微软雅黑" panose="020B0503020204020204" pitchFamily="34" charset="-122"/>
-              </a:rPr>
-              <a:t>GraphCPP</a:t>
-            </a:r>
-            <a:r>
-              <a:rPr lang="zh-CN" altLang="zh-CN" sz="1800" dirty="0">
-                <a:effectLst/>
-                <a:ea typeface="微软雅黑" panose="020B0503020204020204" pitchFamily="34" charset="-122"/>
-                <a:cs typeface="微软雅黑" panose="020B0503020204020204" pitchFamily="34" charset="-122"/>
-              </a:rPr>
-              <a:t>会执行</a:t>
-            </a:r>
-            <a:r>
-              <a:rPr lang="en-US" altLang="zh-CN" sz="1800" dirty="0">
-                <a:effectLst/>
-                <a:ea typeface="微软雅黑" panose="020B0503020204020204" pitchFamily="34" charset="-122"/>
-                <a:cs typeface="微软雅黑" panose="020B0503020204020204" pitchFamily="34" charset="-122"/>
-              </a:rPr>
-              <a:t>SSSP</a:t>
-            </a:r>
-            <a:r>
-              <a:rPr lang="zh-CN" altLang="zh-CN" sz="1800" dirty="0">
-                <a:effectLst/>
-                <a:ea typeface="微软雅黑" panose="020B0503020204020204" pitchFamily="34" charset="-122"/>
-                <a:cs typeface="微软雅黑" panose="020B0503020204020204" pitchFamily="34" charset="-122"/>
-              </a:rPr>
-              <a:t>算法计算</a:t>
-            </a:r>
-            <a:r>
-              <a:rPr lang="en-US" altLang="zh-CN" sz="1800" dirty="0">
-                <a:effectLst/>
-                <a:ea typeface="微软雅黑" panose="020B0503020204020204" pitchFamily="34" charset="-122"/>
-                <a:cs typeface="微软雅黑" panose="020B0503020204020204" pitchFamily="34" charset="-122"/>
-              </a:rPr>
-              <a:t>k</a:t>
-            </a:r>
-            <a:r>
-              <a:rPr lang="zh-CN" altLang="zh-CN" sz="1800" dirty="0">
-                <a:effectLst/>
-                <a:ea typeface="微软雅黑" panose="020B0503020204020204" pitchFamily="34" charset="-122"/>
-                <a:cs typeface="微软雅黑" panose="020B0503020204020204" pitchFamily="34" charset="-122"/>
-              </a:rPr>
-              <a:t>个高度顶点与图上的所有顶点的最佳路径（包含索引值和路径父节点），将结果存入以高度顶点</a:t>
-            </a:r>
-            <a:r>
-              <a:rPr lang="en-US" altLang="zh-CN" sz="1800" dirty="0">
-                <a:effectLst/>
-                <a:ea typeface="微软雅黑" panose="020B0503020204020204" pitchFamily="34" charset="-122"/>
-                <a:cs typeface="微软雅黑" panose="020B0503020204020204" pitchFamily="34" charset="-122"/>
-              </a:rPr>
-              <a:t>id</a:t>
-            </a:r>
-            <a:r>
-              <a:rPr lang="zh-CN" altLang="zh-CN" sz="1800" dirty="0">
-                <a:effectLst/>
-                <a:ea typeface="微软雅黑" panose="020B0503020204020204" pitchFamily="34" charset="-122"/>
-                <a:cs typeface="微软雅黑" panose="020B0503020204020204" pitchFamily="34" charset="-122"/>
-              </a:rPr>
-              <a:t>为索引的数组保存。核心子图省去了预计算过程，直接复用每次查询的计算结果，因此在预处理阶段只需要进行初始化。</a:t>
-            </a:r>
-            <a:r>
-              <a:rPr lang="en-US" altLang="zh-CN" sz="1800" dirty="0">
-                <a:effectLst/>
-                <a:ea typeface="微软雅黑" panose="020B0503020204020204" pitchFamily="34" charset="-122"/>
-                <a:cs typeface="微软雅黑" panose="020B0503020204020204" pitchFamily="34" charset="-122"/>
-              </a:rPr>
-              <a:t>2</a:t>
-            </a:r>
-            <a:r>
-              <a:rPr lang="zh-CN" altLang="zh-CN" sz="1800" dirty="0">
-                <a:effectLst/>
-                <a:ea typeface="微软雅黑" panose="020B0503020204020204" pitchFamily="34" charset="-122"/>
-                <a:cs typeface="微软雅黑" panose="020B0503020204020204" pitchFamily="34" charset="-122"/>
-              </a:rPr>
-              <a:t>，计算共享（第</a:t>
-            </a:r>
-            <a:r>
-              <a:rPr lang="en-US" altLang="zh-CN" sz="1800" dirty="0">
-                <a:effectLst/>
-                <a:ea typeface="微软雅黑" panose="020B0503020204020204" pitchFamily="34" charset="-122"/>
-                <a:cs typeface="微软雅黑" panose="020B0503020204020204" pitchFamily="34" charset="-122"/>
-              </a:rPr>
-              <a:t>6-19</a:t>
-            </a:r>
-            <a:r>
-              <a:rPr lang="zh-CN" altLang="zh-CN" sz="1800" dirty="0">
-                <a:effectLst/>
-                <a:ea typeface="微软雅黑" panose="020B0503020204020204" pitchFamily="34" charset="-122"/>
-                <a:cs typeface="微软雅黑" panose="020B0503020204020204" pitchFamily="34" charset="-122"/>
-              </a:rPr>
-              <a:t>行）：全局索引顶点充当了查询路径的枢纽节点，大部分查询都存在至少一条经过全局索引顶点的路径，虽然这条路径不一定是最佳路径，但是却为查询剪枝提供了一个可靠参考。因此每次执行点对点查询前，首先借助全局索引确定粗略的界限值，这是第一层次的计算共享。接下来，执行迭代查询算法，不断处理新的活跃顶点，直至所有顶点都收敛。对于每一个活跃顶点，我们首先判断它是否属于核心子图以决定能否使用共享。由于初始时核心子图为空，所以不会参与共享，随着查询任务的执行，核心子图中逐渐新增了更多热路径。当活跃顶点属于核心子图成员时，就可以借助核心子图直接获取到对应起始顶点的热路径值，从而避免了对热路径的重复计算。此外核心子图可以让查询边界通过热路径直接从一个热顶点跳到另一个热顶点，加速了点对点查询的速度</a:t>
-            </a:r>
-            <a:r>
-              <a:rPr lang="en-US" altLang="zh-CN" sz="1800" dirty="0">
-                <a:effectLst/>
-                <a:ea typeface="微软雅黑" panose="020B0503020204020204" pitchFamily="34" charset="-122"/>
-                <a:cs typeface="微软雅黑" panose="020B0503020204020204" pitchFamily="34" charset="-122"/>
-              </a:rPr>
-              <a:t>3</a:t>
-            </a:r>
-            <a:r>
-              <a:rPr lang="zh-CN" altLang="zh-CN" sz="1800" dirty="0">
-                <a:effectLst/>
-                <a:ea typeface="微软雅黑" panose="020B0503020204020204" pitchFamily="34" charset="-122"/>
-                <a:cs typeface="微软雅黑" panose="020B0503020204020204" pitchFamily="34" charset="-122"/>
-              </a:rPr>
-              <a:t>，维护核心子图（第</a:t>
-            </a:r>
-            <a:r>
-              <a:rPr lang="en-US" altLang="zh-CN" sz="1800" dirty="0">
-                <a:effectLst/>
-                <a:ea typeface="微软雅黑" panose="020B0503020204020204" pitchFamily="34" charset="-122"/>
-                <a:cs typeface="微软雅黑" panose="020B0503020204020204" pitchFamily="34" charset="-122"/>
-              </a:rPr>
-              <a:t>20-23</a:t>
-            </a:r>
-            <a:r>
-              <a:rPr lang="zh-CN" altLang="zh-CN" sz="1800" dirty="0">
-                <a:effectLst/>
-                <a:ea typeface="微软雅黑" panose="020B0503020204020204" pitchFamily="34" charset="-122"/>
-                <a:cs typeface="微软雅黑" panose="020B0503020204020204" pitchFamily="34" charset="-122"/>
-              </a:rPr>
-              <a:t>行）：为了保证核心子图的轻量级，我们不对热路径进行预计算，而是通过从已有的最佳路径中发掘热路径的子集，来复用之前的计算结果。显然一条最佳路径上任意两个顶点之间的路径都是最佳路径，因此我们只需要以很小的开销，识别已有结果中的热顶点，并通过前缀和方法求得热顶点之间的结果即可。为了实现这一目的，我们需要在查询过程中保留遍历路径以及从源顶点出发到达每一个中间点的路径值，由于点对点查询本来需要计算这些信息，因此并不会造成额外的计算开销。通过上述步骤，我们用轻量级的核心子图索引，实现了高效地数据共享。</a:t>
-            </a:r>
-            <a:endParaRPr lang="zh-CN" altLang="en-US" dirty="0"/>
+              <a:t>进一步的，核心子图机制在无需预处理的前提下，挖掘已有查询结果的最佳路径，</a:t>
+            </a:r>
+            <a:r>
+              <a:rPr lang="zh-CN" altLang="en-US" sz="1800" dirty="0">
+                <a:effectLst/>
+                <a:ea typeface="微软雅黑" panose="020B0503020204020204" pitchFamily="34" charset="-122"/>
+                <a:cs typeface="微软雅黑" panose="020B0503020204020204" pitchFamily="34" charset="-122"/>
+              </a:rPr>
+              <a:t>不同查询任务在遍历到核心子图中的顶点时，可以直接共享热路径的计算结果。既加快了查询的遍历速度，又免去了重复遍历的时间。</a:t>
+            </a:r>
+            <a:endParaRPr lang="en-US" altLang="zh-CN" sz="1800" dirty="0">
+              <a:effectLst/>
+              <a:ea typeface="微软雅黑" panose="020B0503020204020204" pitchFamily="34" charset="-122"/>
+              <a:cs typeface="微软雅黑" panose="020B0503020204020204" pitchFamily="34" charset="-122"/>
+            </a:endParaRPr>
           </a:p>
         </p:txBody>
       </p:sp>
@@ -1276,64 +1073,243 @@
           <a:lstStyle/>
           <a:p>
             <a:r>
-              <a:rPr lang="zh-CN" altLang="en-US" dirty="0"/>
-              <a:t>性能对比环节，我们选择了拿</a:t>
-            </a:r>
-            <a:r>
-              <a:rPr lang="en-US" altLang="zh-CN" dirty="0" err="1"/>
+              <a:rPr lang="zh-CN" altLang="zh-CN" sz="1800" dirty="0">
+                <a:effectLst/>
+                <a:ea typeface="微软雅黑" panose="020B0503020204020204" pitchFamily="34" charset="-122"/>
+                <a:cs typeface="微软雅黑" panose="020B0503020204020204" pitchFamily="34" charset="-122"/>
+              </a:rPr>
+              <a:t>实现计算共享的执行步骤如下：</a:t>
+            </a:r>
+            <a:endParaRPr lang="en-US" altLang="zh-CN" sz="1800" dirty="0">
+              <a:effectLst/>
+              <a:ea typeface="微软雅黑" panose="020B0503020204020204" pitchFamily="34" charset="-122"/>
+              <a:cs typeface="微软雅黑" panose="020B0503020204020204" pitchFamily="34" charset="-122"/>
+            </a:endParaRPr>
+          </a:p>
+          <a:p>
+            <a:r>
+              <a:rPr lang="en-US" altLang="zh-CN" sz="1800" dirty="0">
+                <a:effectLst/>
+                <a:ea typeface="微软雅黑" panose="020B0503020204020204" pitchFamily="34" charset="-122"/>
+                <a:cs typeface="微软雅黑" panose="020B0503020204020204" pitchFamily="34" charset="-122"/>
+              </a:rPr>
+              <a:t>1</a:t>
+            </a:r>
+            <a:r>
+              <a:rPr lang="zh-CN" altLang="zh-CN" sz="1800" dirty="0">
+                <a:effectLst/>
+                <a:ea typeface="微软雅黑" panose="020B0503020204020204" pitchFamily="34" charset="-122"/>
+                <a:cs typeface="微软雅黑" panose="020B0503020204020204" pitchFamily="34" charset="-122"/>
+              </a:rPr>
+              <a:t>，索引预处理（第</a:t>
+            </a:r>
+            <a:r>
+              <a:rPr lang="en-US" altLang="zh-CN" sz="1800" dirty="0">
+                <a:effectLst/>
+                <a:ea typeface="微软雅黑" panose="020B0503020204020204" pitchFamily="34" charset="-122"/>
+                <a:cs typeface="微软雅黑" panose="020B0503020204020204" pitchFamily="34" charset="-122"/>
+              </a:rPr>
+              <a:t>2</a:t>
+            </a:r>
+            <a:r>
+              <a:rPr lang="zh-CN" altLang="zh-CN" sz="1800" dirty="0">
+                <a:effectLst/>
+                <a:ea typeface="微软雅黑" panose="020B0503020204020204" pitchFamily="34" charset="-122"/>
+                <a:cs typeface="微软雅黑" panose="020B0503020204020204" pitchFamily="34" charset="-122"/>
+              </a:rPr>
+              <a:t>行），系统在对顶点的度数进行排序之后，选择度数最高的</a:t>
+            </a:r>
+            <a:r>
+              <a:rPr lang="en-US" altLang="zh-CN" sz="1800" dirty="0" err="1">
+                <a:effectLst/>
+                <a:ea typeface="微软雅黑" panose="020B0503020204020204" pitchFamily="34" charset="-122"/>
+                <a:cs typeface="微软雅黑" panose="020B0503020204020204" pitchFamily="34" charset="-122"/>
+              </a:rPr>
+              <a:t>k+m</a:t>
+            </a:r>
+            <a:r>
+              <a:rPr lang="zh-CN" altLang="zh-CN" sz="1800" dirty="0">
+                <a:effectLst/>
+                <a:ea typeface="微软雅黑" panose="020B0503020204020204" pitchFamily="34" charset="-122"/>
+                <a:cs typeface="微软雅黑" panose="020B0503020204020204" pitchFamily="34" charset="-122"/>
+              </a:rPr>
+              <a:t>个热顶点，将前</a:t>
+            </a:r>
+            <a:r>
+              <a:rPr lang="en-US" altLang="zh-CN" sz="1800" dirty="0">
+                <a:effectLst/>
+                <a:ea typeface="微软雅黑" panose="020B0503020204020204" pitchFamily="34" charset="-122"/>
+                <a:cs typeface="微软雅黑" panose="020B0503020204020204" pitchFamily="34" charset="-122"/>
+              </a:rPr>
+              <a:t>k</a:t>
+            </a:r>
+            <a:r>
+              <a:rPr lang="zh-CN" altLang="zh-CN" sz="1800" dirty="0">
+                <a:effectLst/>
+                <a:ea typeface="微软雅黑" panose="020B0503020204020204" pitchFamily="34" charset="-122"/>
+                <a:cs typeface="微软雅黑" panose="020B0503020204020204" pitchFamily="34" charset="-122"/>
+              </a:rPr>
+              <a:t>个顶点作为全局索引顶点（</a:t>
+            </a:r>
+            <a:r>
+              <a:rPr lang="en-US" altLang="zh-CN" sz="1800" dirty="0">
+                <a:effectLst/>
+                <a:ea typeface="微软雅黑" panose="020B0503020204020204" pitchFamily="34" charset="-122"/>
+                <a:cs typeface="微软雅黑" panose="020B0503020204020204" pitchFamily="34" charset="-122"/>
+              </a:rPr>
+              <a:t>k</a:t>
+            </a:r>
+            <a:r>
+              <a:rPr lang="zh-CN" altLang="zh-CN" sz="1800" dirty="0">
+                <a:effectLst/>
+                <a:ea typeface="微软雅黑" panose="020B0503020204020204" pitchFamily="34" charset="-122"/>
+                <a:cs typeface="微软雅黑" panose="020B0503020204020204" pitchFamily="34" charset="-122"/>
+              </a:rPr>
+              <a:t>值由用户确定），剩下的顶点作为核心子图顶点。全局索引的计算在预处理阶段完成，</a:t>
+            </a:r>
+            <a:r>
+              <a:rPr lang="en-US" altLang="zh-CN" sz="1800" dirty="0" err="1">
+                <a:effectLst/>
+                <a:ea typeface="微软雅黑" panose="020B0503020204020204" pitchFamily="34" charset="-122"/>
+                <a:cs typeface="微软雅黑" panose="020B0503020204020204" pitchFamily="34" charset="-122"/>
+              </a:rPr>
               <a:t>GraphCPP</a:t>
             </a:r>
             <a:r>
-              <a:rPr lang="zh-CN" altLang="en-US" dirty="0"/>
-              <a:t>和之前最好的</a:t>
-            </a:r>
-            <a:r>
-              <a:rPr lang="en-US" altLang="zh-CN" dirty="0" err="1"/>
-              <a:t>SGraph</a:t>
-            </a:r>
-            <a:r>
-              <a:rPr lang="zh-CN" altLang="en-US" dirty="0"/>
-              <a:t>进行对比，经过并发优化的</a:t>
-            </a:r>
-            <a:r>
-              <a:rPr lang="en-US" altLang="zh-CN" dirty="0" err="1"/>
-              <a:t>GraphCPP</a:t>
-            </a:r>
-            <a:r>
-              <a:rPr lang="zh-CN" altLang="en-US" dirty="0"/>
-              <a:t>取得了</a:t>
-            </a:r>
-            <a:r>
-              <a:rPr lang="en-US" altLang="zh-CN" dirty="0"/>
+              <a:rPr lang="zh-CN" altLang="zh-CN" sz="1800" dirty="0">
+                <a:effectLst/>
+                <a:ea typeface="微软雅黑" panose="020B0503020204020204" pitchFamily="34" charset="-122"/>
+                <a:cs typeface="微软雅黑" panose="020B0503020204020204" pitchFamily="34" charset="-122"/>
+              </a:rPr>
+              <a:t>会执行</a:t>
+            </a:r>
+            <a:r>
+              <a:rPr lang="en-US" altLang="zh-CN" sz="1800" dirty="0">
+                <a:effectLst/>
+                <a:ea typeface="微软雅黑" panose="020B0503020204020204" pitchFamily="34" charset="-122"/>
+                <a:cs typeface="微软雅黑" panose="020B0503020204020204" pitchFamily="34" charset="-122"/>
+              </a:rPr>
+              <a:t>SSSP</a:t>
+            </a:r>
+            <a:r>
+              <a:rPr lang="zh-CN" altLang="zh-CN" sz="1800" dirty="0">
+                <a:effectLst/>
+                <a:ea typeface="微软雅黑" panose="020B0503020204020204" pitchFamily="34" charset="-122"/>
+                <a:cs typeface="微软雅黑" panose="020B0503020204020204" pitchFamily="34" charset="-122"/>
+              </a:rPr>
+              <a:t>算法计算</a:t>
+            </a:r>
+            <a:r>
+              <a:rPr lang="en-US" altLang="zh-CN" sz="1800" dirty="0">
+                <a:effectLst/>
+                <a:ea typeface="微软雅黑" panose="020B0503020204020204" pitchFamily="34" charset="-122"/>
+                <a:cs typeface="微软雅黑" panose="020B0503020204020204" pitchFamily="34" charset="-122"/>
+              </a:rPr>
+              <a:t>k</a:t>
+            </a:r>
+            <a:r>
+              <a:rPr lang="zh-CN" altLang="zh-CN" sz="1800" dirty="0">
+                <a:effectLst/>
+                <a:ea typeface="微软雅黑" panose="020B0503020204020204" pitchFamily="34" charset="-122"/>
+                <a:cs typeface="微软雅黑" panose="020B0503020204020204" pitchFamily="34" charset="-122"/>
+              </a:rPr>
+              <a:t>个高度顶点与图上的所有顶点的最佳路径（包含索引值和路径父节点），将结果存入以高度顶点</a:t>
+            </a:r>
+            <a:r>
+              <a:rPr lang="en-US" altLang="zh-CN" sz="1800" dirty="0">
+                <a:effectLst/>
+                <a:ea typeface="微软雅黑" panose="020B0503020204020204" pitchFamily="34" charset="-122"/>
+                <a:cs typeface="微软雅黑" panose="020B0503020204020204" pitchFamily="34" charset="-122"/>
+              </a:rPr>
+              <a:t>id</a:t>
+            </a:r>
+            <a:r>
+              <a:rPr lang="zh-CN" altLang="zh-CN" sz="1800" dirty="0">
+                <a:effectLst/>
+                <a:ea typeface="微软雅黑" panose="020B0503020204020204" pitchFamily="34" charset="-122"/>
+                <a:cs typeface="微软雅黑" panose="020B0503020204020204" pitchFamily="34" charset="-122"/>
+              </a:rPr>
+              <a:t>为索引的数组保存。核心子图省去了预计算过程，直接复用每次查询的计算结果，因此在预处理阶段只需要进行初始化。</a:t>
+            </a:r>
+            <a:endParaRPr lang="en-US" altLang="zh-CN" sz="1800" dirty="0">
+              <a:effectLst/>
+              <a:ea typeface="微软雅黑" panose="020B0503020204020204" pitchFamily="34" charset="-122"/>
+              <a:cs typeface="微软雅黑" panose="020B0503020204020204" pitchFamily="34" charset="-122"/>
+            </a:endParaRPr>
+          </a:p>
+          <a:p>
+            <a:r>
+              <a:rPr lang="en-US" altLang="zh-CN" sz="1800" dirty="0">
+                <a:effectLst/>
+                <a:ea typeface="微软雅黑" panose="020B0503020204020204" pitchFamily="34" charset="-122"/>
+                <a:cs typeface="微软雅黑" panose="020B0503020204020204" pitchFamily="34" charset="-122"/>
+              </a:rPr>
               <a:t>2</a:t>
             </a:r>
             <a:r>
-              <a:rPr lang="zh-CN" altLang="en-US" dirty="0"/>
-              <a:t>倍的计算加速比。此外我们还实现了</a:t>
-            </a:r>
-            <a:r>
-              <a:rPr lang="en-US" altLang="zh-CN" dirty="0" err="1"/>
-              <a:t>SGraph</a:t>
-            </a:r>
-            <a:r>
-              <a:rPr lang="zh-CN" altLang="en-US" dirty="0"/>
-              <a:t>的并发版本，由于没有数据访问共享，计算共享机制也不如</a:t>
-            </a:r>
-            <a:r>
-              <a:rPr lang="en-US" altLang="zh-CN" dirty="0" err="1"/>
-              <a:t>GraphCPP</a:t>
-            </a:r>
-            <a:r>
-              <a:rPr lang="zh-CN" altLang="en-US" dirty="0"/>
-              <a:t>，我们的系统仍然能取得两倍以上的加速比。</a:t>
-            </a:r>
-            <a:endParaRPr lang="en-US" altLang="zh-CN" dirty="0"/>
-          </a:p>
-          <a:p>
-            <a:r>
-              <a:rPr lang="zh-CN" altLang="en-US" dirty="0"/>
-              <a:t>在论文中我们还设计了比较缓存命中率和缓存数据交换量，来更加全面的对比性能。但是更详细的对比还在实验阶段。</a:t>
-            </a:r>
+              <a:rPr lang="zh-CN" altLang="zh-CN" sz="1800" dirty="0">
+                <a:effectLst/>
+                <a:ea typeface="微软雅黑" panose="020B0503020204020204" pitchFamily="34" charset="-122"/>
+                <a:cs typeface="微软雅黑" panose="020B0503020204020204" pitchFamily="34" charset="-122"/>
+              </a:rPr>
+              <a:t>，计算共享（第</a:t>
+            </a:r>
+            <a:r>
+              <a:rPr lang="en-US" altLang="zh-CN" sz="1800" dirty="0">
+                <a:effectLst/>
+                <a:ea typeface="微软雅黑" panose="020B0503020204020204" pitchFamily="34" charset="-122"/>
+                <a:cs typeface="微软雅黑" panose="020B0503020204020204" pitchFamily="34" charset="-122"/>
+              </a:rPr>
+              <a:t>6-19</a:t>
+            </a:r>
+            <a:r>
+              <a:rPr lang="zh-CN" altLang="zh-CN" sz="1800" dirty="0">
+                <a:effectLst/>
+                <a:ea typeface="微软雅黑" panose="020B0503020204020204" pitchFamily="34" charset="-122"/>
+                <a:cs typeface="微软雅黑" panose="020B0503020204020204" pitchFamily="34" charset="-122"/>
+              </a:rPr>
+              <a:t>行）：全局索引顶点充当了查询路径的枢纽节点，大部分查询都存在至少一条经过全局索引顶点的路径，虽然这条路径不一定是最佳路径，但是却为查询剪枝提供了一个可靠参考。因此每次执行点对点查询前，首先借助全局索引确定粗略的界限值，这是第一层次的计算共享。接下来，执行迭代查询算法，不断处理新的活跃顶点，直至所有顶点都收敛。对于每一个活跃顶点，我们首先判断它是否属于核心子图以决定能否使用共享。由于初始时核心子图为空，所以不会参与共享，随着查询任务的执行，核心子图中逐渐新增了更多热路径。当活跃顶点属于核心子图成员时，就可以借助核心子图直接获取到对应起始顶点的热路径值，从而避免了对热路径的重复计算。此外核心子图可以让查询边界通过热路径直接从一个热顶点跳到另一个热顶点，加速了点对点查询的速度</a:t>
+            </a:r>
+            <a:endParaRPr lang="en-US" altLang="zh-CN" sz="1800" dirty="0">
+              <a:effectLst/>
+              <a:ea typeface="微软雅黑" panose="020B0503020204020204" pitchFamily="34" charset="-122"/>
+              <a:cs typeface="微软雅黑" panose="020B0503020204020204" pitchFamily="34" charset="-122"/>
+            </a:endParaRPr>
+          </a:p>
+          <a:p>
+            <a:r>
+              <a:rPr lang="en-US" altLang="zh-CN" sz="1800" dirty="0">
+                <a:effectLst/>
+                <a:ea typeface="微软雅黑" panose="020B0503020204020204" pitchFamily="34" charset="-122"/>
+                <a:cs typeface="微软雅黑" panose="020B0503020204020204" pitchFamily="34" charset="-122"/>
+              </a:rPr>
+              <a:t>3</a:t>
+            </a:r>
+            <a:r>
+              <a:rPr lang="zh-CN" altLang="zh-CN" sz="1800" dirty="0">
+                <a:effectLst/>
+                <a:ea typeface="微软雅黑" panose="020B0503020204020204" pitchFamily="34" charset="-122"/>
+                <a:cs typeface="微软雅黑" panose="020B0503020204020204" pitchFamily="34" charset="-122"/>
+              </a:rPr>
+              <a:t>，维护核心子图（第</a:t>
+            </a:r>
+            <a:r>
+              <a:rPr lang="en-US" altLang="zh-CN" sz="1800" dirty="0">
+                <a:effectLst/>
+                <a:ea typeface="微软雅黑" panose="020B0503020204020204" pitchFamily="34" charset="-122"/>
+                <a:cs typeface="微软雅黑" panose="020B0503020204020204" pitchFamily="34" charset="-122"/>
+              </a:rPr>
+              <a:t>20-23</a:t>
+            </a:r>
+            <a:r>
+              <a:rPr lang="zh-CN" altLang="zh-CN" sz="1800" dirty="0">
+                <a:effectLst/>
+                <a:ea typeface="微软雅黑" panose="020B0503020204020204" pitchFamily="34" charset="-122"/>
+                <a:cs typeface="微软雅黑" panose="020B0503020204020204" pitchFamily="34" charset="-122"/>
+              </a:rPr>
+              <a:t>行）：为了保证核心子图的轻量级，我们不对热路径进行预计算，而是通过从已有的最佳路径中发掘热路径的子集，来复用之前的计算结果。显然一条最佳路径上任意两个顶点之间的路径都是最佳路径，因此我们只需要以很小的开销，识别已有结果中的热顶点，并通过前缀和方法求得热顶点之间的结果即可。为了实现这一目的，我们需要在查询过程中保留遍历路径以及从源顶点出发到达每一个中间点的路径值，由于点对点查询本来需要计算这些信息，因此并不会造成额外的计算开销。通过上述步骤，我们用轻量级的核心子图索引，实现了高效地数据共享。</a:t>
+            </a:r>
+            <a:endParaRPr lang="zh-CN" altLang="en-US" dirty="0"/>
           </a:p>
         </p:txBody>
       </p:sp>
@@ -1352,7 +1328,7 @@
           <a:bodyPr/>
           <a:lstStyle/>
           <a:p>
-            <a:fld id="{D5AA2D13-0800-464B-9C7F-23B3B98C1C99}" type="slidenum">
+            <a:fld id="{5849F42C-2DAE-424C-A4B8-3140182C3E9F}" type="slidenum">
               <a:rPr lang="zh-CN" altLang="en-US" smtClean="0"/>
               <a:t>11</a:t>
             </a:fld>
@@ -1363,7 +1339,7 @@
     </p:spTree>
     <p:extLst>
       <p:ext uri="{BB962C8B-B14F-4D97-AF65-F5344CB8AC3E}">
-        <p14:creationId xmlns:p14="http://schemas.microsoft.com/office/powerpoint/2010/main" val="4041712227"/>
+        <p14:creationId xmlns:p14="http://schemas.microsoft.com/office/powerpoint/2010/main" val="1471578787"/>
       </p:ext>
     </p:extLst>
   </p:cSld>
@@ -1419,119 +1395,63 @@
           <a:p>
             <a:r>
               <a:rPr lang="zh-CN" altLang="en-US" dirty="0"/>
-              <a:t>最后是介绍一下之前的点对点查询方案</a:t>
+              <a:t>性能对比环节，我们选择了拿</a:t>
+            </a:r>
+            <a:r>
+              <a:rPr lang="en-US" altLang="zh-CN" dirty="0" err="1"/>
+              <a:t>GraphCPP</a:t>
+            </a:r>
+            <a:r>
+              <a:rPr lang="zh-CN" altLang="en-US" dirty="0"/>
+              <a:t>和之前最好的</a:t>
+            </a:r>
+            <a:r>
+              <a:rPr lang="en-US" altLang="zh-CN" dirty="0" err="1"/>
+              <a:t>SGraph</a:t>
+            </a:r>
+            <a:r>
+              <a:rPr lang="zh-CN" altLang="en-US" dirty="0"/>
+              <a:t>进行对比，经过并发优化的</a:t>
+            </a:r>
+            <a:r>
+              <a:rPr lang="en-US" altLang="zh-CN" dirty="0" err="1"/>
+              <a:t>GraphCPP</a:t>
+            </a:r>
+            <a:r>
+              <a:rPr lang="zh-CN" altLang="en-US" dirty="0"/>
+              <a:t>取得了</a:t>
+            </a:r>
+            <a:r>
+              <a:rPr lang="en-US" altLang="zh-CN" dirty="0"/>
+              <a:t>2</a:t>
+            </a:r>
+            <a:r>
+              <a:rPr lang="zh-CN" altLang="en-US" dirty="0"/>
+              <a:t>倍的计算加速比。此外我们还实现了</a:t>
+            </a:r>
+            <a:r>
+              <a:rPr lang="en-US" altLang="zh-CN" dirty="0" err="1"/>
+              <a:t>SGraph</a:t>
+            </a:r>
+            <a:r>
+              <a:rPr lang="zh-CN" altLang="en-US" dirty="0"/>
+              <a:t>的并发版本，由于没有数据访问共享，计算共享机制也不如</a:t>
+            </a:r>
+            <a:r>
+              <a:rPr lang="en-US" altLang="zh-CN" dirty="0" err="1"/>
+              <a:t>GraphCPP</a:t>
+            </a:r>
+            <a:r>
+              <a:rPr lang="zh-CN" altLang="en-US" dirty="0"/>
+              <a:t>，我们的系统仍然能取得两倍以上的加速比。</a:t>
             </a:r>
             <a:endParaRPr lang="en-US" altLang="zh-CN" dirty="0"/>
           </a:p>
           <a:p>
             <a:r>
-              <a:rPr lang="en-US" altLang="zh-CN" dirty="0" err="1"/>
-              <a:t>Pnp</a:t>
-            </a:r>
-            <a:r>
               <a:rPr lang="zh-CN" altLang="en-US" dirty="0"/>
-              <a:t>首先提出了针对点对点查询的在线剪枝策略，它的执行过程是首先以普通遍历的方式求出两点之间的可达路径，比如图中红色的路径是从</a:t>
-            </a:r>
-            <a:r>
-              <a:rPr lang="en-US" altLang="zh-CN" dirty="0"/>
-              <a:t>s</a:t>
-            </a:r>
-            <a:r>
-              <a:rPr lang="zh-CN" altLang="en-US" dirty="0"/>
-              <a:t>到</a:t>
-            </a:r>
-            <a:r>
-              <a:rPr lang="en-US" altLang="zh-CN" dirty="0"/>
-              <a:t>d</a:t>
-            </a:r>
-            <a:r>
-              <a:rPr lang="zh-CN" altLang="en-US" dirty="0"/>
-              <a:t>的可达路径，然后以该路径为界限进行剪枝遍历。当遍历到</a:t>
-            </a:r>
-            <a:r>
-              <a:rPr lang="en-US" altLang="zh-CN" dirty="0"/>
-              <a:t>v</a:t>
-            </a:r>
-            <a:r>
-              <a:rPr lang="zh-CN" altLang="en-US" dirty="0"/>
-              <a:t>时，发现</a:t>
-            </a:r>
-            <a:r>
-              <a:rPr lang="en-US" altLang="zh-CN" dirty="0"/>
-              <a:t>s</a:t>
-            </a:r>
-            <a:r>
-              <a:rPr lang="zh-CN" altLang="en-US" dirty="0"/>
-              <a:t>到</a:t>
-            </a:r>
-            <a:r>
-              <a:rPr lang="en-US" altLang="zh-CN" dirty="0"/>
-              <a:t>v</a:t>
-            </a:r>
-            <a:r>
-              <a:rPr lang="zh-CN" altLang="en-US" dirty="0"/>
-              <a:t>的距离已经大于界限，那么</a:t>
-            </a:r>
-            <a:r>
-              <a:rPr lang="en-US" altLang="zh-CN" dirty="0"/>
-              <a:t>v</a:t>
-            </a:r>
-            <a:r>
-              <a:rPr lang="zh-CN" altLang="en-US" dirty="0"/>
-              <a:t>之后的路径就可以被剪掉。当然如果</a:t>
-            </a:r>
-            <a:r>
-              <a:rPr lang="en-US" altLang="zh-CN" dirty="0"/>
-              <a:t>s</a:t>
-            </a:r>
-            <a:r>
-              <a:rPr lang="zh-CN" altLang="en-US" dirty="0"/>
-              <a:t>到</a:t>
-            </a:r>
-            <a:r>
-              <a:rPr lang="en-US" altLang="zh-CN" dirty="0"/>
-              <a:t>v</a:t>
-            </a:r>
-            <a:r>
-              <a:rPr lang="zh-CN" altLang="en-US" dirty="0"/>
-              <a:t>再到</a:t>
-            </a:r>
-            <a:r>
-              <a:rPr lang="en-US" altLang="zh-CN" dirty="0"/>
-              <a:t>d</a:t>
-            </a:r>
-            <a:r>
-              <a:rPr lang="zh-CN" altLang="en-US" dirty="0"/>
-              <a:t>的路径比界限还要小，此时可以更新界限值。</a:t>
-            </a:r>
-            <a:endParaRPr lang="en-US" altLang="zh-CN" dirty="0"/>
-          </a:p>
-          <a:p>
-            <a:r>
-              <a:rPr lang="en-US" altLang="zh-CN" dirty="0" err="1"/>
-              <a:t>Pnp</a:t>
-            </a:r>
-            <a:r>
-              <a:rPr lang="zh-CN" altLang="en-US" dirty="0"/>
-              <a:t>的缺点在于，在剪枝前，它需要先遍历出一条可达的路径得到界限，极端情况下，</a:t>
-            </a:r>
-            <a:r>
-              <a:rPr lang="en-US" altLang="zh-CN" dirty="0"/>
-              <a:t>s</a:t>
-            </a:r>
-            <a:r>
-              <a:rPr lang="zh-CN" altLang="en-US" dirty="0"/>
-              <a:t>遍历完所有的点，才找到</a:t>
-            </a:r>
-            <a:r>
-              <a:rPr lang="en-US" altLang="zh-CN" dirty="0"/>
-              <a:t>d</a:t>
-            </a:r>
-            <a:r>
-              <a:rPr lang="zh-CN" altLang="en-US" dirty="0"/>
-              <a:t>，此时退化为点对多点算法。</a:t>
-            </a:r>
-            <a:endParaRPr lang="en-US" altLang="zh-CN" dirty="0"/>
+              <a:t>在论文中我们还设计了比较缓存命中率和缓存数据交换量，来更加全面的对比性能。但是更详细的对比还在实验阶段。</a:t>
+            </a:r>
           </a:p>
         </p:txBody>
       </p:sp>
@@ -1559,6 +1479,11 @@
         </p:txBody>
       </p:sp>
     </p:spTree>
+    <p:extLst>
+      <p:ext uri="{BB962C8B-B14F-4D97-AF65-F5344CB8AC3E}">
+        <p14:creationId xmlns:p14="http://schemas.microsoft.com/office/powerpoint/2010/main" val="4041712227"/>
+      </p:ext>
+    </p:extLst>
   </p:cSld>
   <p:clrMapOvr>
     <a:masterClrMapping/>
@@ -1611,89 +1536,120 @@
           <a:lstStyle/>
           <a:p>
             <a:r>
+              <a:rPr lang="zh-CN" altLang="en-US" dirty="0"/>
+              <a:t>最后是介绍一下之前的点对点查询方案</a:t>
+            </a:r>
+            <a:endParaRPr lang="en-US" altLang="zh-CN" dirty="0"/>
+          </a:p>
+          <a:p>
+            <a:r>
+              <a:rPr lang="en-US" altLang="zh-CN" dirty="0" err="1"/>
+              <a:t>Pnp</a:t>
+            </a:r>
+            <a:r>
+              <a:rPr lang="zh-CN" altLang="en-US" dirty="0"/>
+              <a:t>首先提出了针对点对点查询的在线剪枝策略，它的执行过程是首先以普通遍历的方式求出两点之间的可达路径，比如图中红色的路径是从</a:t>
+            </a:r>
+            <a:r>
               <a:rPr lang="en-US" altLang="zh-CN" dirty="0"/>
-              <a:t>Tripoline</a:t>
+              <a:t>s</a:t>
             </a:r>
             <a:r>
               <a:rPr lang="zh-CN" altLang="en-US" dirty="0"/>
-              <a:t>本身不是一个点对点查询系统，但是是一个针对特定顶点的查询系统，可以被改造成一个点对点查询系统。</a:t>
+              <a:t>到</a:t>
+            </a:r>
+            <a:r>
+              <a:rPr lang="en-US" altLang="zh-CN" dirty="0"/>
+              <a:t>d</a:t>
+            </a:r>
+            <a:r>
+              <a:rPr lang="zh-CN" altLang="en-US" dirty="0"/>
+              <a:t>的可达路径，然后以该路径为界限进行剪枝遍历。当遍历到</a:t>
+            </a:r>
+            <a:r>
+              <a:rPr lang="en-US" altLang="zh-CN" dirty="0"/>
+              <a:t>v</a:t>
+            </a:r>
+            <a:r>
+              <a:rPr lang="zh-CN" altLang="en-US" dirty="0"/>
+              <a:t>时，发现</a:t>
+            </a:r>
+            <a:r>
+              <a:rPr lang="en-US" altLang="zh-CN" dirty="0"/>
+              <a:t>s</a:t>
+            </a:r>
+            <a:r>
+              <a:rPr lang="zh-CN" altLang="en-US" dirty="0"/>
+              <a:t>到</a:t>
+            </a:r>
+            <a:r>
+              <a:rPr lang="en-US" altLang="zh-CN" dirty="0"/>
+              <a:t>v</a:t>
+            </a:r>
+            <a:r>
+              <a:rPr lang="zh-CN" altLang="en-US" dirty="0"/>
+              <a:t>的距离已经大于界限，那么</a:t>
+            </a:r>
+            <a:r>
+              <a:rPr lang="en-US" altLang="zh-CN" dirty="0"/>
+              <a:t>v</a:t>
+            </a:r>
+            <a:r>
+              <a:rPr lang="zh-CN" altLang="en-US" dirty="0"/>
+              <a:t>之后的路径就可以被剪掉。当然如果</a:t>
+            </a:r>
+            <a:r>
+              <a:rPr lang="en-US" altLang="zh-CN" dirty="0"/>
+              <a:t>s</a:t>
+            </a:r>
+            <a:r>
+              <a:rPr lang="zh-CN" altLang="en-US" dirty="0"/>
+              <a:t>到</a:t>
+            </a:r>
+            <a:r>
+              <a:rPr lang="en-US" altLang="zh-CN" dirty="0"/>
+              <a:t>v</a:t>
+            </a:r>
+            <a:r>
+              <a:rPr lang="zh-CN" altLang="en-US" dirty="0"/>
+              <a:t>再到</a:t>
+            </a:r>
+            <a:r>
+              <a:rPr lang="en-US" altLang="zh-CN" dirty="0"/>
+              <a:t>d</a:t>
+            </a:r>
+            <a:r>
+              <a:rPr lang="zh-CN" altLang="en-US" dirty="0"/>
+              <a:t>的路径比界限还要小，此时可以更新界限值。</a:t>
             </a:r>
             <a:endParaRPr lang="en-US" altLang="zh-CN" dirty="0"/>
           </a:p>
           <a:p>
             <a:r>
+              <a:rPr lang="en-US" altLang="zh-CN" dirty="0" err="1"/>
+              <a:t>Pnp</a:t>
+            </a:r>
+            <a:r>
               <a:rPr lang="zh-CN" altLang="en-US" dirty="0"/>
-              <a:t>它发现增量图计算系统都需要之前的计算结果作为先验知识，只有在先验知识的基础上才能增量计算。一些算法与特定顶点无关，它们在之前图快照之前的计算结果可以直接用作先验知识。一些算法与特定的顶点相关，它的计算结果是针对于特定源顶点而言的，不能被当做先验知识。</a:t>
+              <a:t>的缺点在于，在剪枝前，它需要先遍历出一条可达的路径得到界限，极端情况下，</a:t>
+            </a:r>
+            <a:r>
+              <a:rPr lang="en-US" altLang="zh-CN" dirty="0"/>
+              <a:t>s</a:t>
+            </a:r>
+            <a:r>
+              <a:rPr lang="zh-CN" altLang="en-US" dirty="0"/>
+              <a:t>遍历完所有的点，才找到</a:t>
+            </a:r>
+            <a:r>
+              <a:rPr lang="en-US" altLang="zh-CN" dirty="0"/>
+              <a:t>d</a:t>
+            </a:r>
+            <a:r>
+              <a:rPr lang="zh-CN" altLang="en-US" dirty="0"/>
+              <a:t>，此时退化为点对多点算法。</a:t>
             </a:r>
             <a:endParaRPr lang="en-US" altLang="zh-CN" dirty="0"/>
-          </a:p>
-          <a:p>
-            <a:endParaRPr lang="en-US" altLang="zh-CN" dirty="0"/>
-          </a:p>
-          <a:p>
-            <a:r>
-              <a:rPr lang="zh-CN" altLang="en-US" dirty="0"/>
-              <a:t>例如，对于</a:t>
-            </a:r>
-            <a:r>
-              <a:rPr lang="en-US" altLang="zh-CN" dirty="0" err="1"/>
-              <a:t>pagerank</a:t>
-            </a:r>
-            <a:r>
-              <a:rPr lang="zh-CN" altLang="en-US" dirty="0"/>
-              <a:t>算法，它跟特定的顶点无关，之前与快照的</a:t>
-            </a:r>
-            <a:r>
-              <a:rPr lang="en-US" altLang="zh-CN" dirty="0" err="1"/>
-              <a:t>pagerank</a:t>
-            </a:r>
-            <a:r>
-              <a:rPr lang="zh-CN" altLang="en-US" dirty="0"/>
-              <a:t>值经过增量处理后，可以在当前图快照继续使用。</a:t>
-            </a:r>
-            <a:endParaRPr lang="en-US" altLang="zh-CN" dirty="0"/>
-          </a:p>
-          <a:p>
-            <a:endParaRPr lang="en-US" altLang="zh-CN" dirty="0"/>
-          </a:p>
-          <a:p>
-            <a:r>
-              <a:rPr lang="zh-CN" altLang="en-US" dirty="0"/>
-              <a:t>但是对于</a:t>
-            </a:r>
-            <a:r>
-              <a:rPr lang="en-US" altLang="zh-CN" dirty="0"/>
-              <a:t>BFS</a:t>
-            </a:r>
-            <a:r>
-              <a:rPr lang="zh-CN" altLang="en-US" dirty="0"/>
-              <a:t>算法，它与特定的源顶点有关。之前的图快照，我们获得了以顶点</a:t>
-            </a:r>
-            <a:r>
-              <a:rPr lang="en-US" altLang="zh-CN" dirty="0"/>
-              <a:t>v1</a:t>
-            </a:r>
-            <a:r>
-              <a:rPr lang="zh-CN" altLang="en-US" dirty="0"/>
-              <a:t>为源顶点到达所有顶点的层级。此时新的查询到来，需要获取以顶点</a:t>
-            </a:r>
-            <a:r>
-              <a:rPr lang="en-US" altLang="zh-CN" dirty="0"/>
-              <a:t>v2</a:t>
-            </a:r>
-            <a:r>
-              <a:rPr lang="zh-CN" altLang="en-US" dirty="0"/>
-              <a:t>为源顶点的</a:t>
-            </a:r>
-            <a:r>
-              <a:rPr lang="en-US" altLang="zh-CN" dirty="0"/>
-              <a:t>BFS</a:t>
-            </a:r>
-            <a:r>
-              <a:rPr lang="zh-CN" altLang="en-US" dirty="0"/>
-              <a:t>结果，此时之前的结果不能用了必须画大代价重新计算先验知识，才能继续查询。</a:t>
-            </a:r>
-            <a:endParaRPr kumimoji="1" lang="zh-CN" altLang="en-US" dirty="0"/>
           </a:p>
         </p:txBody>
       </p:sp>
@@ -1778,111 +1734,50 @@
             </a:r>
             <a:r>
               <a:rPr lang="zh-CN" altLang="en-US" dirty="0"/>
-              <a:t>提出了图上的三角不等式，例如对于</a:t>
-            </a:r>
-            <a:r>
-              <a:rPr lang="en-US" altLang="zh-CN" dirty="0"/>
-              <a:t>SSSP</a:t>
-            </a:r>
+              <a:t>本身不是一个点对点查询系统，但是是一个针对特定顶点的查询系统，可以被改造成一个点对点查询系统。</a:t>
+            </a:r>
+            <a:endParaRPr lang="en-US" altLang="zh-CN" dirty="0"/>
+          </a:p>
+          <a:p>
             <a:r>
               <a:rPr lang="zh-CN" altLang="en-US" dirty="0"/>
-              <a:t>算法，</a:t>
+              <a:t>它发现增量图计算系统都需要之前的计算结果作为先验知识，只有在先验知识的基础上才能增量计算。一些算法与特定顶点无关，它们在之前图快照之前的计算结果可以直接用作先验知识。一些算法与特定的顶点相关，它的计算结果是针对于特定源顶点而言的，不能被当做先验知识。</a:t>
+            </a:r>
+            <a:endParaRPr lang="en-US" altLang="zh-CN" dirty="0"/>
+          </a:p>
+          <a:p>
+            <a:endParaRPr lang="en-US" altLang="zh-CN" dirty="0"/>
+          </a:p>
+          <a:p>
+            <a:r>
+              <a:rPr lang="zh-CN" altLang="en-US" dirty="0"/>
+              <a:t>例如，对于</a:t>
             </a:r>
             <a:r>
               <a:rPr lang="en-US" altLang="zh-CN" dirty="0" err="1"/>
-              <a:t>dist</a:t>
+              <a:t>pagerank</a:t>
             </a:r>
             <a:r>
               <a:rPr lang="zh-CN" altLang="en-US" dirty="0"/>
-              <a:t>（</a:t>
-            </a:r>
-            <a:r>
-              <a:rPr lang="en-US" altLang="zh-CN" dirty="0"/>
-              <a:t>u</a:t>
+              <a:t>算法，它跟特定的顶点无关，之前与快照的</a:t>
+            </a:r>
+            <a:r>
+              <a:rPr lang="en-US" altLang="zh-CN" dirty="0" err="1"/>
+              <a:t>pagerank</a:t>
             </a:r>
             <a:r>
               <a:rPr lang="zh-CN" altLang="en-US" dirty="0"/>
-              <a:t>，</a:t>
-            </a:r>
-            <a:r>
-              <a:rPr lang="en-US" altLang="zh-CN" dirty="0"/>
-              <a:t>x</a:t>
-            </a:r>
+              <a:t>值经过增量处理后，可以在当前图快照继续使用。</a:t>
+            </a:r>
+            <a:endParaRPr lang="en-US" altLang="zh-CN" dirty="0"/>
+          </a:p>
+          <a:p>
+            <a:endParaRPr lang="en-US" altLang="zh-CN" dirty="0"/>
+          </a:p>
+          <a:p>
             <a:r>
               <a:rPr lang="zh-CN" altLang="en-US" dirty="0"/>
-              <a:t>）表示这两个顶点之间的最短距离，那么对于任意能组成封闭三角形的三个顶点，它们之间的距离存在这样的关系：</a:t>
-            </a:r>
-            <a:r>
-              <a:rPr lang="en-US" altLang="zh-CN" dirty="0"/>
-              <a:t>u</a:t>
-            </a:r>
-            <a:r>
-              <a:rPr lang="zh-CN" altLang="en-US" dirty="0"/>
-              <a:t>到</a:t>
-            </a:r>
-            <a:r>
-              <a:rPr lang="en-US" altLang="zh-CN" dirty="0"/>
-              <a:t>r</a:t>
-            </a:r>
-            <a:r>
-              <a:rPr lang="zh-CN" altLang="en-US" dirty="0"/>
-              <a:t>的最短距离，加上</a:t>
-            </a:r>
-            <a:r>
-              <a:rPr lang="en-US" altLang="zh-CN" dirty="0"/>
-              <a:t>r</a:t>
-            </a:r>
-            <a:r>
-              <a:rPr lang="zh-CN" altLang="en-US" dirty="0"/>
-              <a:t>到</a:t>
-            </a:r>
-            <a:r>
-              <a:rPr lang="en-US" altLang="zh-CN" dirty="0"/>
-              <a:t>x</a:t>
-            </a:r>
-            <a:r>
-              <a:rPr lang="zh-CN" altLang="en-US" dirty="0"/>
-              <a:t>的最短距离，大于等于</a:t>
-            </a:r>
-            <a:r>
-              <a:rPr lang="en-US" altLang="zh-CN" dirty="0"/>
-              <a:t>u</a:t>
-            </a:r>
-            <a:r>
-              <a:rPr lang="zh-CN" altLang="en-US" dirty="0"/>
-              <a:t>到</a:t>
-            </a:r>
-            <a:r>
-              <a:rPr lang="en-US" altLang="zh-CN" dirty="0"/>
-              <a:t>x</a:t>
-            </a:r>
-            <a:r>
-              <a:rPr lang="zh-CN" altLang="en-US" dirty="0"/>
-              <a:t>的最短距离（等于的情况是指</a:t>
-            </a:r>
-            <a:r>
-              <a:rPr lang="en-US" altLang="zh-CN" dirty="0"/>
-              <a:t>r</a:t>
-            </a:r>
-            <a:r>
-              <a:rPr lang="zh-CN" altLang="en-US" dirty="0"/>
-              <a:t>本身是</a:t>
-            </a:r>
-            <a:r>
-              <a:rPr lang="en-US" altLang="zh-CN" dirty="0"/>
-              <a:t>u</a:t>
-            </a:r>
-            <a:r>
-              <a:rPr lang="zh-CN" altLang="en-US" dirty="0"/>
-              <a:t>到</a:t>
-            </a:r>
-            <a:r>
-              <a:rPr lang="en-US" altLang="zh-CN" dirty="0"/>
-              <a:t>x</a:t>
-            </a:r>
-            <a:r>
-              <a:rPr lang="zh-CN" altLang="en-US" dirty="0"/>
-              <a:t>最短路径上的一个中间点，当然此时三角形退化成一条线）。这个不等式也适用点于其他单调的针对特定的的算法。例如对于</a:t>
+              <a:t>但是对于</a:t>
             </a:r>
             <a:r>
               <a:rPr lang="en-US" altLang="zh-CN" dirty="0"/>
@@ -1890,327 +1785,33 @@
             </a:r>
             <a:r>
               <a:rPr lang="zh-CN" altLang="en-US" dirty="0"/>
-              <a:t>算法，</a:t>
+              <a:t>算法，它与特定的源顶点有关。之前的图快照，我们获得了以顶点</a:t>
             </a:r>
             <a:r>
               <a:rPr lang="en-US" altLang="zh-CN" dirty="0"/>
-              <a:t>level</a:t>
+              <a:t>v1</a:t>
             </a:r>
             <a:r>
               <a:rPr lang="zh-CN" altLang="en-US" dirty="0"/>
-              <a:t>（</a:t>
+              <a:t>为源顶点到达所有顶点的层级。此时新的查询到来，需要获取以顶点</a:t>
             </a:r>
             <a:r>
               <a:rPr lang="en-US" altLang="zh-CN" dirty="0"/>
-              <a:t>u</a:t>
+              <a:t>v2</a:t>
             </a:r>
             <a:r>
               <a:rPr lang="zh-CN" altLang="en-US" dirty="0"/>
-              <a:t>，</a:t>
+              <a:t>为源顶点的</a:t>
             </a:r>
             <a:r>
               <a:rPr lang="en-US" altLang="zh-CN" dirty="0"/>
-              <a:t>r</a:t>
+              <a:t>BFS</a:t>
             </a:r>
             <a:r>
               <a:rPr lang="zh-CN" altLang="en-US" dirty="0"/>
-              <a:t>）表示以</a:t>
-            </a:r>
-            <a:r>
-              <a:rPr lang="en-US" altLang="zh-CN" dirty="0"/>
-              <a:t>u</a:t>
-            </a:r>
-            <a:r>
-              <a:rPr lang="zh-CN" altLang="en-US" dirty="0"/>
-              <a:t>为源顶点，到达</a:t>
-            </a:r>
-            <a:r>
-              <a:rPr lang="en-US" altLang="zh-CN" dirty="0"/>
-              <a:t>r</a:t>
-            </a:r>
-            <a:r>
-              <a:rPr lang="zh-CN" altLang="en-US" dirty="0"/>
-              <a:t>的层级数，那么</a:t>
-            </a:r>
-            <a:r>
-              <a:rPr lang="en-US" altLang="zh-CN" dirty="0"/>
-              <a:t>level</a:t>
-            </a:r>
-            <a:r>
-              <a:rPr lang="zh-CN" altLang="en-US" dirty="0"/>
-              <a:t>（</a:t>
-            </a:r>
-            <a:r>
-              <a:rPr lang="en-US" altLang="zh-CN" dirty="0"/>
-              <a:t>u</a:t>
-            </a:r>
-            <a:r>
-              <a:rPr lang="zh-CN" altLang="en-US" dirty="0"/>
-              <a:t>，</a:t>
-            </a:r>
-            <a:r>
-              <a:rPr lang="en-US" altLang="zh-CN" dirty="0"/>
-              <a:t>r</a:t>
-            </a:r>
-            <a:r>
-              <a:rPr lang="zh-CN" altLang="en-US" dirty="0"/>
-              <a:t>）</a:t>
-            </a:r>
-            <a:r>
-              <a:rPr lang="en-US" altLang="zh-CN" dirty="0"/>
-              <a:t>+level</a:t>
-            </a:r>
-            <a:r>
-              <a:rPr lang="zh-CN" altLang="en-US" dirty="0"/>
-              <a:t>（</a:t>
-            </a:r>
-            <a:r>
-              <a:rPr lang="en-US" altLang="zh-CN" dirty="0"/>
-              <a:t>r</a:t>
-            </a:r>
-            <a:r>
-              <a:rPr lang="zh-CN" altLang="en-US" dirty="0"/>
-              <a:t>，</a:t>
-            </a:r>
-            <a:r>
-              <a:rPr lang="en-US" altLang="zh-CN" dirty="0"/>
-              <a:t>x</a:t>
-            </a:r>
-            <a:r>
-              <a:rPr lang="zh-CN" altLang="en-US" dirty="0"/>
-              <a:t>）</a:t>
-            </a:r>
-            <a:r>
-              <a:rPr lang="en-US" altLang="zh-CN" dirty="0"/>
-              <a:t>&gt;=level</a:t>
-            </a:r>
-            <a:r>
-              <a:rPr lang="zh-CN" altLang="en-US" dirty="0"/>
-              <a:t>（</a:t>
-            </a:r>
-            <a:r>
-              <a:rPr lang="en-US" altLang="zh-CN" dirty="0"/>
-              <a:t>u</a:t>
-            </a:r>
-            <a:r>
-              <a:rPr lang="zh-CN" altLang="en-US" dirty="0"/>
-              <a:t>，</a:t>
-            </a:r>
-            <a:r>
-              <a:rPr lang="en-US" altLang="zh-CN" dirty="0"/>
-              <a:t>x</a:t>
-            </a:r>
-            <a:r>
-              <a:rPr lang="zh-CN" altLang="en-US" dirty="0"/>
-              <a:t>）。</a:t>
-            </a:r>
-            <a:endParaRPr lang="en-US" altLang="zh-CN" dirty="0"/>
-          </a:p>
-          <a:p>
-            <a:endParaRPr lang="en-US" altLang="zh-CN" dirty="0"/>
-          </a:p>
-          <a:p>
-            <a:r>
-              <a:rPr lang="zh-CN" altLang="en-US" dirty="0"/>
-              <a:t>那么如何让三角不等式在增量查询中发挥作用呢？</a:t>
-            </a:r>
-            <a:endParaRPr lang="en-US" altLang="zh-CN" dirty="0"/>
-          </a:p>
-          <a:p>
-            <a:r>
-              <a:rPr lang="zh-CN" altLang="en-US" dirty="0"/>
-              <a:t>下面以</a:t>
-            </a:r>
-            <a:r>
-              <a:rPr lang="en-US" altLang="zh-CN" dirty="0"/>
-              <a:t>SSSP</a:t>
-            </a:r>
-            <a:r>
-              <a:rPr lang="zh-CN" altLang="en-US" dirty="0"/>
-              <a:t>算法为例介绍。</a:t>
-            </a:r>
-            <a:endParaRPr lang="en-US" altLang="zh-CN" dirty="0"/>
-          </a:p>
-          <a:p>
-            <a:r>
-              <a:rPr lang="zh-CN" altLang="en-US" dirty="0"/>
-              <a:t>首先三角形三个顶点各司其职：</a:t>
-            </a:r>
-            <a:r>
-              <a:rPr lang="en-US" altLang="zh-CN" dirty="0"/>
-              <a:t>u</a:t>
-            </a:r>
-            <a:r>
-              <a:rPr lang="zh-CN" altLang="en-US" dirty="0"/>
-              <a:t>，</a:t>
-            </a:r>
-            <a:r>
-              <a:rPr lang="en-US" altLang="zh-CN" dirty="0"/>
-              <a:t>x</a:t>
-            </a:r>
-            <a:r>
-              <a:rPr lang="zh-CN" altLang="en-US" dirty="0"/>
-              <a:t>是我们要进行查询的源点和目的顶点，</a:t>
-            </a:r>
-            <a:r>
-              <a:rPr lang="en-US" altLang="zh-CN" dirty="0"/>
-              <a:t>r</a:t>
-            </a:r>
-            <a:r>
-              <a:rPr lang="zh-CN" altLang="en-US" dirty="0"/>
-              <a:t>是我们选择的全局顶点。</a:t>
-            </a:r>
-            <a:endParaRPr lang="en-US" altLang="zh-CN" dirty="0"/>
-          </a:p>
-          <a:p>
-            <a:r>
-              <a:rPr lang="zh-CN" altLang="en-US" dirty="0"/>
-              <a:t>对于全局顶点，我们在日常维护</a:t>
-            </a:r>
-            <a:r>
-              <a:rPr lang="en-US" altLang="zh-CN" dirty="0"/>
-              <a:t>r</a:t>
-            </a:r>
-            <a:r>
-              <a:rPr lang="zh-CN" altLang="en-US" dirty="0"/>
-              <a:t>到所有顶点的路径值，以及所有顶点到</a:t>
-            </a:r>
-            <a:r>
-              <a:rPr lang="en-US" altLang="zh-CN" dirty="0"/>
-              <a:t>r</a:t>
-            </a:r>
-            <a:r>
-              <a:rPr lang="zh-CN" altLang="en-US" dirty="0"/>
-              <a:t>的路径值，统称为索引。索引在不同算法中有不同含义，在</a:t>
-            </a:r>
-            <a:r>
-              <a:rPr lang="en-US" altLang="zh-CN" dirty="0"/>
-              <a:t>SSSP</a:t>
-            </a:r>
-            <a:r>
-              <a:rPr lang="zh-CN" altLang="en-US" dirty="0"/>
-              <a:t>算法中就是到其他顶点的最短距离。</a:t>
-            </a:r>
-            <a:endParaRPr lang="en-US" altLang="zh-CN" dirty="0"/>
-          </a:p>
-          <a:p>
-            <a:r>
-              <a:rPr lang="zh-CN" altLang="en-US" dirty="0"/>
-              <a:t>维护索引的目的是为了获得三角不等式中</a:t>
-            </a:r>
-            <a:r>
-              <a:rPr lang="en-US" altLang="zh-CN" dirty="0" err="1"/>
-              <a:t>dist</a:t>
-            </a:r>
-            <a:r>
-              <a:rPr lang="zh-CN" altLang="en-US" dirty="0"/>
-              <a:t>（</a:t>
-            </a:r>
-            <a:r>
-              <a:rPr lang="en-US" altLang="zh-CN" dirty="0"/>
-              <a:t>u</a:t>
-            </a:r>
-            <a:r>
-              <a:rPr lang="zh-CN" altLang="en-US" dirty="0"/>
-              <a:t>，</a:t>
-            </a:r>
-            <a:r>
-              <a:rPr lang="en-US" altLang="zh-CN" dirty="0"/>
-              <a:t>r</a:t>
-            </a:r>
-            <a:r>
-              <a:rPr lang="zh-CN" altLang="en-US" dirty="0"/>
-              <a:t>）和</a:t>
-            </a:r>
-            <a:r>
-              <a:rPr lang="en-US" altLang="zh-CN" dirty="0" err="1"/>
-              <a:t>dist</a:t>
-            </a:r>
-            <a:r>
-              <a:rPr lang="zh-CN" altLang="en-US" dirty="0"/>
-              <a:t>（</a:t>
-            </a:r>
-            <a:r>
-              <a:rPr lang="en-US" altLang="zh-CN" dirty="0"/>
-              <a:t>r</a:t>
-            </a:r>
-            <a:r>
-              <a:rPr lang="zh-CN" altLang="en-US" dirty="0"/>
-              <a:t>，</a:t>
-            </a:r>
-            <a:r>
-              <a:rPr lang="en-US" altLang="zh-CN" dirty="0"/>
-              <a:t>x</a:t>
-            </a:r>
-            <a:r>
-              <a:rPr lang="zh-CN" altLang="en-US" dirty="0"/>
-              <a:t>）。而我们要查询的是</a:t>
-            </a:r>
-            <a:r>
-              <a:rPr lang="en-US" altLang="zh-CN" dirty="0" err="1"/>
-              <a:t>dist</a:t>
-            </a:r>
-            <a:r>
-              <a:rPr lang="zh-CN" altLang="en-US" dirty="0"/>
-              <a:t>（</a:t>
-            </a:r>
-            <a:r>
-              <a:rPr lang="en-US" altLang="zh-CN" dirty="0"/>
-              <a:t>u</a:t>
-            </a:r>
-            <a:r>
-              <a:rPr lang="zh-CN" altLang="en-US" dirty="0"/>
-              <a:t>，</a:t>
-            </a:r>
-            <a:r>
-              <a:rPr lang="en-US" altLang="zh-CN" dirty="0"/>
-              <a:t>x</a:t>
-            </a:r>
-            <a:r>
-              <a:rPr lang="zh-CN" altLang="en-US" dirty="0"/>
-              <a:t>），根据三角不等式我们可以取得</a:t>
-            </a:r>
-            <a:r>
-              <a:rPr lang="en-US" altLang="zh-CN" dirty="0" err="1"/>
-              <a:t>dist</a:t>
-            </a:r>
-            <a:r>
-              <a:rPr lang="zh-CN" altLang="en-US" dirty="0"/>
-              <a:t>（</a:t>
-            </a:r>
-            <a:r>
-              <a:rPr lang="en-US" altLang="zh-CN" dirty="0"/>
-              <a:t>u</a:t>
-            </a:r>
-            <a:r>
-              <a:rPr lang="zh-CN" altLang="en-US" dirty="0"/>
-              <a:t>，</a:t>
-            </a:r>
-            <a:r>
-              <a:rPr lang="en-US" altLang="zh-CN" dirty="0"/>
-              <a:t>x</a:t>
-            </a:r>
-            <a:r>
-              <a:rPr lang="zh-CN" altLang="en-US" dirty="0"/>
-              <a:t>）的上界。这个上界对应了一条从</a:t>
-            </a:r>
-            <a:r>
-              <a:rPr lang="en-US" altLang="zh-CN" dirty="0"/>
-              <a:t>u</a:t>
-            </a:r>
-            <a:r>
-              <a:rPr lang="zh-CN" altLang="en-US" dirty="0"/>
-              <a:t>到</a:t>
-            </a:r>
-            <a:r>
-              <a:rPr lang="en-US" altLang="zh-CN" dirty="0"/>
-              <a:t>x</a:t>
-            </a:r>
-            <a:r>
-              <a:rPr lang="zh-CN" altLang="en-US" dirty="0"/>
-              <a:t>的路径，这条路径一定可达，但是不一定是最短的路径。不过对于剪枝算法来说，有了上界，就可以将所有大于上界的路径剪枝。当然遇到更短的路径还可以更新上界。</a:t>
-            </a:r>
-            <a:endParaRPr lang="en-US" altLang="zh-CN" dirty="0"/>
+              <a:t>结果，此时之前的结果不能用了必须画大代价重新计算先验知识，才能继续查询。</a:t>
+            </a:r>
+            <a:endParaRPr kumimoji="1" lang="zh-CN" altLang="en-US" dirty="0"/>
           </a:p>
         </p:txBody>
       </p:sp>
@@ -2295,72 +1896,439 @@
             </a:r>
             <a:r>
               <a:rPr lang="zh-CN" altLang="en-US" dirty="0"/>
-              <a:t>通过三角不等式和全局索引，实现了对点对点查询的增量查询。</a:t>
+              <a:t>提出了图上的三角不等式，例如对于</a:t>
+            </a:r>
+            <a:r>
+              <a:rPr lang="en-US" altLang="zh-CN" dirty="0"/>
+              <a:t>SSSP</a:t>
+            </a:r>
+            <a:r>
+              <a:rPr lang="zh-CN" altLang="en-US" dirty="0"/>
+              <a:t>算法，</a:t>
+            </a:r>
+            <a:r>
+              <a:rPr lang="en-US" altLang="zh-CN" dirty="0" err="1"/>
+              <a:t>dist</a:t>
+            </a:r>
+            <a:r>
+              <a:rPr lang="zh-CN" altLang="en-US" dirty="0"/>
+              <a:t>（</a:t>
+            </a:r>
+            <a:r>
+              <a:rPr lang="en-US" altLang="zh-CN" dirty="0"/>
+              <a:t>u</a:t>
+            </a:r>
+            <a:r>
+              <a:rPr lang="zh-CN" altLang="en-US" dirty="0"/>
+              <a:t>，</a:t>
+            </a:r>
+            <a:r>
+              <a:rPr lang="en-US" altLang="zh-CN" dirty="0"/>
+              <a:t>x</a:t>
+            </a:r>
+            <a:r>
+              <a:rPr lang="zh-CN" altLang="en-US" dirty="0"/>
+              <a:t>）表示这两个顶点之间的最短距离，那么对于任意能组成封闭三角形的三个顶点，它们之间的距离存在这样的关系：</a:t>
+            </a:r>
+            <a:r>
+              <a:rPr lang="en-US" altLang="zh-CN" dirty="0"/>
+              <a:t>u</a:t>
+            </a:r>
+            <a:r>
+              <a:rPr lang="zh-CN" altLang="en-US" dirty="0"/>
+              <a:t>到</a:t>
+            </a:r>
+            <a:r>
+              <a:rPr lang="en-US" altLang="zh-CN" dirty="0"/>
+              <a:t>r</a:t>
+            </a:r>
+            <a:r>
+              <a:rPr lang="zh-CN" altLang="en-US" dirty="0"/>
+              <a:t>的最短距离，加上</a:t>
+            </a:r>
+            <a:r>
+              <a:rPr lang="en-US" altLang="zh-CN" dirty="0"/>
+              <a:t>r</a:t>
+            </a:r>
+            <a:r>
+              <a:rPr lang="zh-CN" altLang="en-US" dirty="0"/>
+              <a:t>到</a:t>
+            </a:r>
+            <a:r>
+              <a:rPr lang="en-US" altLang="zh-CN" dirty="0"/>
+              <a:t>x</a:t>
+            </a:r>
+            <a:r>
+              <a:rPr lang="zh-CN" altLang="en-US" dirty="0"/>
+              <a:t>的最短距离，大于等于</a:t>
+            </a:r>
+            <a:r>
+              <a:rPr lang="en-US" altLang="zh-CN" dirty="0"/>
+              <a:t>u</a:t>
+            </a:r>
+            <a:r>
+              <a:rPr lang="zh-CN" altLang="en-US" dirty="0"/>
+              <a:t>到</a:t>
+            </a:r>
+            <a:r>
+              <a:rPr lang="en-US" altLang="zh-CN" dirty="0"/>
+              <a:t>x</a:t>
+            </a:r>
+            <a:r>
+              <a:rPr lang="zh-CN" altLang="en-US" dirty="0"/>
+              <a:t>的最短距离（等于的情况是指</a:t>
+            </a:r>
+            <a:r>
+              <a:rPr lang="en-US" altLang="zh-CN" dirty="0"/>
+              <a:t>r</a:t>
+            </a:r>
+            <a:r>
+              <a:rPr lang="zh-CN" altLang="en-US" dirty="0"/>
+              <a:t>本身是</a:t>
+            </a:r>
+            <a:r>
+              <a:rPr lang="en-US" altLang="zh-CN" dirty="0"/>
+              <a:t>u</a:t>
+            </a:r>
+            <a:r>
+              <a:rPr lang="zh-CN" altLang="en-US" dirty="0"/>
+              <a:t>到</a:t>
+            </a:r>
+            <a:r>
+              <a:rPr lang="en-US" altLang="zh-CN" dirty="0"/>
+              <a:t>x</a:t>
+            </a:r>
+            <a:r>
+              <a:rPr lang="zh-CN" altLang="en-US" dirty="0"/>
+              <a:t>最短路径上的一个中间点，当然此时三角形退化成一条线）。这个不等式也适用点于其他单调的针对特定顶点的算法。例如对于</a:t>
+            </a:r>
+            <a:r>
+              <a:rPr lang="en-US" altLang="zh-CN" dirty="0"/>
+              <a:t>BFS</a:t>
+            </a:r>
+            <a:r>
+              <a:rPr lang="zh-CN" altLang="en-US" dirty="0"/>
+              <a:t>算法，</a:t>
+            </a:r>
+            <a:r>
+              <a:rPr lang="en-US" altLang="zh-CN" dirty="0"/>
+              <a:t>level</a:t>
+            </a:r>
+            <a:r>
+              <a:rPr lang="zh-CN" altLang="en-US" dirty="0"/>
+              <a:t>（</a:t>
+            </a:r>
+            <a:r>
+              <a:rPr lang="en-US" altLang="zh-CN" dirty="0"/>
+              <a:t>u</a:t>
+            </a:r>
+            <a:r>
+              <a:rPr lang="zh-CN" altLang="en-US" dirty="0"/>
+              <a:t>，</a:t>
+            </a:r>
+            <a:r>
+              <a:rPr lang="en-US" altLang="zh-CN" dirty="0"/>
+              <a:t>r</a:t>
+            </a:r>
+            <a:r>
+              <a:rPr lang="zh-CN" altLang="en-US" dirty="0"/>
+              <a:t>）表示以</a:t>
+            </a:r>
+            <a:r>
+              <a:rPr lang="en-US" altLang="zh-CN" dirty="0"/>
+              <a:t>u</a:t>
+            </a:r>
+            <a:r>
+              <a:rPr lang="zh-CN" altLang="en-US" dirty="0"/>
+              <a:t>为源顶点，到达</a:t>
+            </a:r>
+            <a:r>
+              <a:rPr lang="en-US" altLang="zh-CN" dirty="0"/>
+              <a:t>r</a:t>
+            </a:r>
+            <a:r>
+              <a:rPr lang="zh-CN" altLang="en-US" dirty="0"/>
+              <a:t>的层级数，那么</a:t>
+            </a:r>
+            <a:r>
+              <a:rPr lang="en-US" altLang="zh-CN" dirty="0"/>
+              <a:t>level</a:t>
+            </a:r>
+            <a:r>
+              <a:rPr lang="zh-CN" altLang="en-US" dirty="0"/>
+              <a:t>（</a:t>
+            </a:r>
+            <a:r>
+              <a:rPr lang="en-US" altLang="zh-CN" dirty="0"/>
+              <a:t>u</a:t>
+            </a:r>
+            <a:r>
+              <a:rPr lang="zh-CN" altLang="en-US" dirty="0"/>
+              <a:t>，</a:t>
+            </a:r>
+            <a:r>
+              <a:rPr lang="en-US" altLang="zh-CN" dirty="0"/>
+              <a:t>r</a:t>
+            </a:r>
+            <a:r>
+              <a:rPr lang="zh-CN" altLang="en-US" dirty="0"/>
+              <a:t>）</a:t>
+            </a:r>
+            <a:r>
+              <a:rPr lang="en-US" altLang="zh-CN" dirty="0"/>
+              <a:t>+level</a:t>
+            </a:r>
+            <a:r>
+              <a:rPr lang="zh-CN" altLang="en-US" dirty="0"/>
+              <a:t>（</a:t>
+            </a:r>
+            <a:r>
+              <a:rPr lang="en-US" altLang="zh-CN" dirty="0"/>
+              <a:t>r</a:t>
+            </a:r>
+            <a:r>
+              <a:rPr lang="zh-CN" altLang="en-US" dirty="0"/>
+              <a:t>，</a:t>
+            </a:r>
+            <a:r>
+              <a:rPr lang="en-US" altLang="zh-CN" dirty="0"/>
+              <a:t>x</a:t>
+            </a:r>
+            <a:r>
+              <a:rPr lang="zh-CN" altLang="en-US" dirty="0"/>
+              <a:t>）</a:t>
+            </a:r>
+            <a:r>
+              <a:rPr lang="en-US" altLang="zh-CN" dirty="0"/>
+              <a:t>&gt;=level</a:t>
+            </a:r>
+            <a:r>
+              <a:rPr lang="zh-CN" altLang="en-US" dirty="0"/>
+              <a:t>（</a:t>
+            </a:r>
+            <a:r>
+              <a:rPr lang="en-US" altLang="zh-CN" dirty="0"/>
+              <a:t>u</a:t>
+            </a:r>
+            <a:r>
+              <a:rPr lang="zh-CN" altLang="en-US" dirty="0"/>
+              <a:t>，</a:t>
+            </a:r>
+            <a:r>
+              <a:rPr lang="en-US" altLang="zh-CN" dirty="0"/>
+              <a:t>x</a:t>
+            </a:r>
+            <a:r>
+              <a:rPr lang="zh-CN" altLang="en-US" dirty="0"/>
+              <a:t>）。</a:t>
             </a:r>
             <a:endParaRPr lang="en-US" altLang="zh-CN" dirty="0"/>
           </a:p>
           <a:p>
+            <a:endParaRPr lang="en-US" altLang="zh-CN" dirty="0"/>
+          </a:p>
+          <a:p>
             <a:r>
               <a:rPr lang="zh-CN" altLang="en-US" dirty="0"/>
-              <a:t>只要是同一类型的查询，哪怕是以不同的顶点为中心也可以增量处理。因为它只增量维护全局顶点的索引，当特定于某个顶点的查询到来时，可以通过三角不等式求得要查询的结果的上界，然后使用剪枝算法求得最终的收敛结果。</a:t>
+              <a:t>那么如何让三角不等式在增量查询中发挥作用呢？</a:t>
             </a:r>
             <a:endParaRPr lang="en-US" altLang="zh-CN" dirty="0"/>
           </a:p>
           <a:p>
             <a:r>
               <a:rPr lang="zh-CN" altLang="en-US" dirty="0"/>
-              <a:t>和</a:t>
+              <a:t>下面以</a:t>
+            </a:r>
+            <a:r>
+              <a:rPr lang="en-US" altLang="zh-CN" dirty="0"/>
+              <a:t>SSSP</a:t>
+            </a:r>
+            <a:r>
+              <a:rPr lang="zh-CN" altLang="en-US" dirty="0"/>
+              <a:t>算法为例介绍。</a:t>
+            </a:r>
+            <a:endParaRPr lang="en-US" altLang="zh-CN" dirty="0"/>
+          </a:p>
+          <a:p>
+            <a:r>
+              <a:rPr lang="zh-CN" altLang="en-US" dirty="0"/>
+              <a:t>首先三角形三个顶点各司其职：</a:t>
+            </a:r>
+            <a:r>
+              <a:rPr lang="en-US" altLang="zh-CN" dirty="0"/>
+              <a:t>u</a:t>
+            </a:r>
+            <a:r>
+              <a:rPr lang="zh-CN" altLang="en-US" dirty="0"/>
+              <a:t>，</a:t>
+            </a:r>
+            <a:r>
+              <a:rPr lang="en-US" altLang="zh-CN" dirty="0"/>
+              <a:t>x</a:t>
+            </a:r>
+            <a:r>
+              <a:rPr lang="zh-CN" altLang="en-US" dirty="0"/>
+              <a:t>是我们要进行查询的源点和目的顶点，</a:t>
+            </a:r>
+            <a:r>
+              <a:rPr lang="en-US" altLang="zh-CN" dirty="0"/>
+              <a:t>r</a:t>
+            </a:r>
+            <a:r>
+              <a:rPr lang="zh-CN" altLang="en-US" dirty="0"/>
+              <a:t>是我们选择的全局顶点。</a:t>
+            </a:r>
+            <a:endParaRPr lang="en-US" altLang="zh-CN" dirty="0"/>
+          </a:p>
+          <a:p>
+            <a:r>
+              <a:rPr lang="zh-CN" altLang="en-US" dirty="0"/>
+              <a:t>对于全局顶点，我们在日常维护</a:t>
+            </a:r>
+            <a:r>
+              <a:rPr lang="en-US" altLang="zh-CN" dirty="0"/>
+              <a:t>r</a:t>
+            </a:r>
+            <a:r>
+              <a:rPr lang="zh-CN" altLang="en-US" dirty="0"/>
+              <a:t>到所有顶点的路径值，以及所有顶点到</a:t>
+            </a:r>
+            <a:r>
+              <a:rPr lang="en-US" altLang="zh-CN" dirty="0"/>
+              <a:t>r</a:t>
+            </a:r>
+            <a:r>
+              <a:rPr lang="zh-CN" altLang="en-US" dirty="0"/>
+              <a:t>的路径值，统称为索引。索引在不同算法中有不同含义，在</a:t>
+            </a:r>
+            <a:r>
+              <a:rPr lang="en-US" altLang="zh-CN" dirty="0"/>
+              <a:t>SSSP</a:t>
+            </a:r>
+            <a:r>
+              <a:rPr lang="zh-CN" altLang="en-US" dirty="0"/>
+              <a:t>算法中就是到其他顶点的最短距离。</a:t>
+            </a:r>
+            <a:endParaRPr lang="en-US" altLang="zh-CN" dirty="0"/>
+          </a:p>
+          <a:p>
+            <a:r>
+              <a:rPr lang="zh-CN" altLang="en-US" dirty="0"/>
+              <a:t>维护索引的目的是为了获得三角不等式中</a:t>
             </a:r>
             <a:r>
               <a:rPr lang="en-US" altLang="zh-CN" dirty="0" err="1"/>
-              <a:t>Pnp</a:t>
+              <a:t>dist</a:t>
             </a:r>
             <a:r>
               <a:rPr lang="zh-CN" altLang="en-US" dirty="0"/>
-              <a:t>相比，</a:t>
+              <a:t>（</a:t>
             </a:r>
             <a:r>
               <a:rPr lang="en-US" altLang="zh-CN" dirty="0"/>
-              <a:t>Tripoline</a:t>
+              <a:t>u</a:t>
             </a:r>
             <a:r>
               <a:rPr lang="zh-CN" altLang="en-US" dirty="0"/>
-              <a:t>多了一个对全局顶点进行预计算的过程。好处是可以快速求得特定顶点之间查询的上界值，而无需像</a:t>
+              <a:t>，</a:t>
+            </a:r>
+            <a:r>
+              <a:rPr lang="en-US" altLang="zh-CN" dirty="0"/>
+              <a:t>r</a:t>
+            </a:r>
+            <a:r>
+              <a:rPr lang="zh-CN" altLang="en-US" dirty="0"/>
+              <a:t>）和</a:t>
             </a:r>
             <a:r>
               <a:rPr lang="en-US" altLang="zh-CN" dirty="0" err="1"/>
-              <a:t>Pnp</a:t>
+              <a:t>dist</a:t>
             </a:r>
             <a:r>
               <a:rPr lang="zh-CN" altLang="en-US" dirty="0"/>
-              <a:t>一样需要先遍历得到上界值。</a:t>
+              <a:t>（</a:t>
+            </a:r>
+            <a:r>
+              <a:rPr lang="en-US" altLang="zh-CN" dirty="0"/>
+              <a:t>r</a:t>
+            </a:r>
+            <a:r>
+              <a:rPr lang="zh-CN" altLang="en-US" dirty="0"/>
+              <a:t>，</a:t>
+            </a:r>
+            <a:r>
+              <a:rPr lang="en-US" altLang="zh-CN" dirty="0"/>
+              <a:t>x</a:t>
+            </a:r>
+            <a:r>
+              <a:rPr lang="zh-CN" altLang="en-US" dirty="0"/>
+              <a:t>）。而我们要查询的是</a:t>
+            </a:r>
+            <a:r>
+              <a:rPr lang="en-US" altLang="zh-CN" dirty="0" err="1"/>
+              <a:t>dist</a:t>
+            </a:r>
+            <a:r>
+              <a:rPr lang="zh-CN" altLang="en-US" dirty="0"/>
+              <a:t>（</a:t>
+            </a:r>
+            <a:r>
+              <a:rPr lang="en-US" altLang="zh-CN" dirty="0"/>
+              <a:t>u</a:t>
+            </a:r>
+            <a:r>
+              <a:rPr lang="zh-CN" altLang="en-US" dirty="0"/>
+              <a:t>，</a:t>
+            </a:r>
+            <a:r>
+              <a:rPr lang="en-US" altLang="zh-CN" dirty="0"/>
+              <a:t>x</a:t>
+            </a:r>
+            <a:r>
+              <a:rPr lang="zh-CN" altLang="en-US" dirty="0"/>
+              <a:t>），根据三角不等式我们可以取得</a:t>
+            </a:r>
+            <a:r>
+              <a:rPr lang="en-US" altLang="zh-CN" dirty="0" err="1"/>
+              <a:t>dist</a:t>
+            </a:r>
+            <a:r>
+              <a:rPr lang="zh-CN" altLang="en-US" dirty="0"/>
+              <a:t>（</a:t>
+            </a:r>
+            <a:r>
+              <a:rPr lang="en-US" altLang="zh-CN" dirty="0"/>
+              <a:t>u</a:t>
+            </a:r>
+            <a:r>
+              <a:rPr lang="zh-CN" altLang="en-US" dirty="0"/>
+              <a:t>，</a:t>
+            </a:r>
+            <a:r>
+              <a:rPr lang="en-US" altLang="zh-CN" dirty="0"/>
+              <a:t>x</a:t>
+            </a:r>
+            <a:r>
+              <a:rPr lang="zh-CN" altLang="en-US" dirty="0"/>
+              <a:t>）的上界。这个上界对应了一条从</a:t>
+            </a:r>
+            <a:r>
+              <a:rPr lang="en-US" altLang="zh-CN" dirty="0"/>
+              <a:t>u</a:t>
+            </a:r>
+            <a:r>
+              <a:rPr lang="zh-CN" altLang="en-US" dirty="0"/>
+              <a:t>到</a:t>
+            </a:r>
+            <a:r>
+              <a:rPr lang="en-US" altLang="zh-CN" dirty="0"/>
+              <a:t>x</a:t>
+            </a:r>
+            <a:r>
+              <a:rPr lang="zh-CN" altLang="en-US" dirty="0"/>
+              <a:t>的路径，这条路径一定可达，但是不一定是最短的路径。不过对于剪枝算法来说，有了上界，就可以将所有大于上界的路径剪枝。当然遇到更短的路径还可以更新上界。</a:t>
             </a:r>
             <a:endParaRPr lang="en-US" altLang="zh-CN" dirty="0"/>
-          </a:p>
-          <a:p>
-            <a:pPr marL="0" marR="0" lvl="0" indent="0" algn="l" defTabSz="914400" rtl="0" eaLnBrk="1" fontAlgn="auto" latinLnBrk="0" hangingPunct="1">
-              <a:lnSpc>
-                <a:spcPct val="100000"/>
-              </a:lnSpc>
-              <a:spcBef>
-                <a:spcPts val="0"/>
-              </a:spcBef>
-              <a:spcAft>
-                <a:spcPts val="0"/>
-              </a:spcAft>
-              <a:buClrTx/>
-              <a:buSzTx/>
-              <a:buFontTx/>
-              <a:buNone/>
-              <a:defRPr/>
-            </a:pPr>
-            <a:r>
-              <a:rPr lang="zh-CN" altLang="en-US" dirty="0"/>
-              <a:t>但是基于上界的剪枝方案只能剪去一半左右的顶点激活，还不够理想。</a:t>
-            </a:r>
-          </a:p>
-          <a:p>
-            <a:endParaRPr kumimoji="1" lang="zh-CN" altLang="en-US" dirty="0"/>
           </a:p>
         </p:txBody>
       </p:sp>
@@ -2439,6 +2407,55 @@
           <a:bodyPr/>
           <a:lstStyle/>
           <a:p>
+            <a:r>
+              <a:rPr lang="en-US" altLang="zh-CN" dirty="0"/>
+              <a:t>Tripoline</a:t>
+            </a:r>
+            <a:r>
+              <a:rPr lang="zh-CN" altLang="en-US" dirty="0"/>
+              <a:t>通过三角不等式和全局索引，实现了对点对点查询的增量查询。</a:t>
+            </a:r>
+            <a:endParaRPr lang="en-US" altLang="zh-CN" dirty="0"/>
+          </a:p>
+          <a:p>
+            <a:r>
+              <a:rPr lang="zh-CN" altLang="en-US" dirty="0"/>
+              <a:t>只要是同一类型的查询，哪怕是以不同的顶点为中心也可以增量处理。因为它只增量维护全局顶点的索引，当特定于某个顶点的查询到来时，可以通过三角不等式求得要查询的结果的上界，然后使用剪枝算法求得最终的收敛结果。</a:t>
+            </a:r>
+            <a:endParaRPr lang="en-US" altLang="zh-CN" dirty="0"/>
+          </a:p>
+          <a:p>
+            <a:r>
+              <a:rPr lang="zh-CN" altLang="en-US" dirty="0"/>
+              <a:t>和</a:t>
+            </a:r>
+            <a:r>
+              <a:rPr lang="en-US" altLang="zh-CN" dirty="0" err="1"/>
+              <a:t>Pnp</a:t>
+            </a:r>
+            <a:r>
+              <a:rPr lang="zh-CN" altLang="en-US" dirty="0"/>
+              <a:t>相比，</a:t>
+            </a:r>
+            <a:r>
+              <a:rPr lang="en-US" altLang="zh-CN" dirty="0"/>
+              <a:t>Tripoline</a:t>
+            </a:r>
+            <a:r>
+              <a:rPr lang="zh-CN" altLang="en-US" dirty="0"/>
+              <a:t>多了一个对全局顶点进行预计算的过程。好处是可以快速求得特定顶点之间查询的上界值，而无需像</a:t>
+            </a:r>
+            <a:r>
+              <a:rPr lang="en-US" altLang="zh-CN" dirty="0" err="1"/>
+              <a:t>Pnp</a:t>
+            </a:r>
+            <a:r>
+              <a:rPr lang="zh-CN" altLang="en-US" dirty="0"/>
+              <a:t>一样需要先遍历得到上界值。</a:t>
+            </a:r>
+            <a:endParaRPr lang="en-US" altLang="zh-CN" dirty="0"/>
+          </a:p>
+          <a:p>
             <a:pPr marL="0" marR="0" lvl="0" indent="0" algn="l" defTabSz="914400" rtl="0" eaLnBrk="1" fontAlgn="auto" latinLnBrk="0" hangingPunct="1">
               <a:lnSpc>
                 <a:spcPct val="100000"/>
@@ -2456,293 +2473,12 @@
               <a:defRPr/>
             </a:pPr>
             <a:r>
-              <a:rPr lang="en-US" altLang="zh-CN" dirty="0" err="1"/>
-              <a:t>SGraph</a:t>
-            </a:r>
-            <a:r>
               <a:rPr lang="zh-CN" altLang="en-US" dirty="0"/>
-              <a:t>对三角不等式做了进一步的研究，将</a:t>
-            </a:r>
-            <a:r>
-              <a:rPr lang="en-US" altLang="zh-CN" dirty="0"/>
-              <a:t>Tripoline</a:t>
-            </a:r>
-            <a:r>
-              <a:rPr lang="zh-CN" altLang="en-US" dirty="0"/>
-              <a:t>中针对不用算法的三角不等式抽象为统一的形式。也就是𝑄</a:t>
-            </a:r>
-            <a:r>
-              <a:rPr lang="en-US" altLang="zh-CN" dirty="0"/>
-              <a:t>(</a:t>
-            </a:r>
-            <a:r>
-              <a:rPr lang="zh-CN" altLang="en-US" dirty="0"/>
-              <a:t>𝑠↦</a:t>
-            </a:r>
-            <a:r>
-              <a:rPr lang="en-US" altLang="zh-CN" dirty="0"/>
-              <a:t>h)⊕</a:t>
-            </a:r>
-            <a:r>
-              <a:rPr lang="zh-CN" altLang="en-US" dirty="0"/>
-              <a:t>𝑄</a:t>
-            </a:r>
-            <a:r>
-              <a:rPr lang="en-US" altLang="zh-CN" dirty="0"/>
-              <a:t>(h↦</a:t>
-            </a:r>
-            <a:r>
-              <a:rPr lang="zh-CN" altLang="en-US" dirty="0"/>
-              <a:t>𝑑</a:t>
-            </a:r>
-            <a:r>
-              <a:rPr lang="en-US" altLang="zh-CN" dirty="0"/>
-              <a:t>)⪰</a:t>
-            </a:r>
-            <a:r>
-              <a:rPr lang="zh-CN" altLang="en-US" dirty="0"/>
-              <a:t>𝑄</a:t>
-            </a:r>
-            <a:r>
-              <a:rPr lang="en-US" altLang="zh-CN" dirty="0"/>
-              <a:t>(</a:t>
-            </a:r>
-            <a:r>
-              <a:rPr lang="zh-CN" altLang="en-US" dirty="0"/>
-              <a:t>𝑠↦𝑑</a:t>
-            </a:r>
-            <a:r>
-              <a:rPr lang="en-US" altLang="zh-CN" dirty="0"/>
-              <a:t>)</a:t>
-            </a:r>
-            <a:r>
-              <a:rPr lang="zh-CN" altLang="en-US" dirty="0"/>
-              <a:t>。</a:t>
-            </a:r>
-            <a:endParaRPr lang="en-US" altLang="zh-CN" dirty="0"/>
-          </a:p>
-          <a:p>
-            <a:pPr marL="0" marR="0" lvl="0" indent="0" algn="l" defTabSz="914400" rtl="0" eaLnBrk="1" fontAlgn="auto" latinLnBrk="0" hangingPunct="1">
-              <a:lnSpc>
-                <a:spcPct val="100000"/>
-              </a:lnSpc>
-              <a:spcBef>
-                <a:spcPts val="0"/>
-              </a:spcBef>
-              <a:spcAft>
-                <a:spcPts val="0"/>
-              </a:spcAft>
-              <a:buClrTx/>
-              <a:buSzTx/>
-              <a:buFontTx/>
-              <a:buNone/>
-              <a:defRPr/>
-            </a:pPr>
-            <a:r>
-              <a:rPr lang="zh-CN" altLang="en-US" dirty="0"/>
-              <a:t>其中</a:t>
-            </a:r>
-            <a:r>
-              <a:rPr lang="en-US" altLang="zh-CN" dirty="0"/>
-              <a:t>+</a:t>
-            </a:r>
-            <a:r>
-              <a:rPr lang="zh-CN" altLang="en-US" dirty="0"/>
-              <a:t>号在</a:t>
-            </a:r>
-            <a:r>
-              <a:rPr lang="en-US" altLang="zh-CN" dirty="0"/>
-              <a:t>BFS</a:t>
-            </a:r>
-            <a:r>
-              <a:rPr lang="zh-CN" altLang="en-US" dirty="0"/>
-              <a:t>和</a:t>
-            </a:r>
-            <a:r>
-              <a:rPr lang="en-US" altLang="zh-CN" dirty="0"/>
-              <a:t>PPSP</a:t>
-            </a:r>
-            <a:r>
-              <a:rPr lang="zh-CN" altLang="en-US" dirty="0"/>
-              <a:t>中是两值相加，在可达性算法中是两个</a:t>
-            </a:r>
-            <a:r>
-              <a:rPr lang="en-US" altLang="zh-CN" dirty="0"/>
-              <a:t>bool</a:t>
-            </a:r>
-            <a:r>
-              <a:rPr lang="zh-CN" altLang="en-US" dirty="0"/>
-              <a:t>值的求交。其中的</a:t>
-            </a:r>
-            <a:r>
-              <a:rPr lang="en-US" altLang="zh-CN" dirty="0"/>
-              <a:t>&gt;=</a:t>
-            </a:r>
-            <a:r>
-              <a:rPr lang="zh-CN" altLang="en-US" dirty="0"/>
-              <a:t>号在</a:t>
-            </a:r>
-            <a:r>
-              <a:rPr lang="en-US" altLang="zh-CN" dirty="0"/>
-              <a:t>PPSP</a:t>
-            </a:r>
-            <a:r>
-              <a:rPr lang="zh-CN" altLang="en-US" dirty="0"/>
-              <a:t>和</a:t>
-            </a:r>
-            <a:r>
-              <a:rPr lang="en-US" altLang="zh-CN" dirty="0"/>
-              <a:t>BFS</a:t>
-            </a:r>
-            <a:r>
-              <a:rPr lang="zh-CN" altLang="en-US" dirty="0"/>
-              <a:t>中是值的大小比较，在可达性算法中是推导。</a:t>
-            </a:r>
-            <a:endParaRPr lang="en-US" altLang="zh-CN" dirty="0"/>
-          </a:p>
-          <a:p>
-            <a:pPr marL="0" marR="0" lvl="0" indent="0" algn="l" defTabSz="914400" rtl="0" eaLnBrk="1" fontAlgn="auto" latinLnBrk="0" hangingPunct="1">
-              <a:lnSpc>
-                <a:spcPct val="100000"/>
-              </a:lnSpc>
-              <a:spcBef>
-                <a:spcPts val="0"/>
-              </a:spcBef>
-              <a:spcAft>
-                <a:spcPts val="0"/>
-              </a:spcAft>
-              <a:buClrTx/>
-              <a:buSzTx/>
-              <a:buFontTx/>
-              <a:buNone/>
-              <a:defRPr/>
-            </a:pPr>
-            <a:endParaRPr lang="en-US" altLang="zh-CN" dirty="0"/>
-          </a:p>
-          <a:p>
-            <a:pPr marL="0" marR="0" lvl="0" indent="0" algn="l" defTabSz="914400" rtl="0" eaLnBrk="1" fontAlgn="auto" latinLnBrk="0" hangingPunct="1">
-              <a:lnSpc>
-                <a:spcPct val="100000"/>
-              </a:lnSpc>
-              <a:spcBef>
-                <a:spcPts val="0"/>
-              </a:spcBef>
-              <a:spcAft>
-                <a:spcPts val="0"/>
-              </a:spcAft>
-              <a:buClrTx/>
-              <a:buSzTx/>
-              <a:buFontTx/>
-              <a:buNone/>
-              <a:defRPr/>
-            </a:pPr>
-            <a:r>
-              <a:rPr lang="zh-CN" altLang="en-US" dirty="0"/>
-              <a:t>除了统一三角不等式的形式，</a:t>
-            </a:r>
-            <a:r>
-              <a:rPr lang="en-US" altLang="zh-CN" dirty="0" err="1"/>
-              <a:t>SGraph</a:t>
-            </a:r>
-            <a:r>
-              <a:rPr lang="zh-CN" altLang="en-US" dirty="0"/>
-              <a:t>还将不等式做了变换，将左边的一项移到右边，移动要变号。这里的</a:t>
-            </a:r>
-            <a:r>
-              <a:rPr lang="en-US" altLang="zh-CN" dirty="0"/>
-              <a:t>-</a:t>
-            </a:r>
-            <a:r>
-              <a:rPr lang="zh-CN" altLang="en-US" dirty="0"/>
-              <a:t>号就是</a:t>
-            </a:r>
-            <a:r>
-              <a:rPr lang="en-US" altLang="zh-CN" dirty="0"/>
-              <a:t>+</a:t>
-            </a:r>
-            <a:r>
-              <a:rPr lang="zh-CN" altLang="en-US" dirty="0"/>
-              <a:t>号的逆过程。然后对变量换元就得到了这样形式的三角不等式</a:t>
-            </a:r>
-            <a:endParaRPr lang="en-US" altLang="zh-CN" dirty="0"/>
-          </a:p>
-          <a:p>
-            <a:pPr marL="0" marR="0" lvl="0" indent="0" algn="l" defTabSz="914400" rtl="0" eaLnBrk="1" fontAlgn="auto" latinLnBrk="0" hangingPunct="1">
-              <a:lnSpc>
-                <a:spcPct val="100000"/>
-              </a:lnSpc>
-              <a:spcBef>
-                <a:spcPts val="0"/>
-              </a:spcBef>
-              <a:spcAft>
-                <a:spcPts val="0"/>
-              </a:spcAft>
-              <a:buClrTx/>
-              <a:buSzTx/>
-              <a:buFontTx/>
-              <a:buNone/>
-              <a:defRPr/>
-            </a:pPr>
-            <a:endParaRPr lang="en-US" altLang="zh-CN" dirty="0"/>
-          </a:p>
-          <a:p>
-            <a:pPr marL="0" marR="0" lvl="0" indent="0" algn="l" defTabSz="914400" rtl="0" eaLnBrk="1" fontAlgn="auto" latinLnBrk="0" hangingPunct="1">
-              <a:lnSpc>
-                <a:spcPct val="100000"/>
-              </a:lnSpc>
-              <a:spcBef>
-                <a:spcPts val="0"/>
-              </a:spcBef>
-              <a:spcAft>
-                <a:spcPts val="0"/>
-              </a:spcAft>
-              <a:buClrTx/>
-              <a:buSzTx/>
-              <a:buFontTx/>
-              <a:buNone/>
-              <a:tabLst/>
-              <a:defRPr/>
-            </a:pPr>
-            <a:r>
-              <a:rPr lang="zh-CN" altLang="en-US" dirty="0"/>
-              <a:t>根据变换后的三角不等式我们能求得</a:t>
-            </a:r>
-            <a:r>
-              <a:rPr lang="en-US" altLang="zh-CN" dirty="0"/>
-              <a:t>v</a:t>
-            </a:r>
-            <a:r>
-              <a:rPr lang="zh-CN" altLang="en-US" dirty="0"/>
-              <a:t>到</a:t>
-            </a:r>
-            <a:r>
-              <a:rPr lang="en-US" altLang="zh-CN" dirty="0"/>
-              <a:t>d</a:t>
-            </a:r>
-            <a:r>
-              <a:rPr lang="zh-CN" altLang="en-US" dirty="0"/>
-              <a:t>的最小值，称为下界。注意，之前的上界是目前已知的从源点到任意顶点的最佳路径值。而这里的下界是预估的从任意顶点到目的顶点距离的最小值。</a:t>
-            </a:r>
-            <a:endParaRPr lang="en-US" altLang="zh-CN" dirty="0"/>
-          </a:p>
-          <a:p>
-            <a:pPr marL="0" marR="0" lvl="0" indent="0" algn="l" defTabSz="914400" rtl="0" eaLnBrk="1" fontAlgn="auto" latinLnBrk="0" hangingPunct="1">
-              <a:lnSpc>
-                <a:spcPct val="100000"/>
-              </a:lnSpc>
-              <a:spcBef>
-                <a:spcPts val="0"/>
-              </a:spcBef>
-              <a:spcAft>
-                <a:spcPts val="0"/>
-              </a:spcAft>
-              <a:buClrTx/>
-              <a:buSzTx/>
-              <a:buFontTx/>
-              <a:buNone/>
-              <a:defRPr/>
-            </a:pPr>
-            <a:endParaRPr lang="en-US" altLang="zh-CN" dirty="0"/>
+              <a:t>但是基于上界的剪枝方案只能剪去一半左右的顶点激活，还不够理想。</a:t>
+            </a:r>
+          </a:p>
+          <a:p>
+            <a:endParaRPr kumimoji="1" lang="zh-CN" altLang="en-US" dirty="0"/>
           </a:p>
         </p:txBody>
       </p:sp>
@@ -2821,20 +2557,277 @@
           <a:bodyPr/>
           <a:lstStyle/>
           <a:p>
+            <a:pPr marL="0" marR="0" lvl="0" indent="0" algn="l" defTabSz="914400" rtl="0" eaLnBrk="1" fontAlgn="auto" latinLnBrk="0" hangingPunct="1">
+              <a:lnSpc>
+                <a:spcPct val="100000"/>
+              </a:lnSpc>
+              <a:spcBef>
+                <a:spcPts val="0"/>
+              </a:spcBef>
+              <a:spcAft>
+                <a:spcPts val="0"/>
+              </a:spcAft>
+              <a:buClrTx/>
+              <a:buSzTx/>
+              <a:buFontTx/>
+              <a:buNone/>
+              <a:defRPr/>
+            </a:pPr>
+            <a:r>
+              <a:rPr lang="en-US" altLang="zh-CN" dirty="0" err="1"/>
+              <a:t>SGraph</a:t>
+            </a:r>
             <a:r>
               <a:rPr lang="zh-CN" altLang="en-US" dirty="0"/>
-              <a:t>下界剪枝有什么用呢？</a:t>
+              <a:t>对三角不等式做了进一步的研究，将</a:t>
+            </a:r>
+            <a:r>
+              <a:rPr lang="en-US" altLang="zh-CN" dirty="0"/>
+              <a:t>Tripoline</a:t>
+            </a:r>
+            <a:r>
+              <a:rPr lang="zh-CN" altLang="en-US" dirty="0"/>
+              <a:t>中针对不用算法的三角不等式抽象为统一的形式。也就是𝑄</a:t>
+            </a:r>
+            <a:r>
+              <a:rPr lang="en-US" altLang="zh-CN" dirty="0"/>
+              <a:t>(</a:t>
+            </a:r>
+            <a:r>
+              <a:rPr lang="zh-CN" altLang="en-US" dirty="0"/>
+              <a:t>𝑠↦</a:t>
+            </a:r>
+            <a:r>
+              <a:rPr lang="en-US" altLang="zh-CN" dirty="0"/>
+              <a:t>h)⊕</a:t>
+            </a:r>
+            <a:r>
+              <a:rPr lang="zh-CN" altLang="en-US" dirty="0"/>
+              <a:t>𝑄</a:t>
+            </a:r>
+            <a:r>
+              <a:rPr lang="en-US" altLang="zh-CN" dirty="0"/>
+              <a:t>(h↦</a:t>
+            </a:r>
+            <a:r>
+              <a:rPr lang="zh-CN" altLang="en-US" dirty="0"/>
+              <a:t>𝑑</a:t>
+            </a:r>
+            <a:r>
+              <a:rPr lang="en-US" altLang="zh-CN" dirty="0"/>
+              <a:t>)⪰</a:t>
+            </a:r>
+            <a:r>
+              <a:rPr lang="zh-CN" altLang="en-US" dirty="0"/>
+              <a:t>𝑄</a:t>
+            </a:r>
+            <a:r>
+              <a:rPr lang="en-US" altLang="zh-CN" dirty="0"/>
+              <a:t>(</a:t>
+            </a:r>
+            <a:r>
+              <a:rPr lang="zh-CN" altLang="en-US" dirty="0"/>
+              <a:t>𝑠↦𝑑</a:t>
+            </a:r>
+            <a:r>
+              <a:rPr lang="en-US" altLang="zh-CN" dirty="0"/>
+              <a:t>)</a:t>
+            </a:r>
+            <a:r>
+              <a:rPr lang="zh-CN" altLang="en-US" dirty="0"/>
+              <a:t>。</a:t>
             </a:r>
             <a:endParaRPr lang="en-US" altLang="zh-CN" dirty="0"/>
           </a:p>
           <a:p>
+            <a:pPr marL="0" marR="0" lvl="0" indent="0" algn="l" defTabSz="914400" rtl="0" eaLnBrk="1" fontAlgn="auto" latinLnBrk="0" hangingPunct="1">
+              <a:lnSpc>
+                <a:spcPct val="100000"/>
+              </a:lnSpc>
+              <a:spcBef>
+                <a:spcPts val="0"/>
+              </a:spcBef>
+              <a:spcAft>
+                <a:spcPts val="0"/>
+              </a:spcAft>
+              <a:buClrTx/>
+              <a:buSzTx/>
+              <a:buFontTx/>
+              <a:buNone/>
+              <a:defRPr/>
+            </a:pPr>
             <a:r>
               <a:rPr lang="zh-CN" altLang="en-US" dirty="0"/>
-              <a:t>在上界剪枝中，如果</a:t>
+              <a:t>其中</a:t>
             </a:r>
             <a:r>
               <a:rPr lang="en-US" altLang="zh-CN" dirty="0"/>
-              <a:t>s</a:t>
+              <a:t>+</a:t>
+            </a:r>
+            <a:r>
+              <a:rPr lang="zh-CN" altLang="en-US" dirty="0"/>
+              <a:t>号在</a:t>
+            </a:r>
+            <a:r>
+              <a:rPr lang="en-US" altLang="zh-CN" dirty="0"/>
+              <a:t>BFS</a:t>
+            </a:r>
+            <a:r>
+              <a:rPr lang="zh-CN" altLang="en-US" dirty="0"/>
+              <a:t>和</a:t>
+            </a:r>
+            <a:r>
+              <a:rPr lang="en-US" altLang="zh-CN" dirty="0"/>
+              <a:t>PPSP</a:t>
+            </a:r>
+            <a:r>
+              <a:rPr lang="zh-CN" altLang="en-US" dirty="0"/>
+              <a:t>中是两值相加，在可达性算法中是两个</a:t>
+            </a:r>
+            <a:r>
+              <a:rPr lang="en-US" altLang="zh-CN" dirty="0"/>
+              <a:t>bool</a:t>
+            </a:r>
+            <a:r>
+              <a:rPr lang="zh-CN" altLang="en-US" dirty="0"/>
+              <a:t>值的求交。其中的</a:t>
+            </a:r>
+            <a:r>
+              <a:rPr lang="en-US" altLang="zh-CN" dirty="0"/>
+              <a:t>&gt;=</a:t>
+            </a:r>
+            <a:r>
+              <a:rPr lang="zh-CN" altLang="en-US" dirty="0"/>
+              <a:t>号在</a:t>
+            </a:r>
+            <a:r>
+              <a:rPr lang="en-US" altLang="zh-CN" dirty="0"/>
+              <a:t>PPSP</a:t>
+            </a:r>
+            <a:r>
+              <a:rPr lang="zh-CN" altLang="en-US" dirty="0"/>
+              <a:t>和</a:t>
+            </a:r>
+            <a:r>
+              <a:rPr lang="en-US" altLang="zh-CN" dirty="0"/>
+              <a:t>BFS</a:t>
+            </a:r>
+            <a:r>
+              <a:rPr lang="zh-CN" altLang="en-US" dirty="0"/>
+              <a:t>中是值的大小比较，在可达性算法中是推导。</a:t>
+            </a:r>
+            <a:endParaRPr lang="en-US" altLang="zh-CN" dirty="0"/>
+          </a:p>
+          <a:p>
+            <a:pPr marL="0" marR="0" lvl="0" indent="0" algn="l" defTabSz="914400" rtl="0" eaLnBrk="1" fontAlgn="auto" latinLnBrk="0" hangingPunct="1">
+              <a:lnSpc>
+                <a:spcPct val="100000"/>
+              </a:lnSpc>
+              <a:spcBef>
+                <a:spcPts val="0"/>
+              </a:spcBef>
+              <a:spcAft>
+                <a:spcPts val="0"/>
+              </a:spcAft>
+              <a:buClrTx/>
+              <a:buSzTx/>
+              <a:buFontTx/>
+              <a:buNone/>
+              <a:defRPr/>
+            </a:pPr>
+            <a:endParaRPr lang="en-US" altLang="zh-CN" dirty="0"/>
+          </a:p>
+          <a:p>
+            <a:pPr marL="0" marR="0" lvl="0" indent="0" algn="l" defTabSz="914400" rtl="0" eaLnBrk="1" fontAlgn="auto" latinLnBrk="0" hangingPunct="1">
+              <a:lnSpc>
+                <a:spcPct val="100000"/>
+              </a:lnSpc>
+              <a:spcBef>
+                <a:spcPts val="0"/>
+              </a:spcBef>
+              <a:spcAft>
+                <a:spcPts val="0"/>
+              </a:spcAft>
+              <a:buClrTx/>
+              <a:buSzTx/>
+              <a:buFontTx/>
+              <a:buNone/>
+              <a:defRPr/>
+            </a:pPr>
+            <a:r>
+              <a:rPr lang="zh-CN" altLang="en-US" dirty="0"/>
+              <a:t>除了统一三角不等式的形式，</a:t>
+            </a:r>
+            <a:r>
+              <a:rPr lang="en-US" altLang="zh-CN" dirty="0" err="1"/>
+              <a:t>SGraph</a:t>
+            </a:r>
+            <a:r>
+              <a:rPr lang="zh-CN" altLang="en-US" dirty="0"/>
+              <a:t>还将不等式做了变换，将左边的一项移到右边，移动要变号。这里的</a:t>
+            </a:r>
+            <a:r>
+              <a:rPr lang="en-US" altLang="zh-CN" dirty="0"/>
+              <a:t>-</a:t>
+            </a:r>
+            <a:r>
+              <a:rPr lang="zh-CN" altLang="en-US" dirty="0"/>
+              <a:t>号就是</a:t>
+            </a:r>
+            <a:r>
+              <a:rPr lang="en-US" altLang="zh-CN" dirty="0"/>
+              <a:t>+</a:t>
+            </a:r>
+            <a:r>
+              <a:rPr lang="zh-CN" altLang="en-US" dirty="0"/>
+              <a:t>号的逆过程。然后对变量换元就得到了这样形式的三角不等式</a:t>
+            </a:r>
+            <a:endParaRPr lang="en-US" altLang="zh-CN" dirty="0"/>
+          </a:p>
+          <a:p>
+            <a:pPr marL="0" marR="0" lvl="0" indent="0" algn="l" defTabSz="914400" rtl="0" eaLnBrk="1" fontAlgn="auto" latinLnBrk="0" hangingPunct="1">
+              <a:lnSpc>
+                <a:spcPct val="100000"/>
+              </a:lnSpc>
+              <a:spcBef>
+                <a:spcPts val="0"/>
+              </a:spcBef>
+              <a:spcAft>
+                <a:spcPts val="0"/>
+              </a:spcAft>
+              <a:buClrTx/>
+              <a:buSzTx/>
+              <a:buFontTx/>
+              <a:buNone/>
+              <a:defRPr/>
+            </a:pPr>
+            <a:endParaRPr lang="en-US" altLang="zh-CN" dirty="0"/>
+          </a:p>
+          <a:p>
+            <a:pPr marL="0" marR="0" lvl="0" indent="0" algn="l" defTabSz="914400" rtl="0" eaLnBrk="1" fontAlgn="auto" latinLnBrk="0" hangingPunct="1">
+              <a:lnSpc>
+                <a:spcPct val="100000"/>
+              </a:lnSpc>
+              <a:spcBef>
+                <a:spcPts val="0"/>
+              </a:spcBef>
+              <a:spcAft>
+                <a:spcPts val="0"/>
+              </a:spcAft>
+              <a:buClrTx/>
+              <a:buSzTx/>
+              <a:buFontTx/>
+              <a:buNone/>
+              <a:tabLst/>
+              <a:defRPr/>
+            </a:pPr>
+            <a:r>
+              <a:rPr lang="zh-CN" altLang="en-US" dirty="0"/>
+              <a:t>根据变换后的三角不等式我们能求得</a:t>
+            </a:r>
+            <a:r>
+              <a:rPr lang="en-US" altLang="zh-CN" dirty="0"/>
+              <a:t>v</a:t>
             </a:r>
             <a:r>
               <a:rPr lang="zh-CN" altLang="en-US" dirty="0"/>
@@ -2842,188 +2835,32 @@
             </a:r>
             <a:r>
               <a:rPr lang="en-US" altLang="zh-CN" dirty="0"/>
-              <a:t>v</a:t>
+              <a:t>d</a:t>
             </a:r>
             <a:r>
               <a:rPr lang="zh-CN" altLang="en-US" dirty="0"/>
-              <a:t>的距离比当前的上界还要大，</a:t>
-            </a:r>
-            <a:r>
-              <a:rPr lang="en-US" altLang="zh-CN" dirty="0"/>
-              <a:t>s</a:t>
-            </a:r>
-            <a:r>
-              <a:rPr lang="zh-CN" altLang="en-US" dirty="0"/>
-              <a:t>到</a:t>
-            </a:r>
-            <a:r>
-              <a:rPr lang="en-US" altLang="zh-CN" dirty="0"/>
-              <a:t>v</a:t>
-            </a:r>
-            <a:r>
-              <a:rPr lang="zh-CN" altLang="en-US" dirty="0"/>
-              <a:t>的查询路径就会被剪枝。否则就会被激活。</a:t>
+              <a:t>的最小值，称为下界。注意，之前的上界是目前已知的从源点到任意顶点的最佳路径值。而这里的下界是预估的从任意顶点到目的顶点距离的最小值。</a:t>
             </a:r>
             <a:endParaRPr lang="en-US" altLang="zh-CN" dirty="0"/>
           </a:p>
           <a:p>
-            <a:r>
-              <a:rPr lang="zh-CN" altLang="en-US" dirty="0"/>
-              <a:t>在下界剪枝中，如果</a:t>
-            </a:r>
-            <a:r>
-              <a:rPr lang="en-US" altLang="zh-CN" dirty="0"/>
-              <a:t>s</a:t>
-            </a:r>
-            <a:r>
-              <a:rPr lang="zh-CN" altLang="en-US" dirty="0"/>
-              <a:t>到</a:t>
-            </a:r>
-            <a:r>
-              <a:rPr lang="en-US" altLang="zh-CN" dirty="0"/>
-              <a:t>v</a:t>
-            </a:r>
-            <a:r>
-              <a:rPr lang="zh-CN" altLang="en-US" dirty="0"/>
-              <a:t>的路径值</a:t>
-            </a:r>
-            <a:r>
-              <a:rPr lang="en-US" altLang="zh-CN" dirty="0"/>
-              <a:t>+</a:t>
-            </a:r>
-            <a:r>
-              <a:rPr lang="zh-CN" altLang="en-US" dirty="0"/>
-              <a:t>下界值</a:t>
-            </a:r>
-            <a:r>
-              <a:rPr lang="en-US" altLang="zh-CN" dirty="0"/>
-              <a:t>&gt;</a:t>
-            </a:r>
-            <a:r>
-              <a:rPr lang="zh-CN" altLang="en-US" dirty="0"/>
-              <a:t>上界值，该路径就会被剪枝。注意我们求得</a:t>
-            </a:r>
-            <a:r>
-              <a:rPr lang="en-US" altLang="zh-CN" dirty="0"/>
-              <a:t>v</a:t>
-            </a:r>
-            <a:r>
-              <a:rPr lang="zh-CN" altLang="en-US" dirty="0"/>
-              <a:t>到</a:t>
-            </a:r>
-            <a:r>
-              <a:rPr lang="en-US" altLang="zh-CN" dirty="0"/>
-              <a:t>d</a:t>
-            </a:r>
-            <a:r>
-              <a:rPr lang="zh-CN" altLang="en-US" dirty="0"/>
-              <a:t>的距离的下界，其实要小于等于实际的路径值。但是如果加下界后路径值大于上界，那么实际的路径也一定会大于上界，此时可以确保剪枝的正确性。</a:t>
-            </a:r>
+            <a:pPr marL="0" marR="0" lvl="0" indent="0" algn="l" defTabSz="914400" rtl="0" eaLnBrk="1" fontAlgn="auto" latinLnBrk="0" hangingPunct="1">
+              <a:lnSpc>
+                <a:spcPct val="100000"/>
+              </a:lnSpc>
+              <a:spcBef>
+                <a:spcPts val="0"/>
+              </a:spcBef>
+              <a:spcAft>
+                <a:spcPts val="0"/>
+              </a:spcAft>
+              <a:buClrTx/>
+              <a:buSzTx/>
+              <a:buFontTx/>
+              <a:buNone/>
+              <a:defRPr/>
+            </a:pPr>
             <a:endParaRPr lang="en-US" altLang="zh-CN" dirty="0"/>
-          </a:p>
-          <a:p>
-            <a:endParaRPr lang="en-US" altLang="zh-CN" dirty="0"/>
-          </a:p>
-          <a:p>
-            <a:r>
-              <a:rPr lang="zh-CN" altLang="en-US" dirty="0"/>
-              <a:t>下界查询提高了剪枝的有效性，剪枝有效性提高到</a:t>
-            </a:r>
-            <a:r>
-              <a:rPr lang="en-US" altLang="zh-CN" dirty="0"/>
-              <a:t>90%</a:t>
-            </a:r>
-          </a:p>
-          <a:p>
-            <a:endParaRPr lang="en-US" altLang="zh-CN" dirty="0"/>
-          </a:p>
-          <a:p>
-            <a:r>
-              <a:rPr lang="zh-CN" altLang="en-US" dirty="0"/>
-              <a:t>全局索引的三点缺陷：</a:t>
-            </a:r>
-            <a:br>
-              <a:rPr lang="en-US" altLang="zh-CN" dirty="0"/>
-            </a:br>
-            <a:r>
-              <a:rPr lang="en-US" altLang="zh-CN" b="0" i="0" dirty="0">
-                <a:solidFill>
-                  <a:srgbClr val="374151"/>
-                </a:solidFill>
-                <a:effectLst/>
-                <a:latin typeface="Söhne"/>
-              </a:rPr>
-              <a:t>1</a:t>
-            </a:r>
-            <a:r>
-              <a:rPr lang="zh-CN" altLang="en-US" b="0" i="0" dirty="0">
-                <a:solidFill>
-                  <a:srgbClr val="374151"/>
-                </a:solidFill>
-                <a:effectLst/>
-                <a:latin typeface="Söhne"/>
-              </a:rPr>
-              <a:t>）随着图规模增大，建立全局索引的计算和存储成本急剧上升，这与全局索引中顶点数量成正比</a:t>
-            </a:r>
-            <a:endParaRPr lang="en-US" altLang="zh-CN" b="0" i="0" dirty="0">
-              <a:solidFill>
-                <a:srgbClr val="374151"/>
-              </a:solidFill>
-              <a:effectLst/>
-              <a:latin typeface="Söhne"/>
-            </a:endParaRPr>
-          </a:p>
-          <a:p>
-            <a:r>
-              <a:rPr lang="en-US" altLang="zh-CN" b="0" i="0" dirty="0">
-                <a:solidFill>
-                  <a:srgbClr val="374151"/>
-                </a:solidFill>
-                <a:effectLst/>
-                <a:latin typeface="Söhne"/>
-              </a:rPr>
-              <a:t>2</a:t>
-            </a:r>
-            <a:r>
-              <a:rPr lang="zh-CN" altLang="en-US" b="0" i="0" dirty="0">
-                <a:solidFill>
-                  <a:srgbClr val="374151"/>
-                </a:solidFill>
-                <a:effectLst/>
-                <a:latin typeface="Söhne"/>
-              </a:rPr>
-              <a:t>）在动态图处理中，每轮图更新后需要刷新全局索引。如果受影响的顶点位于最优路径上，必须重新计算从直接受影响的顶点到终点的路径上所有顶点的全局索引值。图更新的影响在共享数据段发生修改时进一步增强</a:t>
-            </a:r>
-            <a:endParaRPr lang="en-US" altLang="zh-CN" b="0" i="0" dirty="0">
-              <a:solidFill>
-                <a:srgbClr val="374151"/>
-              </a:solidFill>
-              <a:effectLst/>
-              <a:latin typeface="Söhne"/>
-            </a:endParaRPr>
-          </a:p>
-          <a:p>
-            <a:r>
-              <a:rPr lang="en-US" altLang="zh-CN" b="0" i="0" dirty="0">
-                <a:solidFill>
-                  <a:srgbClr val="374151"/>
-                </a:solidFill>
-                <a:effectLst/>
-                <a:latin typeface="Söhne"/>
-              </a:rPr>
-              <a:t>3</a:t>
-            </a:r>
-            <a:r>
-              <a:rPr lang="zh-CN" altLang="en-US" b="0" i="0" dirty="0">
-                <a:solidFill>
-                  <a:srgbClr val="374151"/>
-                </a:solidFill>
-                <a:effectLst/>
-                <a:latin typeface="Söhne"/>
-              </a:rPr>
-              <a:t>）不同数据集之间的数据分布模式差异使得选择平衡索引覆盖和相关开销的最佳索引顶点数量变得困难。</a:t>
-            </a:r>
-            <a:endParaRPr lang="zh-CN" altLang="en-US" dirty="0"/>
           </a:p>
         </p:txBody>
       </p:sp>
@@ -3051,6 +2888,469 @@
         </p:txBody>
       </p:sp>
     </p:spTree>
+  </p:cSld>
+  <p:clrMapOvr>
+    <a:masterClrMapping/>
+  </p:clrMapOvr>
+</p:notes>
+</file>
+
+<file path=ppt/notesSlides/notesSlide18.xml><?xml version="1.0" encoding="utf-8"?>
+<p:notes xmlns:a="http://schemas.openxmlformats.org/drawingml/2006/main" xmlns:r="http://schemas.openxmlformats.org/officeDocument/2006/relationships" xmlns:p="http://schemas.openxmlformats.org/presentationml/2006/main">
+  <p:cSld>
+    <p:spTree>
+      <p:nvGrpSpPr>
+        <p:cNvPr id="1" name=""/>
+        <p:cNvGrpSpPr/>
+        <p:nvPr/>
+      </p:nvGrpSpPr>
+      <p:grpSpPr>
+        <a:xfrm>
+          <a:off x="0" y="0"/>
+          <a:ext cx="0" cy="0"/>
+          <a:chOff x="0" y="0"/>
+          <a:chExt cx="0" cy="0"/>
+        </a:xfrm>
+      </p:grpSpPr>
+      <p:sp>
+        <p:nvSpPr>
+          <p:cNvPr id="2" name="幻灯片图像占位符 1"/>
+          <p:cNvSpPr>
+            <a:spLocks noGrp="1" noRot="1" noChangeAspect="1"/>
+          </p:cNvSpPr>
+          <p:nvPr>
+            <p:ph type="sldImg"/>
+          </p:nvPr>
+        </p:nvSpPr>
+        <p:spPr/>
+      </p:sp>
+      <p:sp>
+        <p:nvSpPr>
+          <p:cNvPr id="3" name="备注占位符 2"/>
+          <p:cNvSpPr>
+            <a:spLocks noGrp="1"/>
+          </p:cNvSpPr>
+          <p:nvPr>
+            <p:ph type="body" idx="1"/>
+          </p:nvPr>
+        </p:nvSpPr>
+        <p:spPr/>
+        <p:txBody>
+          <a:bodyPr/>
+          <a:lstStyle/>
+          <a:p>
+            <a:r>
+              <a:rPr lang="zh-CN" altLang="en-US" dirty="0"/>
+              <a:t>下界剪枝有什么用呢？</a:t>
+            </a:r>
+            <a:endParaRPr lang="en-US" altLang="zh-CN" dirty="0"/>
+          </a:p>
+          <a:p>
+            <a:r>
+              <a:rPr lang="zh-CN" altLang="en-US" dirty="0"/>
+              <a:t>在上界剪枝中，如果</a:t>
+            </a:r>
+            <a:r>
+              <a:rPr lang="en-US" altLang="zh-CN" dirty="0"/>
+              <a:t>s</a:t>
+            </a:r>
+            <a:r>
+              <a:rPr lang="zh-CN" altLang="en-US" dirty="0"/>
+              <a:t>到</a:t>
+            </a:r>
+            <a:r>
+              <a:rPr lang="en-US" altLang="zh-CN" dirty="0"/>
+              <a:t>v</a:t>
+            </a:r>
+            <a:r>
+              <a:rPr lang="zh-CN" altLang="en-US" dirty="0"/>
+              <a:t>的距离比当前的上界还要大，</a:t>
+            </a:r>
+            <a:r>
+              <a:rPr lang="en-US" altLang="zh-CN" dirty="0"/>
+              <a:t>s</a:t>
+            </a:r>
+            <a:r>
+              <a:rPr lang="zh-CN" altLang="en-US" dirty="0"/>
+              <a:t>到</a:t>
+            </a:r>
+            <a:r>
+              <a:rPr lang="en-US" altLang="zh-CN" dirty="0"/>
+              <a:t>v</a:t>
+            </a:r>
+            <a:r>
+              <a:rPr lang="zh-CN" altLang="en-US" dirty="0"/>
+              <a:t>的查询路径就会被剪枝。否则就会被激活。</a:t>
+            </a:r>
+            <a:endParaRPr lang="en-US" altLang="zh-CN" dirty="0"/>
+          </a:p>
+          <a:p>
+            <a:r>
+              <a:rPr lang="zh-CN" altLang="en-US" dirty="0"/>
+              <a:t>在下界剪枝中，如果</a:t>
+            </a:r>
+            <a:r>
+              <a:rPr lang="en-US" altLang="zh-CN" dirty="0"/>
+              <a:t>s</a:t>
+            </a:r>
+            <a:r>
+              <a:rPr lang="zh-CN" altLang="en-US" dirty="0"/>
+              <a:t>到</a:t>
+            </a:r>
+            <a:r>
+              <a:rPr lang="en-US" altLang="zh-CN" dirty="0"/>
+              <a:t>v</a:t>
+            </a:r>
+            <a:r>
+              <a:rPr lang="zh-CN" altLang="en-US" dirty="0"/>
+              <a:t>的路径值</a:t>
+            </a:r>
+            <a:r>
+              <a:rPr lang="en-US" altLang="zh-CN" dirty="0"/>
+              <a:t>+</a:t>
+            </a:r>
+            <a:r>
+              <a:rPr lang="zh-CN" altLang="en-US" dirty="0"/>
+              <a:t>下界值</a:t>
+            </a:r>
+            <a:r>
+              <a:rPr lang="en-US" altLang="zh-CN" dirty="0"/>
+              <a:t>&gt;</a:t>
+            </a:r>
+            <a:r>
+              <a:rPr lang="zh-CN" altLang="en-US" dirty="0"/>
+              <a:t>上界值，该路径就会被剪枝。注意我们求得</a:t>
+            </a:r>
+            <a:r>
+              <a:rPr lang="en-US" altLang="zh-CN" dirty="0"/>
+              <a:t>v</a:t>
+            </a:r>
+            <a:r>
+              <a:rPr lang="zh-CN" altLang="en-US" dirty="0"/>
+              <a:t>到</a:t>
+            </a:r>
+            <a:r>
+              <a:rPr lang="en-US" altLang="zh-CN" dirty="0"/>
+              <a:t>d</a:t>
+            </a:r>
+            <a:r>
+              <a:rPr lang="zh-CN" altLang="en-US" dirty="0"/>
+              <a:t>的距离的下界，其实要小于等于实际的路径值。但是如果加下界后路径值大于上界，那么实际的路径也一定会大于上界，此时可以确保剪枝的正确性。</a:t>
+            </a:r>
+            <a:endParaRPr lang="en-US" altLang="zh-CN" dirty="0"/>
+          </a:p>
+          <a:p>
+            <a:endParaRPr lang="en-US" altLang="zh-CN" dirty="0"/>
+          </a:p>
+          <a:p>
+            <a:r>
+              <a:rPr lang="zh-CN" altLang="en-US" dirty="0"/>
+              <a:t>下界查询提高了剪枝的有效性，剪枝有效性提高到</a:t>
+            </a:r>
+            <a:r>
+              <a:rPr lang="en-US" altLang="zh-CN" dirty="0"/>
+              <a:t>90%</a:t>
+            </a:r>
+          </a:p>
+          <a:p>
+            <a:endParaRPr lang="en-US" altLang="zh-CN" dirty="0"/>
+          </a:p>
+          <a:p>
+            <a:r>
+              <a:rPr lang="zh-CN" altLang="en-US" dirty="0"/>
+              <a:t>全局索引的三点缺陷：</a:t>
+            </a:r>
+            <a:br>
+              <a:rPr lang="en-US" altLang="zh-CN" dirty="0"/>
+            </a:br>
+            <a:r>
+              <a:rPr lang="en-US" altLang="zh-CN" b="0" i="0" dirty="0">
+                <a:solidFill>
+                  <a:srgbClr val="374151"/>
+                </a:solidFill>
+                <a:effectLst/>
+                <a:latin typeface="Söhne"/>
+              </a:rPr>
+              <a:t>1</a:t>
+            </a:r>
+            <a:r>
+              <a:rPr lang="zh-CN" altLang="en-US" b="0" i="0" dirty="0">
+                <a:solidFill>
+                  <a:srgbClr val="374151"/>
+                </a:solidFill>
+                <a:effectLst/>
+                <a:latin typeface="Söhne"/>
+              </a:rPr>
+              <a:t>）随着图规模增大，建立全局索引的计算和存储成本急剧上升，这与全局索引中顶点数量成正比</a:t>
+            </a:r>
+            <a:endParaRPr lang="en-US" altLang="zh-CN" b="0" i="0" dirty="0">
+              <a:solidFill>
+                <a:srgbClr val="374151"/>
+              </a:solidFill>
+              <a:effectLst/>
+              <a:latin typeface="Söhne"/>
+            </a:endParaRPr>
+          </a:p>
+          <a:p>
+            <a:r>
+              <a:rPr lang="en-US" altLang="zh-CN" b="0" i="0" dirty="0">
+                <a:solidFill>
+                  <a:srgbClr val="374151"/>
+                </a:solidFill>
+                <a:effectLst/>
+                <a:latin typeface="Söhne"/>
+              </a:rPr>
+              <a:t>2</a:t>
+            </a:r>
+            <a:r>
+              <a:rPr lang="zh-CN" altLang="en-US" b="0" i="0" dirty="0">
+                <a:solidFill>
+                  <a:srgbClr val="374151"/>
+                </a:solidFill>
+                <a:effectLst/>
+                <a:latin typeface="Söhne"/>
+              </a:rPr>
+              <a:t>）在动态图处理中，每轮图更新后需要刷新全局索引。如果受影响的顶点位于最优路径上，必须重新计算从直接受影响的顶点到终点的路径上所有顶点的全局索引值。图更新的影响在共享数据段发生修改时进一步增强</a:t>
+            </a:r>
+            <a:endParaRPr lang="en-US" altLang="zh-CN" b="0" i="0" dirty="0">
+              <a:solidFill>
+                <a:srgbClr val="374151"/>
+              </a:solidFill>
+              <a:effectLst/>
+              <a:latin typeface="Söhne"/>
+            </a:endParaRPr>
+          </a:p>
+          <a:p>
+            <a:r>
+              <a:rPr lang="en-US" altLang="zh-CN" b="0" i="0" dirty="0">
+                <a:solidFill>
+                  <a:srgbClr val="374151"/>
+                </a:solidFill>
+                <a:effectLst/>
+                <a:latin typeface="Söhne"/>
+              </a:rPr>
+              <a:t>3</a:t>
+            </a:r>
+            <a:r>
+              <a:rPr lang="zh-CN" altLang="en-US" b="0" i="0" dirty="0">
+                <a:solidFill>
+                  <a:srgbClr val="374151"/>
+                </a:solidFill>
+                <a:effectLst/>
+                <a:latin typeface="Söhne"/>
+              </a:rPr>
+              <a:t>）不同数据集之间的数据分布模式差异使得选择平衡索引覆盖和相关开销的最佳索引顶点数量变得困难。</a:t>
+            </a:r>
+            <a:endParaRPr lang="zh-CN" altLang="en-US" dirty="0"/>
+          </a:p>
+        </p:txBody>
+      </p:sp>
+      <p:sp>
+        <p:nvSpPr>
+          <p:cNvPr id="4" name="灯片编号占位符 3"/>
+          <p:cNvSpPr>
+            <a:spLocks noGrp="1"/>
+          </p:cNvSpPr>
+          <p:nvPr>
+            <p:ph type="sldNum" sz="quarter" idx="5"/>
+          </p:nvPr>
+        </p:nvSpPr>
+        <p:spPr/>
+        <p:txBody>
+          <a:bodyPr/>
+          <a:lstStyle/>
+          <a:p>
+            <a:fld id="{D5AA2D13-0800-464B-9C7F-23B3B98C1C99}" type="slidenum">
+              <a:rPr lang="zh-CN" altLang="en-US" smtClean="0"/>
+              <a:t>18</a:t>
+            </a:fld>
+            <a:endParaRPr lang="zh-CN" altLang="en-US"/>
+          </a:p>
+        </p:txBody>
+      </p:sp>
+    </p:spTree>
+  </p:cSld>
+  <p:clrMapOvr>
+    <a:masterClrMapping/>
+  </p:clrMapOvr>
+</p:notes>
+</file>
+
+<file path=ppt/notesSlides/notesSlide19.xml><?xml version="1.0" encoding="utf-8"?>
+<p:notes xmlns:a="http://schemas.openxmlformats.org/drawingml/2006/main" xmlns:r="http://schemas.openxmlformats.org/officeDocument/2006/relationships" xmlns:p="http://schemas.openxmlformats.org/presentationml/2006/main">
+  <p:cSld>
+    <p:spTree>
+      <p:nvGrpSpPr>
+        <p:cNvPr id="1" name=""/>
+        <p:cNvGrpSpPr/>
+        <p:nvPr/>
+      </p:nvGrpSpPr>
+      <p:grpSpPr>
+        <a:xfrm>
+          <a:off x="0" y="0"/>
+          <a:ext cx="0" cy="0"/>
+          <a:chOff x="0" y="0"/>
+          <a:chExt cx="0" cy="0"/>
+        </a:xfrm>
+      </p:grpSpPr>
+      <p:sp>
+        <p:nvSpPr>
+          <p:cNvPr id="2" name="幻灯片图像占位符 1"/>
+          <p:cNvSpPr>
+            <a:spLocks noGrp="1" noRot="1" noChangeAspect="1"/>
+          </p:cNvSpPr>
+          <p:nvPr>
+            <p:ph type="sldImg"/>
+          </p:nvPr>
+        </p:nvSpPr>
+        <p:spPr/>
+      </p:sp>
+      <p:sp>
+        <p:nvSpPr>
+          <p:cNvPr id="3" name="备注占位符 2"/>
+          <p:cNvSpPr>
+            <a:spLocks noGrp="1"/>
+          </p:cNvSpPr>
+          <p:nvPr>
+            <p:ph type="body" idx="1"/>
+          </p:nvPr>
+        </p:nvSpPr>
+        <p:spPr/>
+        <p:txBody>
+          <a:bodyPr/>
+          <a:lstStyle/>
+          <a:p>
+            <a:r>
+              <a:rPr lang="zh-CN" altLang="en-US" dirty="0"/>
+              <a:t>下界查询提高了剪枝的有效性，剪枝有效性提高到</a:t>
+            </a:r>
+            <a:r>
+              <a:rPr lang="en-US" altLang="zh-CN" dirty="0"/>
+              <a:t>90%</a:t>
+            </a:r>
+          </a:p>
+          <a:p>
+            <a:endParaRPr lang="en-US" altLang="zh-CN" dirty="0"/>
+          </a:p>
+          <a:p>
+            <a:r>
+              <a:rPr lang="zh-CN" altLang="en-US" dirty="0"/>
+              <a:t>全局索引的三点缺陷：</a:t>
+            </a:r>
+            <a:br>
+              <a:rPr lang="en-US" altLang="zh-CN" dirty="0"/>
+            </a:br>
+            <a:r>
+              <a:rPr lang="en-US" altLang="zh-CN" b="0" i="0" dirty="0">
+                <a:solidFill>
+                  <a:srgbClr val="374151"/>
+                </a:solidFill>
+                <a:effectLst/>
+                <a:latin typeface="Söhne"/>
+              </a:rPr>
+              <a:t>1</a:t>
+            </a:r>
+            <a:r>
+              <a:rPr lang="zh-CN" altLang="en-US" b="0" i="0" dirty="0">
+                <a:solidFill>
+                  <a:srgbClr val="374151"/>
+                </a:solidFill>
+                <a:effectLst/>
+                <a:latin typeface="Söhne"/>
+              </a:rPr>
+              <a:t>）随着图规模增大，建立全局索引的计算和存储成本急剧上升，这与全局索引中顶点数量成正比</a:t>
+            </a:r>
+            <a:endParaRPr lang="en-US" altLang="zh-CN" b="0" i="0" dirty="0">
+              <a:solidFill>
+                <a:srgbClr val="374151"/>
+              </a:solidFill>
+              <a:effectLst/>
+              <a:latin typeface="Söhne"/>
+            </a:endParaRPr>
+          </a:p>
+          <a:p>
+            <a:r>
+              <a:rPr lang="en-US" altLang="zh-CN" b="0" i="0" dirty="0">
+                <a:solidFill>
+                  <a:srgbClr val="374151"/>
+                </a:solidFill>
+                <a:effectLst/>
+                <a:latin typeface="Söhne"/>
+              </a:rPr>
+              <a:t>2</a:t>
+            </a:r>
+            <a:r>
+              <a:rPr lang="zh-CN" altLang="en-US" b="0" i="0" dirty="0">
+                <a:solidFill>
+                  <a:srgbClr val="374151"/>
+                </a:solidFill>
+                <a:effectLst/>
+                <a:latin typeface="Söhne"/>
+              </a:rPr>
+              <a:t>）在动态图处理中，每轮图更新后需要刷新全局索引。如果受影响的顶点位于最优路径上，必须重新计算从直接受影响的顶点到终点的路径上所有顶点的全局索引值。图更新的影响在共享数据段发生修改时进一步增强</a:t>
+            </a:r>
+            <a:endParaRPr lang="en-US" altLang="zh-CN" b="0" i="0" dirty="0">
+              <a:solidFill>
+                <a:srgbClr val="374151"/>
+              </a:solidFill>
+              <a:effectLst/>
+              <a:latin typeface="Söhne"/>
+            </a:endParaRPr>
+          </a:p>
+          <a:p>
+            <a:r>
+              <a:rPr lang="en-US" altLang="zh-CN" b="0" i="0" dirty="0">
+                <a:solidFill>
+                  <a:srgbClr val="374151"/>
+                </a:solidFill>
+                <a:effectLst/>
+                <a:latin typeface="Söhne"/>
+              </a:rPr>
+              <a:t>3</a:t>
+            </a:r>
+            <a:r>
+              <a:rPr lang="zh-CN" altLang="en-US" b="0" i="0" dirty="0">
+                <a:solidFill>
+                  <a:srgbClr val="374151"/>
+                </a:solidFill>
+                <a:effectLst/>
+                <a:latin typeface="Söhne"/>
+              </a:rPr>
+              <a:t>）不同数据集之间的数据分布模式差异使得选择平衡索引覆盖和相关开销的最佳索引顶点数量变得困难。</a:t>
+            </a:r>
+            <a:endParaRPr lang="zh-CN" altLang="en-US" dirty="0"/>
+          </a:p>
+        </p:txBody>
+      </p:sp>
+      <p:sp>
+        <p:nvSpPr>
+          <p:cNvPr id="4" name="灯片编号占位符 3"/>
+          <p:cNvSpPr>
+            <a:spLocks noGrp="1"/>
+          </p:cNvSpPr>
+          <p:nvPr>
+            <p:ph type="sldNum" sz="quarter" idx="5"/>
+          </p:nvPr>
+        </p:nvSpPr>
+        <p:spPr/>
+        <p:txBody>
+          <a:bodyPr/>
+          <a:lstStyle/>
+          <a:p>
+            <a:fld id="{D5AA2D13-0800-464B-9C7F-23B3B98C1C99}" type="slidenum">
+              <a:rPr lang="zh-CN" altLang="en-US" smtClean="0"/>
+              <a:t>19</a:t>
+            </a:fld>
+            <a:endParaRPr lang="zh-CN" altLang="en-US"/>
+          </a:p>
+        </p:txBody>
+      </p:sp>
+    </p:spTree>
+    <p:extLst>
+      <p:ext uri="{BB962C8B-B14F-4D97-AF65-F5344CB8AC3E}">
+        <p14:creationId xmlns:p14="http://schemas.microsoft.com/office/powerpoint/2010/main" val="114475190"/>
+      </p:ext>
+    </p:extLst>
   </p:cSld>
   <p:clrMapOvr>
     <a:masterClrMapping/>
@@ -4091,7 +4391,25 @@
                 <a:ea typeface="微软雅黑" panose="020B0503020204020204" pitchFamily="34" charset="-122"/>
                 <a:cs typeface="微软雅黑" panose="020B0503020204020204" pitchFamily="34" charset="-122"/>
               </a:rPr>
-              <a:t>，以实现多任务之间图结构数据访问的重叠共享。</a:t>
+              <a:t>，以实现多任务之间图结构数据</a:t>
+            </a:r>
+            <a:r>
+              <a:rPr lang="zh-CN" altLang="en-US" sz="1800" dirty="0">
+                <a:effectLst/>
+                <a:latin typeface="微软雅黑" panose="020B0503020204020204" pitchFamily="34" charset="-122"/>
+                <a:ea typeface="微软雅黑" panose="020B0503020204020204" pitchFamily="34" charset="-122"/>
+                <a:cs typeface="微软雅黑" panose="020B0503020204020204" pitchFamily="34" charset="-122"/>
+              </a:rPr>
+              <a:t>的</a:t>
+            </a:r>
+            <a:r>
+              <a:rPr lang="zh-CN" altLang="zh-CN" sz="1800" dirty="0">
+                <a:effectLst/>
+                <a:latin typeface="微软雅黑" panose="020B0503020204020204" pitchFamily="34" charset="-122"/>
+                <a:ea typeface="微软雅黑" panose="020B0503020204020204" pitchFamily="34" charset="-122"/>
+                <a:cs typeface="微软雅黑" panose="020B0503020204020204" pitchFamily="34" charset="-122"/>
+              </a:rPr>
+              <a:t>访问共享。</a:t>
             </a:r>
             <a:r>
               <a:rPr lang="zh-CN" altLang="en-US" sz="1800" dirty="0">
@@ -4364,7 +4682,7 @@
                 <a:ea typeface="微软雅黑" panose="020B0503020204020204" pitchFamily="34" charset="-122"/>
                 <a:cs typeface="微软雅黑" panose="020B0503020204020204" pitchFamily="34" charset="-122"/>
               </a:rPr>
-              <a:t>，通过保存热路径的计算结果以在不同查询中复用，实现计算共享。具体地，系统首先选择一小部分高度顶点作为全局索引顶点，另一部分更大规模的高度顶点作为核心子图索引顶点。全局索引需要在查询开始前进行预计算，它负责维护高度顶点到所有查询的索引值，这样在查询到来时。以全局顶点为中介，查询索引获得</a:t>
+              <a:t>，通过保存热路径的计算结果以在不同查询中复用，实现计算共享。具体地，系统首先选择一小部分高度顶点作为全局索引顶点，另一部分更大规模的高度顶点作为核心子图索引顶点。全局索引需要在查询开始前进行预计算，它负责维护高度顶点到所有顶点查询的索引值，这样在查询到来时。以全局顶点为中介，查询索引获得</a:t>
             </a:r>
             <a:r>
               <a:rPr lang="en-US" altLang="zh-CN" sz="1800" dirty="0">
@@ -4574,8 +4892,98 @@
                 <a:ea typeface="微软雅黑" panose="020B0503020204020204" pitchFamily="34" charset="-122"/>
                 <a:cs typeface="微软雅黑" panose="020B0503020204020204" pitchFamily="34" charset="-122"/>
               </a:rPr>
-              <a:t>数据访问共享机制中的细粒度分块管理分为两个步骤：</a:t>
-            </a:r>
+              <a:t>接下来详细介绍两个机制。</a:t>
+            </a:r>
+            <a:endParaRPr lang="en-US" altLang="zh-CN" sz="1800" dirty="0">
+              <a:effectLst/>
+              <a:latin typeface="微软雅黑" panose="020B0503020204020204" pitchFamily="34" charset="-122"/>
+              <a:ea typeface="微软雅黑" panose="020B0503020204020204" pitchFamily="34" charset="-122"/>
+              <a:cs typeface="微软雅黑" panose="020B0503020204020204" pitchFamily="34" charset="-122"/>
+            </a:endParaRPr>
+          </a:p>
+          <a:p>
+            <a:pPr marL="0" marR="0" lvl="0" indent="0" algn="l" defTabSz="914400" rtl="0" eaLnBrk="1" fontAlgn="auto" latinLnBrk="0" hangingPunct="1">
+              <a:lnSpc>
+                <a:spcPct val="100000"/>
+              </a:lnSpc>
+              <a:spcBef>
+                <a:spcPts val="0"/>
+              </a:spcBef>
+              <a:spcAft>
+                <a:spcPts val="0"/>
+              </a:spcAft>
+              <a:buClrTx/>
+              <a:buSzTx/>
+              <a:buFontTx/>
+              <a:buNone/>
+              <a:defRPr/>
+            </a:pPr>
+            <a:r>
+              <a:rPr lang="zh-CN" altLang="en-US" sz="1800" dirty="0">
+                <a:effectLst/>
+                <a:latin typeface="微软雅黑" panose="020B0503020204020204" pitchFamily="34" charset="-122"/>
+                <a:ea typeface="微软雅黑" panose="020B0503020204020204" pitchFamily="34" charset="-122"/>
+                <a:cs typeface="微软雅黑" panose="020B0503020204020204" pitchFamily="34" charset="-122"/>
+              </a:rPr>
+              <a:t>数据访问共享机制第一个模块是图加载器，负责将原始图数据集加载到分布式系统中。接下来是细粒度图分块管理模块，它负责将图分区从逻辑上划分为细粒度的分块。</a:t>
+            </a:r>
+            <a:endParaRPr lang="en-US" altLang="zh-CN" sz="1800" dirty="0">
+              <a:effectLst/>
+              <a:latin typeface="微软雅黑" panose="020B0503020204020204" pitchFamily="34" charset="-122"/>
+              <a:ea typeface="微软雅黑" panose="020B0503020204020204" pitchFamily="34" charset="-122"/>
+              <a:cs typeface="微软雅黑" panose="020B0503020204020204" pitchFamily="34" charset="-122"/>
+            </a:endParaRPr>
+          </a:p>
+          <a:p>
+            <a:pPr marL="0" marR="0" lvl="0" indent="0" algn="l" defTabSz="914400" rtl="0" eaLnBrk="1" fontAlgn="auto" latinLnBrk="0" hangingPunct="1">
+              <a:lnSpc>
+                <a:spcPct val="100000"/>
+              </a:lnSpc>
+              <a:spcBef>
+                <a:spcPts val="0"/>
+              </a:spcBef>
+              <a:spcAft>
+                <a:spcPts val="0"/>
+              </a:spcAft>
+              <a:buClrTx/>
+              <a:buSzTx/>
+              <a:buFontTx/>
+              <a:buNone/>
+              <a:defRPr/>
+            </a:pPr>
+            <a:r>
+              <a:rPr lang="zh-CN" altLang="en-US" sz="1800" dirty="0">
+                <a:effectLst/>
+                <a:latin typeface="微软雅黑" panose="020B0503020204020204" pitchFamily="34" charset="-122"/>
+                <a:ea typeface="微软雅黑" panose="020B0503020204020204" pitchFamily="34" charset="-122"/>
+                <a:cs typeface="微软雅黑" panose="020B0503020204020204" pitchFamily="34" charset="-122"/>
+              </a:rPr>
+              <a:t>它需要考虑两个问题：</a:t>
+            </a:r>
+            <a:endParaRPr lang="en-US" altLang="zh-CN" sz="1800" dirty="0">
+              <a:effectLst/>
+              <a:latin typeface="微软雅黑" panose="020B0503020204020204" pitchFamily="34" charset="-122"/>
+              <a:ea typeface="微软雅黑" panose="020B0503020204020204" pitchFamily="34" charset="-122"/>
+              <a:cs typeface="微软雅黑" panose="020B0503020204020204" pitchFamily="34" charset="-122"/>
+            </a:endParaRPr>
+          </a:p>
+          <a:p>
+            <a:pPr marL="0" marR="0" lvl="0" indent="0" algn="l" defTabSz="914400" rtl="0" eaLnBrk="1" fontAlgn="auto" latinLnBrk="0" hangingPunct="1">
+              <a:lnSpc>
+                <a:spcPct val="100000"/>
+              </a:lnSpc>
+              <a:spcBef>
+                <a:spcPts val="0"/>
+              </a:spcBef>
+              <a:spcAft>
+                <a:spcPts val="0"/>
+              </a:spcAft>
+              <a:buClrTx/>
+              <a:buSzTx/>
+              <a:buFontTx/>
+              <a:buNone/>
+              <a:defRPr/>
+            </a:pPr>
             <a:endParaRPr lang="en-US" altLang="zh-CN" sz="1800" dirty="0">
               <a:effectLst/>
               <a:latin typeface="微软雅黑" panose="020B0503020204020204" pitchFamily="34" charset="-122"/>
@@ -5412,239 +5820,8 @@
                 <a:ea typeface="微软雅黑" panose="020B0503020204020204" pitchFamily="34" charset="-122"/>
                 <a:cs typeface="微软雅黑" panose="020B0503020204020204" pitchFamily="34" charset="-122"/>
               </a:rPr>
-              <a:t>映射机制、</a:t>
-            </a:r>
-            <a:r>
-              <a:rPr lang="zh-CN" altLang="zh-CN" sz="1800" dirty="0">
-                <a:effectLst/>
-                <a:latin typeface="微软雅黑" panose="020B0503020204020204" pitchFamily="34" charset="-122"/>
-                <a:ea typeface="微软雅黑" panose="020B0503020204020204" pitchFamily="34" charset="-122"/>
-                <a:cs typeface="微软雅黑" panose="020B0503020204020204" pitchFamily="34" charset="-122"/>
-              </a:rPr>
-              <a:t>通过之前的步骤，我们用逻辑划分的方式，实现了细粒度的图分块。我们使用</a:t>
-            </a:r>
-            <a:r>
-              <a:rPr lang="en-US" altLang="zh-CN" sz="1800" dirty="0" err="1">
-                <a:effectLst/>
-                <a:latin typeface="微软雅黑" panose="020B0503020204020204" pitchFamily="34" charset="-122"/>
-                <a:ea typeface="微软雅黑" panose="020B0503020204020204" pitchFamily="34" charset="-122"/>
-                <a:cs typeface="微软雅黑" panose="020B0503020204020204" pitchFamily="34" charset="-122"/>
-              </a:rPr>
-              <a:t>block_table</a:t>
-            </a:r>
-            <a:r>
-              <a:rPr lang="zh-CN" altLang="zh-CN" sz="1800" dirty="0">
-                <a:effectLst/>
-                <a:latin typeface="微软雅黑" panose="020B0503020204020204" pitchFamily="34" charset="-122"/>
-                <a:ea typeface="微软雅黑" panose="020B0503020204020204" pitchFamily="34" charset="-122"/>
-                <a:cs typeface="微软雅黑" panose="020B0503020204020204" pitchFamily="34" charset="-122"/>
-              </a:rPr>
-              <a:t>来维护逻辑分块信息，其中每个分块附加上了一个标签信息。执行查询时，每个任务</a:t>
-            </a:r>
-            <a:r>
-              <a:rPr lang="en-US" altLang="zh-CN" sz="1800" dirty="0">
-                <a:effectLst/>
-                <a:latin typeface="微软雅黑" panose="020B0503020204020204" pitchFamily="34" charset="-122"/>
-                <a:ea typeface="微软雅黑" panose="020B0503020204020204" pitchFamily="34" charset="-122"/>
-                <a:cs typeface="微软雅黑" panose="020B0503020204020204" pitchFamily="34" charset="-122"/>
-              </a:rPr>
-              <a:t>qi</a:t>
-            </a:r>
-            <a:r>
-              <a:rPr lang="zh-CN" altLang="zh-CN" sz="1800" dirty="0">
-                <a:effectLst/>
-                <a:latin typeface="微软雅黑" panose="020B0503020204020204" pitchFamily="34" charset="-122"/>
-                <a:ea typeface="微软雅黑" panose="020B0503020204020204" pitchFamily="34" charset="-122"/>
-                <a:cs typeface="微软雅黑" panose="020B0503020204020204" pitchFamily="34" charset="-122"/>
-              </a:rPr>
-              <a:t>在迭代计算过程中会维护一个活跃顶点集</a:t>
-            </a:r>
-            <a:r>
-              <a:rPr lang="en-US" altLang="zh-CN" sz="1800" dirty="0" err="1">
-                <a:effectLst/>
-                <a:latin typeface="微软雅黑" panose="020B0503020204020204" pitchFamily="34" charset="-122"/>
-                <a:ea typeface="微软雅黑" panose="020B0503020204020204" pitchFamily="34" charset="-122"/>
-                <a:cs typeface="微软雅黑" panose="020B0503020204020204" pitchFamily="34" charset="-122"/>
-              </a:rPr>
-              <a:t>Setact,i</a:t>
-            </a:r>
-            <a:r>
-              <a:rPr lang="zh-CN" altLang="zh-CN" sz="1800" dirty="0">
-                <a:effectLst/>
-                <a:latin typeface="微软雅黑" panose="020B0503020204020204" pitchFamily="34" charset="-122"/>
-                <a:ea typeface="微软雅黑" panose="020B0503020204020204" pitchFamily="34" charset="-122"/>
-                <a:cs typeface="微软雅黑" panose="020B0503020204020204" pitchFamily="34" charset="-122"/>
-              </a:rPr>
-              <a:t>，它遵循以下更新策略：</a:t>
-            </a:r>
-            <a:r>
-              <a:rPr lang="en-US" altLang="zh-CN" sz="1800" dirty="0">
-                <a:effectLst/>
-                <a:latin typeface="微软雅黑" panose="020B0503020204020204" pitchFamily="34" charset="-122"/>
-                <a:ea typeface="微软雅黑" panose="020B0503020204020204" pitchFamily="34" charset="-122"/>
-                <a:cs typeface="微软雅黑" panose="020B0503020204020204" pitchFamily="34" charset="-122"/>
-              </a:rPr>
-              <a:t>1</a:t>
-            </a:r>
-            <a:r>
-              <a:rPr lang="zh-CN" altLang="zh-CN" sz="1800" dirty="0">
-                <a:effectLst/>
-                <a:latin typeface="微软雅黑" panose="020B0503020204020204" pitchFamily="34" charset="-122"/>
-                <a:ea typeface="微软雅黑" panose="020B0503020204020204" pitchFamily="34" charset="-122"/>
-                <a:cs typeface="微软雅黑" panose="020B0503020204020204" pitchFamily="34" charset="-122"/>
-              </a:rPr>
-              <a:t>，初始时</a:t>
-            </a:r>
-            <a:r>
-              <a:rPr lang="en-US" altLang="zh-CN" sz="1800" dirty="0" err="1">
-                <a:effectLst/>
-                <a:latin typeface="微软雅黑" panose="020B0503020204020204" pitchFamily="34" charset="-122"/>
-                <a:ea typeface="微软雅黑" panose="020B0503020204020204" pitchFamily="34" charset="-122"/>
-                <a:cs typeface="微软雅黑" panose="020B0503020204020204" pitchFamily="34" charset="-122"/>
-              </a:rPr>
-              <a:t>Setact,i</a:t>
-            </a:r>
-            <a:r>
-              <a:rPr lang="zh-CN" altLang="zh-CN" sz="1800" dirty="0">
-                <a:effectLst/>
-                <a:latin typeface="微软雅黑" panose="020B0503020204020204" pitchFamily="34" charset="-122"/>
-                <a:ea typeface="微软雅黑" panose="020B0503020204020204" pitchFamily="34" charset="-122"/>
-                <a:cs typeface="微软雅黑" panose="020B0503020204020204" pitchFamily="34" charset="-122"/>
-              </a:rPr>
-              <a:t>仅包含查询源顶点</a:t>
-            </a:r>
-            <a:r>
-              <a:rPr lang="en-US" altLang="zh-CN" sz="1800" dirty="0">
-                <a:effectLst/>
-                <a:latin typeface="微软雅黑" panose="020B0503020204020204" pitchFamily="34" charset="-122"/>
-                <a:ea typeface="微软雅黑" panose="020B0503020204020204" pitchFamily="34" charset="-122"/>
-                <a:cs typeface="微软雅黑" panose="020B0503020204020204" pitchFamily="34" charset="-122"/>
-              </a:rPr>
-              <a:t>Si</a:t>
-            </a:r>
-            <a:r>
-              <a:rPr lang="zh-CN" altLang="zh-CN" sz="1800" dirty="0">
-                <a:effectLst/>
-                <a:latin typeface="微软雅黑" panose="020B0503020204020204" pitchFamily="34" charset="-122"/>
-                <a:ea typeface="微软雅黑" panose="020B0503020204020204" pitchFamily="34" charset="-122"/>
-                <a:cs typeface="微软雅黑" panose="020B0503020204020204" pitchFamily="34" charset="-122"/>
-              </a:rPr>
-              <a:t>。</a:t>
-            </a:r>
-            <a:r>
-              <a:rPr lang="en-US" altLang="zh-CN" sz="1800" dirty="0">
-                <a:effectLst/>
-                <a:latin typeface="微软雅黑" panose="020B0503020204020204" pitchFamily="34" charset="-122"/>
-                <a:ea typeface="微软雅黑" panose="020B0503020204020204" pitchFamily="34" charset="-122"/>
-                <a:cs typeface="微软雅黑" panose="020B0503020204020204" pitchFamily="34" charset="-122"/>
-              </a:rPr>
-              <a:t>2</a:t>
-            </a:r>
-            <a:r>
-              <a:rPr lang="zh-CN" altLang="zh-CN" sz="1800" dirty="0">
-                <a:effectLst/>
-                <a:latin typeface="微软雅黑" panose="020B0503020204020204" pitchFamily="34" charset="-122"/>
-                <a:ea typeface="微软雅黑" panose="020B0503020204020204" pitchFamily="34" charset="-122"/>
-                <a:cs typeface="微软雅黑" panose="020B0503020204020204" pitchFamily="34" charset="-122"/>
-              </a:rPr>
-              <a:t>，按照点对点查询算法的流程，从</a:t>
-            </a:r>
-            <a:r>
-              <a:rPr lang="en-US" altLang="zh-CN" sz="1800" dirty="0" err="1">
-                <a:effectLst/>
-                <a:latin typeface="微软雅黑" panose="020B0503020204020204" pitchFamily="34" charset="-122"/>
-                <a:ea typeface="微软雅黑" panose="020B0503020204020204" pitchFamily="34" charset="-122"/>
-                <a:cs typeface="微软雅黑" panose="020B0503020204020204" pitchFamily="34" charset="-122"/>
-              </a:rPr>
-              <a:t>Setact,i</a:t>
-            </a:r>
-            <a:r>
-              <a:rPr lang="zh-CN" altLang="zh-CN" sz="1800" dirty="0">
-                <a:effectLst/>
-                <a:latin typeface="微软雅黑" panose="020B0503020204020204" pitchFamily="34" charset="-122"/>
-                <a:ea typeface="微软雅黑" panose="020B0503020204020204" pitchFamily="34" charset="-122"/>
-                <a:cs typeface="微软雅黑" panose="020B0503020204020204" pitchFamily="34" charset="-122"/>
-              </a:rPr>
-              <a:t>中的活跃顶点出发查询新的顶点，处理后的顶点会被从活跃顶点集中移除。</a:t>
-            </a:r>
-            <a:r>
-              <a:rPr lang="en-US" altLang="zh-CN" sz="1800" dirty="0">
-                <a:effectLst/>
-                <a:latin typeface="微软雅黑" panose="020B0503020204020204" pitchFamily="34" charset="-122"/>
-                <a:ea typeface="微软雅黑" panose="020B0503020204020204" pitchFamily="34" charset="-122"/>
-                <a:cs typeface="微软雅黑" panose="020B0503020204020204" pitchFamily="34" charset="-122"/>
-              </a:rPr>
-              <a:t> 3</a:t>
-            </a:r>
-            <a:r>
-              <a:rPr lang="zh-CN" altLang="zh-CN" sz="1800" dirty="0">
-                <a:effectLst/>
-                <a:latin typeface="微软雅黑" panose="020B0503020204020204" pitchFamily="34" charset="-122"/>
-                <a:ea typeface="微软雅黑" panose="020B0503020204020204" pitchFamily="34" charset="-122"/>
-                <a:cs typeface="微软雅黑" panose="020B0503020204020204" pitchFamily="34" charset="-122"/>
-              </a:rPr>
-              <a:t>，如果一个顶点的状态在本轮中被改变，且它没有被剪枝，则该顶点被加入到</a:t>
-            </a:r>
-            <a:r>
-              <a:rPr lang="en-US" altLang="zh-CN" sz="1800" dirty="0" err="1">
-                <a:effectLst/>
-                <a:latin typeface="微软雅黑" panose="020B0503020204020204" pitchFamily="34" charset="-122"/>
-                <a:ea typeface="微软雅黑" panose="020B0503020204020204" pitchFamily="34" charset="-122"/>
-                <a:cs typeface="微软雅黑" panose="020B0503020204020204" pitchFamily="34" charset="-122"/>
-              </a:rPr>
-              <a:t>Setact,i</a:t>
-            </a:r>
-            <a:r>
-              <a:rPr lang="zh-CN" altLang="zh-CN" sz="1800" dirty="0">
-                <a:effectLst/>
-                <a:latin typeface="微软雅黑" panose="020B0503020204020204" pitchFamily="34" charset="-122"/>
-                <a:ea typeface="微软雅黑" panose="020B0503020204020204" pitchFamily="34" charset="-122"/>
-                <a:cs typeface="微软雅黑" panose="020B0503020204020204" pitchFamily="34" charset="-122"/>
-              </a:rPr>
-              <a:t>等待下一轮处理。通过上述更新策略，我们可以轻松追踪每一轮迭代各个任务的活跃顶点集。接下来借助</a:t>
-            </a:r>
-            <a:r>
-              <a:rPr lang="en-US" altLang="zh-CN" sz="1800" dirty="0" err="1">
-                <a:effectLst/>
-                <a:latin typeface="微软雅黑" panose="020B0503020204020204" pitchFamily="34" charset="-122"/>
-                <a:ea typeface="微软雅黑" panose="020B0503020204020204" pitchFamily="34" charset="-122"/>
-                <a:cs typeface="微软雅黑" panose="020B0503020204020204" pitchFamily="34" charset="-122"/>
-              </a:rPr>
-              <a:t>block_table</a:t>
-            </a:r>
-            <a:r>
-              <a:rPr lang="zh-CN" altLang="zh-CN" sz="1800" dirty="0">
-                <a:effectLst/>
-                <a:latin typeface="微软雅黑" panose="020B0503020204020204" pitchFamily="34" charset="-122"/>
-                <a:ea typeface="微软雅黑" panose="020B0503020204020204" pitchFamily="34" charset="-122"/>
-                <a:cs typeface="微软雅黑" panose="020B0503020204020204" pitchFamily="34" charset="-122"/>
-              </a:rPr>
-              <a:t>可以查询活跃顶点所在的图分块。进一步地，我们可以统计</a:t>
-            </a:r>
-            <a:r>
-              <a:rPr lang="zh-CN" altLang="zh-CN" sz="1800" dirty="0">
-                <a:effectLst/>
-                <a:highlight>
-                  <a:srgbClr val="FFFF00"/>
-                </a:highlight>
-                <a:latin typeface="微软雅黑" panose="020B0503020204020204" pitchFamily="34" charset="-122"/>
-                <a:ea typeface="微软雅黑" panose="020B0503020204020204" pitchFamily="34" charset="-122"/>
-                <a:cs typeface="微软雅黑" panose="020B0503020204020204" pitchFamily="34" charset="-122"/>
-              </a:rPr>
-              <a:t>每个图分块有哪些关联任务</a:t>
-            </a:r>
-            <a:r>
-              <a:rPr lang="zh-CN" altLang="zh-CN" sz="1800" dirty="0">
-                <a:effectLst/>
-                <a:latin typeface="微软雅黑" panose="020B0503020204020204" pitchFamily="34" charset="-122"/>
-                <a:ea typeface="微软雅黑" panose="020B0503020204020204" pitchFamily="34" charset="-122"/>
-                <a:cs typeface="微软雅黑" panose="020B0503020204020204" pitchFamily="34" charset="-122"/>
-              </a:rPr>
-              <a:t>。由于点对点查询采用基于剪枝的遍历策略，每一轮执行中活跃顶点的数量并不多，所以可以以较低的开销建立查询任务与所属分块的关联。</a:t>
-            </a:r>
-          </a:p>
-          <a:p>
-            <a:pPr indent="0" algn="just"/>
+              <a:t>关联机制：</a:t>
+            </a:r>
             <a:endParaRPr lang="en-US" altLang="zh-CN" sz="1800" dirty="0">
               <a:effectLst/>
               <a:latin typeface="微软雅黑" panose="020B0503020204020204" pitchFamily="34" charset="-122"/>
@@ -5655,13 +5832,22 @@
           <a:p>
             <a:pPr indent="0" algn="just"/>
             <a:r>
+              <a:rPr lang="zh-CN" altLang="zh-CN" sz="1800" dirty="0">
+                <a:effectLst/>
+                <a:latin typeface="微软雅黑" panose="020B0503020204020204" pitchFamily="34" charset="-122"/>
+                <a:ea typeface="微软雅黑" panose="020B0503020204020204" pitchFamily="34" charset="-122"/>
+                <a:cs typeface="微软雅黑" panose="020B0503020204020204" pitchFamily="34" charset="-122"/>
+              </a:rPr>
+              <a:t>之前的步骤我们</a:t>
+            </a:r>
+            <a:r>
               <a:rPr lang="zh-CN" altLang="en-US" sz="1800" dirty="0">
                 <a:effectLst/>
                 <a:latin typeface="微软雅黑" panose="020B0503020204020204" pitchFamily="34" charset="-122"/>
                 <a:ea typeface="微软雅黑" panose="020B0503020204020204" pitchFamily="34" charset="-122"/>
                 <a:cs typeface="微软雅黑" panose="020B0503020204020204" pitchFamily="34" charset="-122"/>
               </a:rPr>
-              <a:t>接下来是</a:t>
+              <a:t>已经实现了</a:t>
             </a:r>
             <a:r>
               <a:rPr lang="zh-CN" altLang="zh-CN" sz="1800" dirty="0">
@@ -5670,7 +5856,16 @@
                 <a:ea typeface="微软雅黑" panose="020B0503020204020204" pitchFamily="34" charset="-122"/>
                 <a:cs typeface="微软雅黑" panose="020B0503020204020204" pitchFamily="34" charset="-122"/>
               </a:rPr>
-              <a:t>确定分区调度的优先级。对共享图分块的访问开销可以被分摊到多个任务中，因此分块的关联的任务数量越多，共享带来的收益越大。由于在上一步已经获得了共享分块和查询任务的映射关系，因此通过遍历</a:t>
+              <a:t>逻辑划分</a:t>
+            </a:r>
+            <a:r>
+              <a:rPr lang="zh-CN" altLang="en-US" sz="1800" dirty="0">
+                <a:effectLst/>
+                <a:latin typeface="微软雅黑" panose="020B0503020204020204" pitchFamily="34" charset="-122"/>
+                <a:ea typeface="微软雅黑" panose="020B0503020204020204" pitchFamily="34" charset="-122"/>
+                <a:cs typeface="微软雅黑" panose="020B0503020204020204" pitchFamily="34" charset="-122"/>
+              </a:rPr>
+              <a:t>图分块，并使用</a:t>
             </a:r>
             <a:r>
               <a:rPr lang="en-US" altLang="zh-CN" sz="1800" dirty="0" err="1">
@@ -5682,17 +5877,23 @@
               <a:t>block_table</a:t>
             </a:r>
             <a:r>
+              <a:rPr lang="zh-CN" altLang="en-US" sz="1800" dirty="0">
+                <a:effectLst/>
+                <a:latin typeface="微软雅黑" panose="020B0503020204020204" pitchFamily="34" charset="-122"/>
+                <a:ea typeface="微软雅黑" panose="020B0503020204020204" pitchFamily="34" charset="-122"/>
+                <a:cs typeface="微软雅黑" panose="020B0503020204020204" pitchFamily="34" charset="-122"/>
+              </a:rPr>
+              <a:t>提供图结构</a:t>
+            </a:r>
+            <a:r>
               <a:rPr lang="zh-CN" altLang="zh-CN" sz="1800" dirty="0">
                 <a:effectLst/>
                 <a:latin typeface="微软雅黑" panose="020B0503020204020204" pitchFamily="34" charset="-122"/>
                 <a:ea typeface="微软雅黑" panose="020B0503020204020204" pitchFamily="34" charset="-122"/>
                 <a:cs typeface="微软雅黑" panose="020B0503020204020204" pitchFamily="34" charset="-122"/>
               </a:rPr>
-              <a:t>，我们可以快速获得每个图分块的优先级。</a:t>
-            </a:r>
-          </a:p>
-          <a:p>
-            <a:pPr indent="0" algn="just"/>
+              <a:t>分块信息。</a:t>
+            </a:r>
             <a:endParaRPr lang="en-US" altLang="zh-CN" sz="1800" dirty="0">
               <a:effectLst/>
               <a:latin typeface="微软雅黑" panose="020B0503020204020204" pitchFamily="34" charset="-122"/>
@@ -5709,7 +5910,7 @@
                 <a:ea typeface="微软雅黑" panose="020B0503020204020204" pitchFamily="34" charset="-122"/>
                 <a:cs typeface="微软雅黑" panose="020B0503020204020204" pitchFamily="34" charset="-122"/>
               </a:rPr>
-              <a:t>接下来是</a:t>
+              <a:t>在</a:t>
             </a:r>
             <a:r>
               <a:rPr lang="zh-CN" altLang="zh-CN" sz="1800" dirty="0">
@@ -5718,7 +5919,7 @@
                 <a:ea typeface="微软雅黑" panose="020B0503020204020204" pitchFamily="34" charset="-122"/>
                 <a:cs typeface="微软雅黑" panose="020B0503020204020204" pitchFamily="34" charset="-122"/>
               </a:rPr>
-              <a:t>触发关联任务并发执行。确定图分块优先级后，我们优选高优先级的共享分块加载到</a:t>
+              <a:t>执行查询时，每个任务</a:t>
             </a:r>
             <a:r>
               <a:rPr lang="en-US" altLang="zh-CN" sz="1800" dirty="0">
@@ -5727,16 +5928,223 @@
                 <a:ea typeface="微软雅黑" panose="020B0503020204020204" pitchFamily="34" charset="-122"/>
                 <a:cs typeface="微软雅黑" panose="020B0503020204020204" pitchFamily="34" charset="-122"/>
               </a:rPr>
+              <a:t>qi</a:t>
+            </a:r>
+            <a:r>
+              <a:rPr lang="zh-CN" altLang="en-US" sz="1800" dirty="0">
+                <a:effectLst/>
+                <a:latin typeface="微软雅黑" panose="020B0503020204020204" pitchFamily="34" charset="-122"/>
+                <a:ea typeface="微软雅黑" panose="020B0503020204020204" pitchFamily="34" charset="-122"/>
+                <a:cs typeface="微软雅黑" panose="020B0503020204020204" pitchFamily="34" charset="-122"/>
+              </a:rPr>
+              <a:t>在每一轮会产生活跃顶点，这里提供了</a:t>
+            </a:r>
+            <a:r>
+              <a:rPr lang="en-US" altLang="zh-CN" sz="1800" dirty="0">
+                <a:effectLst/>
+                <a:latin typeface="微软雅黑" panose="020B0503020204020204" pitchFamily="34" charset="-122"/>
+                <a:ea typeface="微软雅黑" panose="020B0503020204020204" pitchFamily="34" charset="-122"/>
+                <a:cs typeface="微软雅黑" panose="020B0503020204020204" pitchFamily="34" charset="-122"/>
+              </a:rPr>
+              <a:t>task</a:t>
+            </a:r>
+            <a:r>
+              <a:rPr lang="zh-CN" altLang="en-US" sz="1800" dirty="0">
+                <a:effectLst/>
+                <a:latin typeface="微软雅黑" panose="020B0503020204020204" pitchFamily="34" charset="-122"/>
+                <a:ea typeface="微软雅黑" panose="020B0503020204020204" pitchFamily="34" charset="-122"/>
+                <a:cs typeface="微软雅黑" panose="020B0503020204020204" pitchFamily="34" charset="-122"/>
+              </a:rPr>
+              <a:t>信息。</a:t>
+            </a:r>
+            <a:endParaRPr lang="en-US" altLang="zh-CN" sz="1800" dirty="0">
+              <a:effectLst/>
+              <a:latin typeface="微软雅黑" panose="020B0503020204020204" pitchFamily="34" charset="-122"/>
+              <a:ea typeface="微软雅黑" panose="020B0503020204020204" pitchFamily="34" charset="-122"/>
+              <a:cs typeface="微软雅黑" panose="020B0503020204020204" pitchFamily="34" charset="-122"/>
+            </a:endParaRPr>
+          </a:p>
+          <a:p>
+            <a:pPr indent="0" algn="just"/>
+            <a:r>
+              <a:rPr lang="zh-CN" altLang="en-US" sz="1800" dirty="0">
+                <a:effectLst/>
+                <a:latin typeface="微软雅黑" panose="020B0503020204020204" pitchFamily="34" charset="-122"/>
+                <a:ea typeface="微软雅黑" panose="020B0503020204020204" pitchFamily="34" charset="-122"/>
+                <a:cs typeface="微软雅黑" panose="020B0503020204020204" pitchFamily="34" charset="-122"/>
+              </a:rPr>
+              <a:t>当一个查询任务在某个图分块存在活跃顶点，我们就称两者存在关联关系。</a:t>
+            </a:r>
+            <a:endParaRPr lang="en-US" altLang="zh-CN" sz="1800" dirty="0">
+              <a:effectLst/>
+              <a:latin typeface="微软雅黑" panose="020B0503020204020204" pitchFamily="34" charset="-122"/>
+              <a:ea typeface="微软雅黑" panose="020B0503020204020204" pitchFamily="34" charset="-122"/>
+              <a:cs typeface="微软雅黑" panose="020B0503020204020204" pitchFamily="34" charset="-122"/>
+            </a:endParaRPr>
+          </a:p>
+          <a:p>
+            <a:pPr indent="0" algn="just"/>
+            <a:r>
+              <a:rPr lang="en-US" altLang="zh-CN" sz="1800" dirty="0">
+                <a:effectLst/>
+                <a:latin typeface="微软雅黑" panose="020B0503020204020204" pitchFamily="34" charset="-122"/>
+                <a:ea typeface="微软雅黑" panose="020B0503020204020204" pitchFamily="34" charset="-122"/>
+                <a:cs typeface="微软雅黑" panose="020B0503020204020204" pitchFamily="34" charset="-122"/>
+              </a:rPr>
+              <a:t>block-task</a:t>
+            </a:r>
+            <a:r>
+              <a:rPr lang="zh-CN" altLang="en-US" sz="1800" dirty="0">
+                <a:effectLst/>
+                <a:latin typeface="微软雅黑" panose="020B0503020204020204" pitchFamily="34" charset="-122"/>
+                <a:ea typeface="微软雅黑" panose="020B0503020204020204" pitchFamily="34" charset="-122"/>
+                <a:cs typeface="微软雅黑" panose="020B0503020204020204" pitchFamily="34" charset="-122"/>
+              </a:rPr>
+              <a:t>关联机制就是负责维护分块和查询之间的关联关系。注意，查询任务迭代执行，所以系统需要动态追踪活跃顶点，更新关联关系。活跃顶点的追踪也很简单，所有在本轮被更新的顶点都会成为下一轮的活跃顶点。</a:t>
+            </a:r>
+            <a:endParaRPr lang="en-US" altLang="zh-CN" sz="1800" dirty="0">
+              <a:effectLst/>
+              <a:latin typeface="微软雅黑" panose="020B0503020204020204" pitchFamily="34" charset="-122"/>
+              <a:ea typeface="微软雅黑" panose="020B0503020204020204" pitchFamily="34" charset="-122"/>
+              <a:cs typeface="微软雅黑" panose="020B0503020204020204" pitchFamily="34" charset="-122"/>
+            </a:endParaRPr>
+          </a:p>
+          <a:p>
+            <a:pPr indent="0" algn="just"/>
+            <a:r>
+              <a:rPr lang="zh-CN" altLang="en-US" sz="1800" dirty="0">
+                <a:effectLst/>
+                <a:latin typeface="微软雅黑" panose="020B0503020204020204" pitchFamily="34" charset="-122"/>
+                <a:ea typeface="微软雅黑" panose="020B0503020204020204" pitchFamily="34" charset="-122"/>
+                <a:cs typeface="微软雅黑" panose="020B0503020204020204" pitchFamily="34" charset="-122"/>
+              </a:rPr>
+              <a:t>一个查询任务的活跃顶点可能分散在多个图分块。因此一个</a:t>
+            </a:r>
+            <a:r>
+              <a:rPr lang="en-US" altLang="zh-CN" sz="1800" dirty="0">
+                <a:effectLst/>
+                <a:latin typeface="微软雅黑" panose="020B0503020204020204" pitchFamily="34" charset="-122"/>
+                <a:ea typeface="微软雅黑" panose="020B0503020204020204" pitchFamily="34" charset="-122"/>
+                <a:cs typeface="微软雅黑" panose="020B0503020204020204" pitchFamily="34" charset="-122"/>
+              </a:rPr>
+              <a:t>task</a:t>
+            </a:r>
+            <a:r>
+              <a:rPr lang="zh-CN" altLang="en-US" sz="1800" dirty="0">
+                <a:effectLst/>
+                <a:latin typeface="微软雅黑" panose="020B0503020204020204" pitchFamily="34" charset="-122"/>
+                <a:ea typeface="微软雅黑" panose="020B0503020204020204" pitchFamily="34" charset="-122"/>
+                <a:cs typeface="微软雅黑" panose="020B0503020204020204" pitchFamily="34" charset="-122"/>
+              </a:rPr>
+              <a:t>可能和多个</a:t>
+            </a:r>
+            <a:r>
+              <a:rPr lang="en-US" altLang="zh-CN" sz="1800" dirty="0">
+                <a:effectLst/>
+                <a:latin typeface="微软雅黑" panose="020B0503020204020204" pitchFamily="34" charset="-122"/>
+                <a:ea typeface="微软雅黑" panose="020B0503020204020204" pitchFamily="34" charset="-122"/>
+                <a:cs typeface="微软雅黑" panose="020B0503020204020204" pitchFamily="34" charset="-122"/>
+              </a:rPr>
+              <a:t>block</a:t>
+            </a:r>
+            <a:r>
+              <a:rPr lang="zh-CN" altLang="en-US" sz="1800" dirty="0">
+                <a:effectLst/>
+                <a:latin typeface="微软雅黑" panose="020B0503020204020204" pitchFamily="34" charset="-122"/>
+                <a:ea typeface="微软雅黑" panose="020B0503020204020204" pitchFamily="34" charset="-122"/>
+                <a:cs typeface="微软雅黑" panose="020B0503020204020204" pitchFamily="34" charset="-122"/>
+              </a:rPr>
+              <a:t>关联，一个</a:t>
+            </a:r>
+            <a:r>
+              <a:rPr lang="en-US" altLang="zh-CN" sz="1800" dirty="0">
+                <a:effectLst/>
+                <a:latin typeface="微软雅黑" panose="020B0503020204020204" pitchFamily="34" charset="-122"/>
+                <a:ea typeface="微软雅黑" panose="020B0503020204020204" pitchFamily="34" charset="-122"/>
+                <a:cs typeface="微软雅黑" panose="020B0503020204020204" pitchFamily="34" charset="-122"/>
+              </a:rPr>
+              <a:t>block</a:t>
+            </a:r>
+            <a:r>
+              <a:rPr lang="zh-CN" altLang="en-US" sz="1800" dirty="0">
+                <a:effectLst/>
+                <a:latin typeface="微软雅黑" panose="020B0503020204020204" pitchFamily="34" charset="-122"/>
+                <a:ea typeface="微软雅黑" panose="020B0503020204020204" pitchFamily="34" charset="-122"/>
+                <a:cs typeface="微软雅黑" panose="020B0503020204020204" pitchFamily="34" charset="-122"/>
+              </a:rPr>
+              <a:t>可能和多个</a:t>
+            </a:r>
+            <a:r>
+              <a:rPr lang="en-US" altLang="zh-CN" sz="1800" dirty="0">
+                <a:effectLst/>
+                <a:latin typeface="微软雅黑" panose="020B0503020204020204" pitchFamily="34" charset="-122"/>
+                <a:ea typeface="微软雅黑" panose="020B0503020204020204" pitchFamily="34" charset="-122"/>
+                <a:cs typeface="微软雅黑" panose="020B0503020204020204" pitchFamily="34" charset="-122"/>
+              </a:rPr>
+              <a:t>task</a:t>
+            </a:r>
+            <a:r>
+              <a:rPr lang="zh-CN" altLang="en-US" sz="1800" dirty="0">
+                <a:effectLst/>
+                <a:latin typeface="微软雅黑" panose="020B0503020204020204" pitchFamily="34" charset="-122"/>
+                <a:ea typeface="微软雅黑" panose="020B0503020204020204" pitchFamily="34" charset="-122"/>
+                <a:cs typeface="微软雅黑" panose="020B0503020204020204" pitchFamily="34" charset="-122"/>
+              </a:rPr>
+              <a:t>关联。</a:t>
+            </a:r>
+            <a:endParaRPr lang="en-US" altLang="zh-CN" sz="1800" dirty="0">
+              <a:effectLst/>
+              <a:latin typeface="微软雅黑" panose="020B0503020204020204" pitchFamily="34" charset="-122"/>
+              <a:ea typeface="微软雅黑" panose="020B0503020204020204" pitchFamily="34" charset="-122"/>
+              <a:cs typeface="微软雅黑" panose="020B0503020204020204" pitchFamily="34" charset="-122"/>
+            </a:endParaRPr>
+          </a:p>
+          <a:p>
+            <a:pPr indent="0" algn="just"/>
+            <a:r>
+              <a:rPr lang="zh-CN" altLang="en-US" sz="1800" dirty="0">
+                <a:effectLst/>
+                <a:latin typeface="微软雅黑" panose="020B0503020204020204" pitchFamily="34" charset="-122"/>
+                <a:ea typeface="微软雅黑" panose="020B0503020204020204" pitchFamily="34" charset="-122"/>
+                <a:cs typeface="微软雅黑" panose="020B0503020204020204" pitchFamily="34" charset="-122"/>
+              </a:rPr>
+              <a:t>分块优先级调度机制会选择有最多关联任务的分块优先加载到</a:t>
+            </a:r>
+            <a:r>
+              <a:rPr lang="en-US" altLang="zh-CN" sz="1800" dirty="0">
+                <a:effectLst/>
+                <a:latin typeface="微软雅黑" panose="020B0503020204020204" pitchFamily="34" charset="-122"/>
+                <a:ea typeface="微软雅黑" panose="020B0503020204020204" pitchFamily="34" charset="-122"/>
+                <a:cs typeface="微软雅黑" panose="020B0503020204020204" pitchFamily="34" charset="-122"/>
+              </a:rPr>
               <a:t>LLC</a:t>
             </a:r>
             <a:r>
-              <a:rPr lang="zh-CN" altLang="zh-CN" sz="1800" dirty="0">
-                <a:effectLst/>
-                <a:latin typeface="微软雅黑" panose="020B0503020204020204" pitchFamily="34" charset="-122"/>
-                <a:ea typeface="微软雅黑" panose="020B0503020204020204" pitchFamily="34" charset="-122"/>
-                <a:cs typeface="微软雅黑" panose="020B0503020204020204" pitchFamily="34" charset="-122"/>
-              </a:rPr>
-              <a:t>中，接着根据共享分块</a:t>
+              <a:rPr lang="zh-CN" altLang="en-US" sz="1800" dirty="0">
+                <a:effectLst/>
+                <a:latin typeface="微软雅黑" panose="020B0503020204020204" pitchFamily="34" charset="-122"/>
+                <a:ea typeface="微软雅黑" panose="020B0503020204020204" pitchFamily="34" charset="-122"/>
+                <a:cs typeface="微软雅黑" panose="020B0503020204020204" pitchFamily="34" charset="-122"/>
+              </a:rPr>
+              <a:t>中。</a:t>
+            </a:r>
+            <a:endParaRPr lang="en-US" altLang="zh-CN" sz="1800" dirty="0">
+              <a:effectLst/>
+              <a:latin typeface="微软雅黑" panose="020B0503020204020204" pitchFamily="34" charset="-122"/>
+              <a:ea typeface="微软雅黑" panose="020B0503020204020204" pitchFamily="34" charset="-122"/>
+              <a:cs typeface="微软雅黑" panose="020B0503020204020204" pitchFamily="34" charset="-122"/>
+            </a:endParaRPr>
+          </a:p>
+          <a:p>
+            <a:pPr indent="0" algn="just"/>
+            <a:r>
+              <a:rPr lang="zh-CN" altLang="en-US" sz="1800" dirty="0">
+                <a:effectLst/>
+                <a:latin typeface="微软雅黑" panose="020B0503020204020204" pitchFamily="34" charset="-122"/>
+                <a:ea typeface="微软雅黑" panose="020B0503020204020204" pitchFamily="34" charset="-122"/>
+                <a:cs typeface="微软雅黑" panose="020B0503020204020204" pitchFamily="34" charset="-122"/>
+              </a:rPr>
+              <a:t>当确定好共享数据分块后，再次利用关联机制，获取所有跟</a:t>
             </a:r>
             <a:r>
               <a:rPr lang="en-US" altLang="zh-CN" sz="1800" dirty="0">
@@ -5745,16 +6153,16 @@
                 <a:ea typeface="微软雅黑" panose="020B0503020204020204" pitchFamily="34" charset="-122"/>
                 <a:cs typeface="微软雅黑" panose="020B0503020204020204" pitchFamily="34" charset="-122"/>
               </a:rPr>
-              <a:t>-</a:t>
-            </a:r>
-            <a:r>
-              <a:rPr lang="zh-CN" altLang="zh-CN" sz="1800" dirty="0">
-                <a:effectLst/>
-                <a:latin typeface="微软雅黑" panose="020B0503020204020204" pitchFamily="34" charset="-122"/>
-                <a:ea typeface="微软雅黑" panose="020B0503020204020204" pitchFamily="34" charset="-122"/>
-                <a:cs typeface="微软雅黑" panose="020B0503020204020204" pitchFamily="34" charset="-122"/>
-              </a:rPr>
-              <a:t>查询任务的关联关系推导出所有在当前图分块活跃的查询任务，并采用批量计算的方式执行这些任务。如算法</a:t>
+              <a:t>LLC</a:t>
+            </a:r>
+            <a:r>
+              <a:rPr lang="zh-CN" altLang="en-US" sz="1800" dirty="0">
+                <a:effectLst/>
+                <a:latin typeface="微软雅黑" panose="020B0503020204020204" pitchFamily="34" charset="-122"/>
+                <a:ea typeface="微软雅黑" panose="020B0503020204020204" pitchFamily="34" charset="-122"/>
+                <a:cs typeface="微软雅黑" panose="020B0503020204020204" pitchFamily="34" charset="-122"/>
+              </a:rPr>
+              <a:t>共享分块有关联的查询任务，在当前的图分块上批量触发执行，直到当前图分块的所有顶点都收敛。此时将</a:t>
             </a:r>
             <a:r>
               <a:rPr lang="en-US" altLang="zh-CN" sz="1800" dirty="0">
@@ -5763,35 +6171,23 @@
                 <a:ea typeface="微软雅黑" panose="020B0503020204020204" pitchFamily="34" charset="-122"/>
                 <a:cs typeface="微软雅黑" panose="020B0503020204020204" pitchFamily="34" charset="-122"/>
               </a:rPr>
-              <a:t>X</a:t>
-            </a:r>
-            <a:r>
-              <a:rPr lang="zh-CN" altLang="zh-CN" sz="1800" dirty="0">
-                <a:effectLst/>
-                <a:latin typeface="微软雅黑" panose="020B0503020204020204" pitchFamily="34" charset="-122"/>
-                <a:ea typeface="微软雅黑" panose="020B0503020204020204" pitchFamily="34" charset="-122"/>
-                <a:cs typeface="微软雅黑" panose="020B0503020204020204" pitchFamily="34" charset="-122"/>
-              </a:rPr>
-              <a:t>所示，活跃任务执行一轮后会产生新的活跃顶点，倘若新的活跃顶点仍然与当前的共享分块相关联，查询任务会继续执行。共享分块会始终停留在</a:t>
-            </a:r>
-            <a:r>
-              <a:rPr lang="en-US" altLang="zh-CN" sz="1800" dirty="0">
-                <a:effectLst/>
-                <a:latin typeface="微软雅黑" panose="020B0503020204020204" pitchFamily="34" charset="-122"/>
-                <a:ea typeface="微软雅黑" panose="020B0503020204020204" pitchFamily="34" charset="-122"/>
-                <a:cs typeface="微软雅黑" panose="020B0503020204020204" pitchFamily="34" charset="-122"/>
-              </a:rPr>
               <a:t>LLC</a:t>
             </a:r>
             <a:r>
-              <a:rPr lang="zh-CN" altLang="zh-CN" sz="1800" dirty="0">
-                <a:effectLst/>
-                <a:latin typeface="微软雅黑" panose="020B0503020204020204" pitchFamily="34" charset="-122"/>
-                <a:ea typeface="微软雅黑" panose="020B0503020204020204" pitchFamily="34" charset="-122"/>
-                <a:cs typeface="微软雅黑" panose="020B0503020204020204" pitchFamily="34" charset="-122"/>
-              </a:rPr>
-              <a:t>，直到与该分块关联的所有查询任务都被处理完毕，才会换出。</a:t>
-            </a:r>
+              <a:rPr lang="zh-CN" altLang="en-US" sz="1800" dirty="0">
+                <a:effectLst/>
+                <a:latin typeface="微软雅黑" panose="020B0503020204020204" pitchFamily="34" charset="-122"/>
+                <a:ea typeface="微软雅黑" panose="020B0503020204020204" pitchFamily="34" charset="-122"/>
+                <a:cs typeface="微软雅黑" panose="020B0503020204020204" pitchFamily="34" charset="-122"/>
+              </a:rPr>
+              <a:t>中的图数据换出，继续加载新的图分块。</a:t>
+            </a:r>
+            <a:endParaRPr lang="zh-CN" altLang="zh-CN" sz="1800" dirty="0">
+              <a:effectLst/>
+              <a:latin typeface="微软雅黑" panose="020B0503020204020204" pitchFamily="34" charset="-122"/>
+              <a:ea typeface="微软雅黑" panose="020B0503020204020204" pitchFamily="34" charset="-122"/>
+              <a:cs typeface="微软雅黑" panose="020B0503020204020204" pitchFamily="34" charset="-122"/>
+            </a:endParaRPr>
           </a:p>
         </p:txBody>
       </p:sp>
@@ -5914,7 +6310,52 @@
                 <a:ea typeface="微软雅黑" panose="020B0503020204020204" pitchFamily="34" charset="-122"/>
                 <a:cs typeface="微软雅黑" panose="020B0503020204020204" pitchFamily="34" charset="-122"/>
               </a:rPr>
-              <a:t>同一时刻并发任务池中有大量随机查询任务，它们的查询路径大不相同。某些任务的查询路径高度重叠，有效利用数据共享。另一些任务的重叠较低，降低了数据共享的效率。我们发现查询任务的相似度与路径的重叠率成正比，高相似度任务的数据访问效率更高，同步迭代的冗余更少。注意：我们通过计算不同任务起点之间和目的顶点之间的距离来衡量任务之间的相似性。基于此，我们提出了一种相似任务感知的批量执行策略，每次从任务池中选择相似任务进行批量执行，以更充分地利用数据和计算的相似性。具体而言，</a:t>
+              <a:t>同一时刻并发任务池中有大量随机查询任务，它们的查询路径大不相同。某些任务的查询路径高度重叠，有效利用数据共享。另一些任务的重叠较低，降低了数据共享的效率。我们发现查询任务的相似度与路径的重叠率成正比，高相似度任务的数据</a:t>
+            </a:r>
+            <a:r>
+              <a:rPr lang="zh-CN" altLang="en-US" sz="1800" dirty="0">
+                <a:effectLst/>
+                <a:latin typeface="微软雅黑" panose="020B0503020204020204" pitchFamily="34" charset="-122"/>
+                <a:ea typeface="微软雅黑" panose="020B0503020204020204" pitchFamily="34" charset="-122"/>
+                <a:cs typeface="微软雅黑" panose="020B0503020204020204" pitchFamily="34" charset="-122"/>
+              </a:rPr>
+              <a:t>共享</a:t>
+            </a:r>
+            <a:r>
+              <a:rPr lang="zh-CN" altLang="zh-CN" sz="1800" dirty="0">
+                <a:effectLst/>
+                <a:latin typeface="微软雅黑" panose="020B0503020204020204" pitchFamily="34" charset="-122"/>
+                <a:ea typeface="微软雅黑" panose="020B0503020204020204" pitchFamily="34" charset="-122"/>
+                <a:cs typeface="微软雅黑" panose="020B0503020204020204" pitchFamily="34" charset="-122"/>
+              </a:rPr>
+              <a:t>效率更高，同步迭代的冗余更少。注意：我们通过计算不同任务起点之间和目的顶点之间的距离来衡量任务之间的相似性。</a:t>
+            </a:r>
+            <a:endParaRPr lang="en-US" altLang="zh-CN" sz="1800" dirty="0">
+              <a:effectLst/>
+              <a:latin typeface="微软雅黑" panose="020B0503020204020204" pitchFamily="34" charset="-122"/>
+              <a:ea typeface="微软雅黑" panose="020B0503020204020204" pitchFamily="34" charset="-122"/>
+              <a:cs typeface="微软雅黑" panose="020B0503020204020204" pitchFamily="34" charset="-122"/>
+            </a:endParaRPr>
+          </a:p>
+          <a:p>
+            <a:pPr indent="0" algn="just"/>
+            <a:endParaRPr lang="en-US" altLang="zh-CN" sz="1800" dirty="0">
+              <a:effectLst/>
+              <a:latin typeface="微软雅黑" panose="020B0503020204020204" pitchFamily="34" charset="-122"/>
+              <a:ea typeface="微软雅黑" panose="020B0503020204020204" pitchFamily="34" charset="-122"/>
+              <a:cs typeface="微软雅黑" panose="020B0503020204020204" pitchFamily="34" charset="-122"/>
+            </a:endParaRPr>
+          </a:p>
+          <a:p>
+            <a:pPr indent="0" algn="just"/>
+            <a:r>
+              <a:rPr lang="zh-CN" altLang="zh-CN" sz="1800" dirty="0">
+                <a:effectLst/>
+                <a:latin typeface="微软雅黑" panose="020B0503020204020204" pitchFamily="34" charset="-122"/>
+                <a:ea typeface="微软雅黑" panose="020B0503020204020204" pitchFamily="34" charset="-122"/>
+                <a:cs typeface="微软雅黑" panose="020B0503020204020204" pitchFamily="34" charset="-122"/>
+              </a:rPr>
+              <a:t>具体而言，</a:t>
             </a:r>
             <a:r>
               <a:rPr lang="en-US" altLang="zh-CN" sz="1800" dirty="0" err="1">
@@ -5986,7 +6427,79 @@
                 <a:ea typeface="微软雅黑" panose="020B0503020204020204" pitchFamily="34" charset="-122"/>
                 <a:cs typeface="微软雅黑" panose="020B0503020204020204" pitchFamily="34" charset="-122"/>
               </a:rPr>
-              <a:t>。注意：由于某些中心节点具有大量邻居节点，我们将邻居节点的数量上限设置为</a:t>
+              <a:t>。然后，</a:t>
+            </a:r>
+            <a:r>
+              <a:rPr lang="en-US" altLang="zh-CN" sz="1800" dirty="0" err="1">
+                <a:effectLst/>
+                <a:latin typeface="微软雅黑" panose="020B0503020204020204" pitchFamily="34" charset="-122"/>
+                <a:ea typeface="微软雅黑" panose="020B0503020204020204" pitchFamily="34" charset="-122"/>
+                <a:cs typeface="微软雅黑" panose="020B0503020204020204" pitchFamily="34" charset="-122"/>
+              </a:rPr>
+              <a:t>GraphCPP</a:t>
+            </a:r>
+            <a:r>
+              <a:rPr lang="zh-CN" altLang="zh-CN" sz="1800" dirty="0">
+                <a:effectLst/>
+                <a:latin typeface="微软雅黑" panose="020B0503020204020204" pitchFamily="34" charset="-122"/>
+                <a:ea typeface="微软雅黑" panose="020B0503020204020204" pitchFamily="34" charset="-122"/>
+                <a:cs typeface="微软雅黑" panose="020B0503020204020204" pitchFamily="34" charset="-122"/>
+              </a:rPr>
+              <a:t>遍历任务池，筛选出所有起始点在</a:t>
+            </a:r>
+            <a:r>
+              <a:rPr lang="en-US" altLang="zh-CN" sz="1800" dirty="0" err="1">
+                <a:effectLst/>
+                <a:latin typeface="微软雅黑" panose="020B0503020204020204" pitchFamily="34" charset="-122"/>
+                <a:ea typeface="微软雅黑" panose="020B0503020204020204" pitchFamily="34" charset="-122"/>
+                <a:cs typeface="微软雅黑" panose="020B0503020204020204" pitchFamily="34" charset="-122"/>
+              </a:rPr>
+              <a:t>SetS</a:t>
+            </a:r>
+            <a:r>
+              <a:rPr lang="zh-CN" altLang="zh-CN" sz="1800" dirty="0">
+                <a:effectLst/>
+                <a:latin typeface="微软雅黑" panose="020B0503020204020204" pitchFamily="34" charset="-122"/>
+                <a:ea typeface="微软雅黑" panose="020B0503020204020204" pitchFamily="34" charset="-122"/>
+                <a:cs typeface="微软雅黑" panose="020B0503020204020204" pitchFamily="34" charset="-122"/>
+              </a:rPr>
+              <a:t>中，目的点在</a:t>
+            </a:r>
+            <a:r>
+              <a:rPr lang="en-US" altLang="zh-CN" sz="1800" dirty="0" err="1">
+                <a:effectLst/>
+                <a:latin typeface="微软雅黑" panose="020B0503020204020204" pitchFamily="34" charset="-122"/>
+                <a:ea typeface="微软雅黑" panose="020B0503020204020204" pitchFamily="34" charset="-122"/>
+                <a:cs typeface="微软雅黑" panose="020B0503020204020204" pitchFamily="34" charset="-122"/>
+              </a:rPr>
+              <a:t>SetD</a:t>
+            </a:r>
+            <a:r>
+              <a:rPr lang="zh-CN" altLang="zh-CN" sz="1800" dirty="0">
+                <a:effectLst/>
+                <a:latin typeface="微软雅黑" panose="020B0503020204020204" pitchFamily="34" charset="-122"/>
+                <a:ea typeface="微软雅黑" panose="020B0503020204020204" pitchFamily="34" charset="-122"/>
+                <a:cs typeface="微软雅黑" panose="020B0503020204020204" pitchFamily="34" charset="-122"/>
+              </a:rPr>
+              <a:t>中的查询任务，将它们作为相似任务进行并发处理。</a:t>
+            </a:r>
+            <a:endParaRPr lang="en-US" altLang="zh-CN" sz="1800" dirty="0">
+              <a:effectLst/>
+              <a:latin typeface="微软雅黑" panose="020B0503020204020204" pitchFamily="34" charset="-122"/>
+              <a:ea typeface="微软雅黑" panose="020B0503020204020204" pitchFamily="34" charset="-122"/>
+              <a:cs typeface="微软雅黑" panose="020B0503020204020204" pitchFamily="34" charset="-122"/>
+            </a:endParaRPr>
+          </a:p>
+          <a:p>
+            <a:pPr indent="0" algn="just"/>
+            <a:r>
+              <a:rPr lang="zh-CN" altLang="zh-CN" sz="1800" dirty="0">
+                <a:effectLst/>
+                <a:latin typeface="微软雅黑" panose="020B0503020204020204" pitchFamily="34" charset="-122"/>
+                <a:ea typeface="微软雅黑" panose="020B0503020204020204" pitchFamily="34" charset="-122"/>
+                <a:cs typeface="微软雅黑" panose="020B0503020204020204" pitchFamily="34" charset="-122"/>
+              </a:rPr>
+              <a:t>由于某些中心节点具有大量邻居节点，我们将邻居节点的数量上限设置为</a:t>
             </a:r>
             <a:r>
               <a:rPr lang="en-US" altLang="zh-CN" sz="1800" dirty="0">
@@ -6040,97 +6553,7 @@
                 <a:ea typeface="微软雅黑" panose="020B0503020204020204" pitchFamily="34" charset="-122"/>
                 <a:cs typeface="微软雅黑" panose="020B0503020204020204" pitchFamily="34" charset="-122"/>
               </a:rPr>
-              <a:t>跳。然后，</a:t>
-            </a:r>
-            <a:r>
-              <a:rPr lang="en-US" altLang="zh-CN" sz="1800" dirty="0" err="1">
-                <a:effectLst/>
-                <a:latin typeface="微软雅黑" panose="020B0503020204020204" pitchFamily="34" charset="-122"/>
-                <a:ea typeface="微软雅黑" panose="020B0503020204020204" pitchFamily="34" charset="-122"/>
-                <a:cs typeface="微软雅黑" panose="020B0503020204020204" pitchFamily="34" charset="-122"/>
-              </a:rPr>
-              <a:t>GraphCPP</a:t>
-            </a:r>
-            <a:r>
-              <a:rPr lang="zh-CN" altLang="zh-CN" sz="1800" dirty="0">
-                <a:effectLst/>
-                <a:latin typeface="微软雅黑" panose="020B0503020204020204" pitchFamily="34" charset="-122"/>
-                <a:ea typeface="微软雅黑" panose="020B0503020204020204" pitchFamily="34" charset="-122"/>
-                <a:cs typeface="微软雅黑" panose="020B0503020204020204" pitchFamily="34" charset="-122"/>
-              </a:rPr>
-              <a:t>遍历任务池，筛选出所有起始点在</a:t>
-            </a:r>
-            <a:r>
-              <a:rPr lang="en-US" altLang="zh-CN" sz="1800" dirty="0" err="1">
-                <a:effectLst/>
-                <a:latin typeface="微软雅黑" panose="020B0503020204020204" pitchFamily="34" charset="-122"/>
-                <a:ea typeface="微软雅黑" panose="020B0503020204020204" pitchFamily="34" charset="-122"/>
-                <a:cs typeface="微软雅黑" panose="020B0503020204020204" pitchFamily="34" charset="-122"/>
-              </a:rPr>
-              <a:t>SetS</a:t>
-            </a:r>
-            <a:r>
-              <a:rPr lang="zh-CN" altLang="zh-CN" sz="1800" dirty="0">
-                <a:effectLst/>
-                <a:latin typeface="微软雅黑" panose="020B0503020204020204" pitchFamily="34" charset="-122"/>
-                <a:ea typeface="微软雅黑" panose="020B0503020204020204" pitchFamily="34" charset="-122"/>
-                <a:cs typeface="微软雅黑" panose="020B0503020204020204" pitchFamily="34" charset="-122"/>
-              </a:rPr>
-              <a:t>中，目的点在</a:t>
-            </a:r>
-            <a:r>
-              <a:rPr lang="en-US" altLang="zh-CN" sz="1800" dirty="0" err="1">
-                <a:effectLst/>
-                <a:latin typeface="微软雅黑" panose="020B0503020204020204" pitchFamily="34" charset="-122"/>
-                <a:ea typeface="微软雅黑" panose="020B0503020204020204" pitchFamily="34" charset="-122"/>
-                <a:cs typeface="微软雅黑" panose="020B0503020204020204" pitchFamily="34" charset="-122"/>
-              </a:rPr>
-              <a:t>SetD</a:t>
-            </a:r>
-            <a:r>
-              <a:rPr lang="zh-CN" altLang="zh-CN" sz="1800" dirty="0">
-                <a:effectLst/>
-                <a:latin typeface="微软雅黑" panose="020B0503020204020204" pitchFamily="34" charset="-122"/>
-                <a:ea typeface="微软雅黑" panose="020B0503020204020204" pitchFamily="34" charset="-122"/>
-                <a:cs typeface="微软雅黑" panose="020B0503020204020204" pitchFamily="34" charset="-122"/>
-              </a:rPr>
-              <a:t>中的查询任务，将它们作为相似任务进行并发处理。注意：如果某个查询的起始顶点或目的顶点属于高度顶点，可以直接利用索引加速查询过程，无需按照常规查询步骤执行。剔除高度顶点后，</a:t>
-            </a:r>
-            <a:r>
-              <a:rPr lang="en-US" altLang="zh-CN" sz="1800" dirty="0">
-                <a:effectLst/>
-                <a:latin typeface="微软雅黑" panose="020B0503020204020204" pitchFamily="34" charset="-122"/>
-                <a:ea typeface="微软雅黑" panose="020B0503020204020204" pitchFamily="34" charset="-122"/>
-                <a:cs typeface="微软雅黑" panose="020B0503020204020204" pitchFamily="34" charset="-122"/>
-              </a:rPr>
-              <a:t>K</a:t>
-            </a:r>
-            <a:r>
-              <a:rPr lang="zh-CN" altLang="zh-CN" sz="1800" dirty="0">
-                <a:effectLst/>
-                <a:latin typeface="微软雅黑" panose="020B0503020204020204" pitchFamily="34" charset="-122"/>
-                <a:ea typeface="微软雅黑" panose="020B0503020204020204" pitchFamily="34" charset="-122"/>
-                <a:cs typeface="微软雅黑" panose="020B0503020204020204" pitchFamily="34" charset="-122"/>
-              </a:rPr>
-              <a:t>跳</a:t>
-            </a:r>
-            <a:r>
-              <a:rPr lang="en-US" altLang="zh-CN" sz="1800" dirty="0">
-                <a:effectLst/>
-                <a:latin typeface="微软雅黑" panose="020B0503020204020204" pitchFamily="34" charset="-122"/>
-                <a:ea typeface="微软雅黑" panose="020B0503020204020204" pitchFamily="34" charset="-122"/>
-                <a:cs typeface="微软雅黑" panose="020B0503020204020204" pitchFamily="34" charset="-122"/>
-              </a:rPr>
-              <a:t>SSSP</a:t>
-            </a:r>
-            <a:r>
-              <a:rPr lang="zh-CN" altLang="zh-CN" sz="1800" dirty="0">
-                <a:effectLst/>
-                <a:latin typeface="微软雅黑" panose="020B0503020204020204" pitchFamily="34" charset="-122"/>
-                <a:ea typeface="微软雅黑" panose="020B0503020204020204" pitchFamily="34" charset="-122"/>
-                <a:cs typeface="微软雅黑" panose="020B0503020204020204" pitchFamily="34" charset="-122"/>
-              </a:rPr>
-              <a:t>的开销较小，而且可以与正常查询并发执行，其执行开销可以忽略不计。</a:t>
+              <a:t>跳。</a:t>
             </a:r>
           </a:p>
         </p:txBody>
@@ -6467,7 +6890,7 @@
             </a:pPr>
             <a:fld id="{52ABB3E6-6620-45AF-AA63-6794136009CB}" type="datetime1">
               <a:rPr lang="zh-CN" altLang="en-US"/>
-              <a:t>2023-12-03</a:t>
+              <a:t>2023-12-04</a:t>
             </a:fld>
             <a:endParaRPr lang="zh-CN" altLang="en-US" dirty="0"/>
           </a:p>
@@ -6774,7 +7197,7 @@
           <a:p>
             <a:fld id="{D997B5FA-0921-464F-AAE1-844C04324D75}" type="datetimeFigureOut">
               <a:rPr lang="zh-CN" altLang="en-US" smtClean="0"/>
-              <a:t>2023-12-03</a:t>
+              <a:t>2023-12-04</a:t>
             </a:fld>
             <a:endParaRPr lang="zh-CN" altLang="en-US"/>
           </a:p>
@@ -6937,7 +7360,7 @@
           <a:p>
             <a:fld id="{D997B5FA-0921-464F-AAE1-844C04324D75}" type="datetimeFigureOut">
               <a:rPr lang="zh-CN" altLang="en-US" smtClean="0"/>
-              <a:t>2023-12-03</a:t>
+              <a:t>2023-12-04</a:t>
             </a:fld>
             <a:endParaRPr lang="zh-CN" altLang="en-US"/>
           </a:p>
@@ -7110,7 +7533,7 @@
           <a:p>
             <a:fld id="{D997B5FA-0921-464F-AAE1-844C04324D75}" type="datetimeFigureOut">
               <a:rPr lang="zh-CN" altLang="en-US" smtClean="0"/>
-              <a:t>2023-12-03</a:t>
+              <a:t>2023-12-04</a:t>
             </a:fld>
             <a:endParaRPr lang="zh-CN" altLang="en-US"/>
           </a:p>
@@ -7295,7 +7718,7 @@
           <a:p>
             <a:fld id="{D997B5FA-0921-464F-AAE1-844C04324D75}" type="datetimeFigureOut">
               <a:rPr lang="zh-CN" altLang="en-US" smtClean="0"/>
-              <a:t>2023-12-03</a:t>
+              <a:t>2023-12-04</a:t>
             </a:fld>
             <a:endParaRPr lang="zh-CN" altLang="en-US"/>
           </a:p>
@@ -7458,7 +7881,7 @@
           <a:p>
             <a:fld id="{D997B5FA-0921-464F-AAE1-844C04324D75}" type="datetimeFigureOut">
               <a:rPr lang="zh-CN" altLang="en-US" smtClean="0"/>
-              <a:t>2023-12-03</a:t>
+              <a:t>2023-12-04</a:t>
             </a:fld>
             <a:endParaRPr lang="zh-CN" altLang="en-US"/>
           </a:p>
@@ -7698,7 +8121,7 @@
           <a:p>
             <a:fld id="{D997B5FA-0921-464F-AAE1-844C04324D75}" type="datetimeFigureOut">
               <a:rPr lang="zh-CN" altLang="en-US" smtClean="0"/>
-              <a:t>2023-12-03</a:t>
+              <a:t>2023-12-04</a:t>
             </a:fld>
             <a:endParaRPr lang="zh-CN" altLang="en-US"/>
           </a:p>
@@ -7922,7 +8345,7 @@
           <a:p>
             <a:fld id="{D997B5FA-0921-464F-AAE1-844C04324D75}" type="datetimeFigureOut">
               <a:rPr lang="zh-CN" altLang="en-US" smtClean="0"/>
-              <a:t>2023-12-03</a:t>
+              <a:t>2023-12-04</a:t>
             </a:fld>
             <a:endParaRPr lang="zh-CN" altLang="en-US"/>
           </a:p>
@@ -8281,7 +8704,7 @@
           <a:p>
             <a:fld id="{D997B5FA-0921-464F-AAE1-844C04324D75}" type="datetimeFigureOut">
               <a:rPr lang="zh-CN" altLang="en-US" smtClean="0"/>
-              <a:t>2023-12-03</a:t>
+              <a:t>2023-12-04</a:t>
             </a:fld>
             <a:endParaRPr lang="zh-CN" altLang="en-US"/>
           </a:p>
@@ -8393,7 +8816,7 @@
           <a:p>
             <a:fld id="{D997B5FA-0921-464F-AAE1-844C04324D75}" type="datetimeFigureOut">
               <a:rPr lang="zh-CN" altLang="en-US" smtClean="0"/>
-              <a:t>2023-12-03</a:t>
+              <a:t>2023-12-04</a:t>
             </a:fld>
             <a:endParaRPr lang="zh-CN" altLang="en-US"/>
           </a:p>
@@ -8483,7 +8906,7 @@
           <a:p>
             <a:fld id="{D997B5FA-0921-464F-AAE1-844C04324D75}" type="datetimeFigureOut">
               <a:rPr lang="zh-CN" altLang="en-US" smtClean="0"/>
-              <a:t>2023-12-03</a:t>
+              <a:t>2023-12-04</a:t>
             </a:fld>
             <a:endParaRPr lang="zh-CN" altLang="en-US"/>
           </a:p>
@@ -8753,7 +9176,7 @@
           <a:p>
             <a:fld id="{D997B5FA-0921-464F-AAE1-844C04324D75}" type="datetimeFigureOut">
               <a:rPr lang="zh-CN" altLang="en-US" smtClean="0"/>
-              <a:t>2023-12-03</a:t>
+              <a:t>2023-12-04</a:t>
             </a:fld>
             <a:endParaRPr lang="zh-CN" altLang="en-US"/>
           </a:p>
@@ -8959,7 +9382,7 @@
           <a:p>
             <a:fld id="{D997B5FA-0921-464F-AAE1-844C04324D75}" type="datetimeFigureOut">
               <a:rPr lang="zh-CN" altLang="en-US" smtClean="0"/>
-              <a:t>2023-12-03</a:t>
+              <a:t>2023-12-04</a:t>
             </a:fld>
             <a:endParaRPr lang="zh-CN" altLang="en-US"/>
           </a:p>
@@ -9594,6 +10017,102 @@
       </p:grpSpPr>
       <p:sp>
         <p:nvSpPr>
+          <p:cNvPr id="8" name="文本占位符 1">
+            <a:extLst>
+              <a:ext uri="{FF2B5EF4-FFF2-40B4-BE49-F238E27FC236}">
+                <a16:creationId xmlns:a16="http://schemas.microsoft.com/office/drawing/2014/main" id="{E6894F8A-415C-4800-B3AC-1AB08E98DB74}"/>
+              </a:ext>
+            </a:extLst>
+          </p:cNvPr>
+          <p:cNvSpPr>
+            <a:spLocks noGrp="1"/>
+          </p:cNvSpPr>
+          <p:nvPr>
+            <p:ph type="body" sz="quarter" idx="14"/>
+          </p:nvPr>
+        </p:nvSpPr>
+        <p:spPr>
+          <a:xfrm>
+            <a:off x="330964" y="129540"/>
+            <a:ext cx="9121013" cy="643432"/>
+          </a:xfrm>
+        </p:spPr>
+        <p:txBody>
+          <a:bodyPr>
+            <a:normAutofit/>
+          </a:bodyPr>
+          <a:lstStyle/>
+          <a:p>
+            <a:r>
+              <a:rPr dirty="0">
+                <a:sym typeface="+mn-ea"/>
+              </a:rPr>
+              <a:t>Our Methodology</a:t>
+            </a:r>
+            <a:endParaRPr lang="zh-CN" altLang="en-US" dirty="0"/>
+          </a:p>
+        </p:txBody>
+      </p:sp>
+      <p:pic>
+        <p:nvPicPr>
+          <p:cNvPr id="13" name="图片 12">
+            <a:extLst>
+              <a:ext uri="{FF2B5EF4-FFF2-40B4-BE49-F238E27FC236}">
+                <a16:creationId xmlns:a16="http://schemas.microsoft.com/office/drawing/2014/main" id="{48BD4A94-2D7F-4F5E-8612-AA7E580E9449}"/>
+              </a:ext>
+            </a:extLst>
+          </p:cNvPr>
+          <p:cNvPicPr>
+            <a:picLocks noChangeAspect="1"/>
+          </p:cNvPicPr>
+          <p:nvPr/>
+        </p:nvPicPr>
+        <p:blipFill>
+          <a:blip r:embed="rId4"/>
+          <a:stretch>
+            <a:fillRect/>
+          </a:stretch>
+        </p:blipFill>
+        <p:spPr>
+          <a:xfrm>
+            <a:off x="1604211" y="1665491"/>
+            <a:ext cx="8983578" cy="4860518"/>
+          </a:xfrm>
+          <a:prstGeom prst="rect">
+            <a:avLst/>
+          </a:prstGeom>
+        </p:spPr>
+      </p:pic>
+    </p:spTree>
+    <p:custDataLst>
+      <p:tags r:id="rId1"/>
+    </p:custDataLst>
+  </p:cSld>
+  <p:clrMapOvr>
+    <a:masterClrMapping/>
+  </p:clrMapOvr>
+</p:sld>
+</file>
+
+<file path=ppt/slides/slide11.xml><?xml version="1.0" encoding="utf-8"?>
+<p:sld xmlns:a="http://schemas.openxmlformats.org/drawingml/2006/main" xmlns:r="http://schemas.openxmlformats.org/officeDocument/2006/relationships" xmlns:p="http://schemas.openxmlformats.org/presentationml/2006/main">
+  <p:cSld>
+    <p:spTree>
+      <p:nvGrpSpPr>
+        <p:cNvPr id="1" name=""/>
+        <p:cNvGrpSpPr/>
+        <p:nvPr/>
+      </p:nvGrpSpPr>
+      <p:grpSpPr>
+        <a:xfrm>
+          <a:off x="0" y="0"/>
+          <a:ext cx="0" cy="0"/>
+          <a:chOff x="0" y="0"/>
+          <a:chExt cx="0" cy="0"/>
+        </a:xfrm>
+      </p:grpSpPr>
+      <p:sp>
+        <p:nvSpPr>
           <p:cNvPr id="3" name="文本占位符 2"/>
           <p:cNvSpPr>
             <a:spLocks noGrp="1"/>
@@ -9721,10 +10240,135 @@
           </a:p>
         </p:txBody>
       </p:sp>
+      <p:cxnSp>
+        <p:nvCxnSpPr>
+          <p:cNvPr id="15" name="直接箭头连接符 14">
+            <a:extLst>
+              <a:ext uri="{FF2B5EF4-FFF2-40B4-BE49-F238E27FC236}">
+                <a16:creationId xmlns:a16="http://schemas.microsoft.com/office/drawing/2014/main" id="{8FD629A4-242B-4CFA-A7CD-E5D1234BE1AB}"/>
+              </a:ext>
+            </a:extLst>
+          </p:cNvPr>
+          <p:cNvCxnSpPr/>
+          <p:nvPr/>
+        </p:nvCxnSpPr>
+        <p:spPr>
+          <a:xfrm>
+            <a:off x="4154905" y="1925053"/>
+            <a:ext cx="3144739" cy="3641558"/>
+          </a:xfrm>
+          <a:prstGeom prst="straightConnector1">
+            <a:avLst/>
+          </a:prstGeom>
+          <a:ln>
+            <a:headEnd type="triangle"/>
+            <a:tailEnd type="triangle"/>
+          </a:ln>
+        </p:spPr>
+        <p:style>
+          <a:lnRef idx="1">
+            <a:schemeClr val="accent1"/>
+          </a:lnRef>
+          <a:fillRef idx="0">
+            <a:schemeClr val="accent1"/>
+          </a:fillRef>
+          <a:effectRef idx="0">
+            <a:schemeClr val="accent1"/>
+          </a:effectRef>
+          <a:fontRef idx="minor">
+            <a:schemeClr val="tx1"/>
+          </a:fontRef>
+        </p:style>
+      </p:cxnSp>
+      <p:cxnSp>
+        <p:nvCxnSpPr>
+          <p:cNvPr id="17" name="直接箭头连接符 16">
+            <a:extLst>
+              <a:ext uri="{FF2B5EF4-FFF2-40B4-BE49-F238E27FC236}">
+                <a16:creationId xmlns:a16="http://schemas.microsoft.com/office/drawing/2014/main" id="{5910ED45-CA94-4195-A25F-894F8C24C5AD}"/>
+              </a:ext>
+            </a:extLst>
+          </p:cNvPr>
+          <p:cNvCxnSpPr/>
+          <p:nvPr/>
+        </p:nvCxnSpPr>
+        <p:spPr>
+          <a:xfrm>
+            <a:off x="3753853" y="2951747"/>
+            <a:ext cx="3705726" cy="609600"/>
+          </a:xfrm>
+          <a:prstGeom prst="straightConnector1">
+            <a:avLst/>
+          </a:prstGeom>
+          <a:ln>
+            <a:headEnd type="triangle"/>
+            <a:tailEnd type="triangle"/>
+          </a:ln>
+        </p:spPr>
+        <p:style>
+          <a:lnRef idx="1">
+            <a:schemeClr val="accent1"/>
+          </a:lnRef>
+          <a:fillRef idx="0">
+            <a:schemeClr val="accent1"/>
+          </a:fillRef>
+          <a:effectRef idx="0">
+            <a:schemeClr val="accent1"/>
+          </a:effectRef>
+          <a:fontRef idx="minor">
+            <a:schemeClr val="tx1"/>
+          </a:fontRef>
+        </p:style>
+      </p:cxnSp>
+      <p:cxnSp>
+        <p:nvCxnSpPr>
+          <p:cNvPr id="19" name="直接箭头连接符 18">
+            <a:extLst>
+              <a:ext uri="{FF2B5EF4-FFF2-40B4-BE49-F238E27FC236}">
+                <a16:creationId xmlns:a16="http://schemas.microsoft.com/office/drawing/2014/main" id="{E733305E-3028-413D-AFEF-666FC59EF668}"/>
+              </a:ext>
+            </a:extLst>
+          </p:cNvPr>
+          <p:cNvCxnSpPr/>
+          <p:nvPr/>
+        </p:nvCxnSpPr>
+        <p:spPr>
+          <a:xfrm flipV="1">
+            <a:off x="4716379" y="3994484"/>
+            <a:ext cx="5085347" cy="1828800"/>
+          </a:xfrm>
+          <a:prstGeom prst="straightConnector1">
+            <a:avLst/>
+          </a:prstGeom>
+          <a:ln>
+            <a:headEnd type="triangle"/>
+            <a:tailEnd type="triangle"/>
+          </a:ln>
+        </p:spPr>
+        <p:style>
+          <a:lnRef idx="1">
+            <a:schemeClr val="accent1"/>
+          </a:lnRef>
+          <a:fillRef idx="0">
+            <a:schemeClr val="accent1"/>
+          </a:fillRef>
+          <a:effectRef idx="0">
+            <a:schemeClr val="accent1"/>
+          </a:effectRef>
+          <a:fontRef idx="minor">
+            <a:schemeClr val="tx1"/>
+          </a:fontRef>
+        </p:style>
+      </p:cxnSp>
     </p:spTree>
     <p:custDataLst>
       <p:tags r:id="rId1"/>
     </p:custDataLst>
+    <p:extLst>
+      <p:ext uri="{BB962C8B-B14F-4D97-AF65-F5344CB8AC3E}">
+        <p14:creationId xmlns:p14="http://schemas.microsoft.com/office/powerpoint/2010/main" val="220941826"/>
+      </p:ext>
+    </p:extLst>
   </p:cSld>
   <p:clrMapOvr>
     <a:masterClrMapping/>
@@ -9732,7 +10376,7 @@
 </p:sld>
 </file>
 
-<file path=ppt/slides/slide11.xml><?xml version="1.0" encoding="utf-8"?>
+<file path=ppt/slides/slide12.xml><?xml version="1.0" encoding="utf-8"?>
 <p:sld xmlns:a="http://schemas.openxmlformats.org/drawingml/2006/main" xmlns:r="http://schemas.openxmlformats.org/officeDocument/2006/relationships" xmlns:p="http://schemas.openxmlformats.org/presentationml/2006/main">
   <p:cSld>
     <p:spTree>
@@ -10355,7 +10999,7 @@
 </p:sld>
 </file>
 
-<file path=ppt/slides/slide12.xml><?xml version="1.0" encoding="utf-8"?>
+<file path=ppt/slides/slide13.xml><?xml version="1.0" encoding="utf-8"?>
 <p:sld xmlns:a="http://schemas.openxmlformats.org/drawingml/2006/main" xmlns:r="http://schemas.openxmlformats.org/officeDocument/2006/relationships" xmlns:p="http://schemas.openxmlformats.org/presentationml/2006/main">
   <p:cSld>
     <p:spTree>
@@ -11045,7 +11689,7 @@
 </p:sld>
 </file>
 
-<file path=ppt/slides/slide13.xml><?xml version="1.0" encoding="utf-8"?>
+<file path=ppt/slides/slide14.xml><?xml version="1.0" encoding="utf-8"?>
 <p:sld xmlns:a="http://schemas.openxmlformats.org/drawingml/2006/main" xmlns:r="http://schemas.openxmlformats.org/officeDocument/2006/relationships" xmlns:p="http://schemas.openxmlformats.org/presentationml/2006/main">
   <p:cSld>
     <p:spTree>
@@ -11177,7 +11821,7 @@
 </p:sld>
 </file>
 
-<file path=ppt/slides/slide14.xml><?xml version="1.0" encoding="utf-8"?>
+<file path=ppt/slides/slide15.xml><?xml version="1.0" encoding="utf-8"?>
 <p:sld xmlns:a="http://schemas.openxmlformats.org/drawingml/2006/main" xmlns:r="http://schemas.openxmlformats.org/officeDocument/2006/relationships" xmlns:p="http://schemas.openxmlformats.org/presentationml/2006/main">
   <p:cSld>
     <p:spTree>
@@ -11800,7 +12444,7 @@
 </p:sld>
 </file>
 
-<file path=ppt/slides/slide15.xml><?xml version="1.0" encoding="utf-8"?>
+<file path=ppt/slides/slide16.xml><?xml version="1.0" encoding="utf-8"?>
 <p:sld xmlns:a="http://schemas.openxmlformats.org/drawingml/2006/main" xmlns:r="http://schemas.openxmlformats.org/officeDocument/2006/relationships" xmlns:p="http://schemas.openxmlformats.org/presentationml/2006/main">
   <p:cSld>
     <p:spTree>
@@ -12479,7 +13123,7 @@
 </p:sld>
 </file>
 
-<file path=ppt/slides/slide16.xml><?xml version="1.0" encoding="utf-8"?>
+<file path=ppt/slides/slide17.xml><?xml version="1.0" encoding="utf-8"?>
 <p:sld xmlns:a="http://schemas.openxmlformats.org/drawingml/2006/main" xmlns:r="http://schemas.openxmlformats.org/officeDocument/2006/relationships" xmlns:p="http://schemas.openxmlformats.org/presentationml/2006/main">
   <p:cSld>
     <p:spTree>
@@ -12725,101 +13369,153 @@
             <a:pPr lvl="1"/>
             <a:r>
               <a:rPr lang="zh-CN" altLang="en-US" sz="2000" dirty="0">
+                <a:highlight>
+                  <a:srgbClr val="FFFF00"/>
+                </a:highlight>
                 <a:sym typeface="+mn-ea"/>
               </a:rPr>
               <a:t>𝑄</a:t>
             </a:r>
             <a:r>
               <a:rPr lang="en-US" altLang="zh-CN" sz="2000" dirty="0">
+                <a:highlight>
+                  <a:srgbClr val="FFFF00"/>
+                </a:highlight>
                 <a:sym typeface="+mn-ea"/>
               </a:rPr>
               <a:t>  (</a:t>
             </a:r>
             <a:r>
               <a:rPr lang="zh-CN" altLang="en-US" sz="2000" dirty="0">
+                <a:highlight>
+                  <a:srgbClr val="FFFF00"/>
+                </a:highlight>
                 <a:sym typeface="+mn-ea"/>
               </a:rPr>
               <a:t>𝑠</a:t>
             </a:r>
             <a:r>
               <a:rPr lang="en-US" altLang="zh-CN" sz="2000" dirty="0">
+                <a:highlight>
+                  <a:srgbClr val="FFFF00"/>
+                </a:highlight>
                 <a:sym typeface="+mn-ea"/>
               </a:rPr>
               <a:t> </a:t>
             </a:r>
             <a:r>
               <a:rPr lang="zh-CN" altLang="en-US" sz="2000" dirty="0">
+                <a:highlight>
+                  <a:srgbClr val="FFFF00"/>
+                </a:highlight>
                 <a:sym typeface="+mn-ea"/>
               </a:rPr>
               <a:t>↦</a:t>
             </a:r>
             <a:r>
               <a:rPr lang="en-US" altLang="zh-CN" sz="2000" dirty="0">
+                <a:highlight>
+                  <a:srgbClr val="FFFF00"/>
+                </a:highlight>
                 <a:sym typeface="+mn-ea"/>
               </a:rPr>
               <a:t>h)⊕</a:t>
             </a:r>
             <a:r>
               <a:rPr lang="zh-CN" altLang="en-US" sz="2000" dirty="0">
+                <a:highlight>
+                  <a:srgbClr val="FFFF00"/>
+                </a:highlight>
                 <a:sym typeface="+mn-ea"/>
               </a:rPr>
               <a:t>𝑄</a:t>
             </a:r>
             <a:r>
               <a:rPr lang="en-US" altLang="zh-CN" sz="2000" dirty="0">
+                <a:highlight>
+                  <a:srgbClr val="FFFF00"/>
+                </a:highlight>
                 <a:sym typeface="+mn-ea"/>
               </a:rPr>
               <a:t>  (h↦</a:t>
             </a:r>
             <a:r>
               <a:rPr lang="zh-CN" altLang="en-US" sz="2000" dirty="0">
+                <a:highlight>
+                  <a:srgbClr val="FFFF00"/>
+                </a:highlight>
                 <a:sym typeface="+mn-ea"/>
               </a:rPr>
               <a:t>𝑑</a:t>
             </a:r>
             <a:r>
               <a:rPr lang="en-US" altLang="zh-CN" sz="2000" dirty="0">
+                <a:highlight>
+                  <a:srgbClr val="FFFF00"/>
+                </a:highlight>
                 <a:sym typeface="+mn-ea"/>
               </a:rPr>
               <a:t>   )⪰</a:t>
             </a:r>
             <a:r>
               <a:rPr lang="zh-CN" altLang="en-US" sz="2000" dirty="0">
+                <a:highlight>
+                  <a:srgbClr val="FFFF00"/>
+                </a:highlight>
                 <a:sym typeface="+mn-ea"/>
               </a:rPr>
               <a:t>𝑄</a:t>
             </a:r>
             <a:r>
               <a:rPr lang="en-US" altLang="zh-CN" sz="2000" dirty="0">
+                <a:highlight>
+                  <a:srgbClr val="FFFF00"/>
+                </a:highlight>
                 <a:sym typeface="+mn-ea"/>
               </a:rPr>
               <a:t>  (</a:t>
             </a:r>
             <a:r>
               <a:rPr lang="zh-CN" altLang="en-US" sz="2000" dirty="0">
+                <a:highlight>
+                  <a:srgbClr val="FFFF00"/>
+                </a:highlight>
                 <a:sym typeface="+mn-ea"/>
               </a:rPr>
               <a:t>𝑠</a:t>
             </a:r>
             <a:r>
               <a:rPr lang="en-US" altLang="zh-CN" sz="2000" dirty="0">
+                <a:highlight>
+                  <a:srgbClr val="FFFF00"/>
+                </a:highlight>
                 <a:sym typeface="+mn-ea"/>
               </a:rPr>
               <a:t> </a:t>
             </a:r>
             <a:r>
               <a:rPr lang="zh-CN" altLang="en-US" sz="2000" dirty="0">
+                <a:highlight>
+                  <a:srgbClr val="FFFF00"/>
+                </a:highlight>
                 <a:sym typeface="+mn-ea"/>
               </a:rPr>
               <a:t>↦𝑑</a:t>
             </a:r>
             <a:r>
               <a:rPr lang="en-US" altLang="zh-CN" sz="2000" dirty="0">
+                <a:highlight>
+                  <a:srgbClr val="FFFF00"/>
+                </a:highlight>
                 <a:sym typeface="+mn-ea"/>
               </a:rPr>
               <a:t> )</a:t>
             </a:r>
-            <a:endParaRPr lang="en-US" altLang="zh-CN" sz="2000" dirty="0"/>
+            <a:endParaRPr lang="en-US" altLang="zh-CN" sz="2000" dirty="0">
+              <a:highlight>
+                <a:srgbClr val="FFFF00"/>
+              </a:highlight>
+            </a:endParaRPr>
           </a:p>
           <a:p>
             <a:pPr lvl="1"/>
@@ -13730,7 +14426,7 @@
 </p:sld>
 </file>
 
-<file path=ppt/slides/slide17.xml><?xml version="1.0" encoding="utf-8"?>
+<file path=ppt/slides/slide18.xml><?xml version="1.0" encoding="utf-8"?>
 <p:sld xmlns:a="http://schemas.openxmlformats.org/drawingml/2006/main" xmlns:r="http://schemas.openxmlformats.org/officeDocument/2006/relationships" xmlns:p="http://schemas.openxmlformats.org/presentationml/2006/main">
   <p:cSld>
     <p:spTree>
@@ -13767,94 +14463,6 @@
               <a:t>SGraph</a:t>
             </a:r>
             <a:endParaRPr kumimoji="1" lang="zh-CN" altLang="en-US"/>
-          </a:p>
-        </p:txBody>
-      </p:sp>
-      <p:sp>
-        <p:nvSpPr>
-          <p:cNvPr id="3" name="文本占位符 2"/>
-          <p:cNvSpPr>
-            <a:spLocks noGrp="1"/>
-          </p:cNvSpPr>
-          <p:nvPr>
-            <p:ph type="body" sz="quarter" idx="18"/>
-          </p:nvPr>
-        </p:nvSpPr>
-        <p:spPr>
-          <a:xfrm>
-            <a:off x="1036812" y="1016251"/>
-            <a:ext cx="11401999" cy="5309556"/>
-          </a:xfrm>
-        </p:spPr>
-        <p:txBody>
-          <a:bodyPr/>
-          <a:lstStyle/>
-          <a:p>
-            <a:r>
-              <a:rPr lang="en-US" altLang="zh-CN" b="1" i="0" dirty="0">
-                <a:solidFill>
-                  <a:srgbClr val="2A2B2E"/>
-                </a:solidFill>
-                <a:effectLst/>
-                <a:latin typeface="+mn-ea"/>
-              </a:rPr>
-              <a:t>Advantage</a:t>
-            </a:r>
-            <a:r>
-              <a:rPr lang="zh-CN" altLang="en-US" b="0" i="0" dirty="0">
-                <a:solidFill>
-                  <a:srgbClr val="2A2B2E"/>
-                </a:solidFill>
-                <a:effectLst/>
-                <a:latin typeface="+mn-ea"/>
-              </a:rPr>
-              <a:t>：</a:t>
-            </a:r>
-            <a:r>
-              <a:rPr lang="en-US" altLang="zh-CN" b="0" i="0" dirty="0">
-                <a:solidFill>
-                  <a:srgbClr val="2A2B2E"/>
-                </a:solidFill>
-                <a:effectLst/>
-                <a:latin typeface="+mn-ea"/>
-              </a:rPr>
-              <a:t>Lower bound pruning further improves the effectiveness of pruning</a:t>
-            </a:r>
-          </a:p>
-          <a:p>
-            <a:r>
-              <a:rPr lang="en-US" altLang="zh-CN" b="1" i="0" dirty="0">
-                <a:solidFill>
-                  <a:srgbClr val="2A2B2E"/>
-                </a:solidFill>
-                <a:effectLst/>
-                <a:latin typeface="+mn-ea"/>
-              </a:rPr>
-              <a:t>Disadvantage</a:t>
-            </a:r>
-            <a:r>
-              <a:rPr lang="zh-CN" altLang="en-US" b="0" i="0" dirty="0">
-                <a:solidFill>
-                  <a:srgbClr val="2A2B2E"/>
-                </a:solidFill>
-                <a:effectLst/>
-                <a:latin typeface="+mn-ea"/>
-              </a:rPr>
-              <a:t>：</a:t>
-            </a:r>
-            <a:r>
-              <a:rPr lang="en-US" altLang="zh-CN" b="0" i="0" dirty="0">
-                <a:solidFill>
-                  <a:srgbClr val="2A2B2E"/>
-                </a:solidFill>
-                <a:effectLst/>
-                <a:latin typeface="+mn-ea"/>
-              </a:rPr>
-              <a:t>The throughput of concurrent queries is not considered</a:t>
-            </a:r>
-          </a:p>
-          <a:p>
-            <a:endParaRPr kumimoji="1" lang="zh-CN" altLang="en-US" dirty="0"/>
           </a:p>
         </p:txBody>
       </p:sp>
@@ -13899,12 +14507,766 @@
           </a:extLst>
         </p:spPr>
       </p:pic>
+      <p:grpSp>
+        <p:nvGrpSpPr>
+          <p:cNvPr id="7" name="组合 6">
+            <a:extLst>
+              <a:ext uri="{FF2B5EF4-FFF2-40B4-BE49-F238E27FC236}">
+                <a16:creationId xmlns:a16="http://schemas.microsoft.com/office/drawing/2014/main" id="{7FDF2BF4-237D-475D-848B-5F5C13AA0EE9}"/>
+              </a:ext>
+            </a:extLst>
+          </p:cNvPr>
+          <p:cNvGrpSpPr/>
+          <p:nvPr/>
+        </p:nvGrpSpPr>
+        <p:grpSpPr>
+          <a:xfrm>
+            <a:off x="2092851" y="3490200"/>
+            <a:ext cx="3111952" cy="1533165"/>
+            <a:chOff x="3586652" y="3307182"/>
+            <a:chExt cx="4551453" cy="2152436"/>
+          </a:xfrm>
+        </p:grpSpPr>
+        <p:sp>
+          <p:nvSpPr>
+            <p:cNvPr id="8" name="Oval 1">
+              <a:extLst>
+                <a:ext uri="{FF2B5EF4-FFF2-40B4-BE49-F238E27FC236}">
+                  <a16:creationId xmlns:a16="http://schemas.microsoft.com/office/drawing/2014/main" id="{519CA79B-E3DD-46E3-AC1C-59975B2EA0D6}"/>
+                </a:ext>
+              </a:extLst>
+            </p:cNvPr>
+            <p:cNvSpPr/>
+            <p:nvPr/>
+          </p:nvSpPr>
+          <p:spPr>
+            <a:xfrm>
+              <a:off x="3586652" y="3307183"/>
+              <a:ext cx="712343" cy="712343"/>
+            </a:xfrm>
+            <a:prstGeom prst="ellipse">
+              <a:avLst/>
+            </a:prstGeom>
+            <a:solidFill>
+              <a:schemeClr val="bg1"/>
+            </a:solidFill>
+            <a:ln w="76200">
+              <a:solidFill>
+                <a:schemeClr val="tx1"/>
+              </a:solidFill>
+            </a:ln>
+          </p:spPr>
+          <p:style>
+            <a:lnRef idx="2">
+              <a:schemeClr val="accent1">
+                <a:shade val="50000"/>
+              </a:schemeClr>
+            </a:lnRef>
+            <a:fillRef idx="1">
+              <a:schemeClr val="accent1"/>
+            </a:fillRef>
+            <a:effectRef idx="0">
+              <a:schemeClr val="accent1"/>
+            </a:effectRef>
+            <a:fontRef idx="minor">
+              <a:schemeClr val="lt1"/>
+            </a:fontRef>
+          </p:style>
+          <p:txBody>
+            <a:bodyPr rtlCol="0" anchor="ctr"/>
+            <a:lstStyle/>
+            <a:p>
+              <a:pPr algn="ctr"/>
+              <a:r>
+                <a:rPr lang="en-US" sz="3200" b="1">
+                  <a:solidFill>
+                    <a:schemeClr val="tx1"/>
+                  </a:solidFill>
+                  <a:latin typeface="微软雅黑" panose="020B0503020204020204" pitchFamily="34" charset="-122"/>
+                  <a:ea typeface="微软雅黑" panose="020B0503020204020204" pitchFamily="34" charset="-122"/>
+                </a:rPr>
+                <a:t>s</a:t>
+              </a:r>
+            </a:p>
+          </p:txBody>
+        </p:sp>
+        <p:sp>
+          <p:nvSpPr>
+            <p:cNvPr id="9" name="Oval 2">
+              <a:extLst>
+                <a:ext uri="{FF2B5EF4-FFF2-40B4-BE49-F238E27FC236}">
+                  <a16:creationId xmlns:a16="http://schemas.microsoft.com/office/drawing/2014/main" id="{F3170CC5-8A05-41F4-9C62-4137281E707D}"/>
+                </a:ext>
+              </a:extLst>
+            </p:cNvPr>
+            <p:cNvSpPr/>
+            <p:nvPr/>
+          </p:nvSpPr>
+          <p:spPr>
+            <a:xfrm>
+              <a:off x="5711690" y="4747275"/>
+              <a:ext cx="712343" cy="712343"/>
+            </a:xfrm>
+            <a:prstGeom prst="ellipse">
+              <a:avLst/>
+            </a:prstGeom>
+            <a:solidFill>
+              <a:schemeClr val="bg1"/>
+            </a:solidFill>
+            <a:ln w="76200">
+              <a:solidFill>
+                <a:schemeClr val="tx1"/>
+              </a:solidFill>
+            </a:ln>
+          </p:spPr>
+          <p:style>
+            <a:lnRef idx="2">
+              <a:schemeClr val="accent1">
+                <a:shade val="50000"/>
+              </a:schemeClr>
+            </a:lnRef>
+            <a:fillRef idx="1">
+              <a:schemeClr val="accent1"/>
+            </a:fillRef>
+            <a:effectRef idx="0">
+              <a:schemeClr val="accent1"/>
+            </a:effectRef>
+            <a:fontRef idx="minor">
+              <a:schemeClr val="lt1"/>
+            </a:fontRef>
+          </p:style>
+          <p:txBody>
+            <a:bodyPr rtlCol="0" anchor="ctr"/>
+            <a:lstStyle/>
+            <a:p>
+              <a:pPr algn="ctr"/>
+              <a:r>
+                <a:rPr lang="en-US" altLang="zh-CN" sz="3200" b="1">
+                  <a:solidFill>
+                    <a:schemeClr val="tx1"/>
+                  </a:solidFill>
+                  <a:latin typeface="微软雅黑" panose="020B0503020204020204" pitchFamily="34" charset="-122"/>
+                  <a:ea typeface="微软雅黑" panose="020B0503020204020204" pitchFamily="34" charset="-122"/>
+                </a:rPr>
+                <a:t>v</a:t>
+              </a:r>
+              <a:endParaRPr lang="en-US" sz="3200" b="1">
+                <a:solidFill>
+                  <a:schemeClr val="tx1"/>
+                </a:solidFill>
+                <a:latin typeface="微软雅黑" panose="020B0503020204020204" pitchFamily="34" charset="-122"/>
+                <a:ea typeface="微软雅黑" panose="020B0503020204020204" pitchFamily="34" charset="-122"/>
+              </a:endParaRPr>
+            </a:p>
+          </p:txBody>
+        </p:sp>
+        <p:sp>
+          <p:nvSpPr>
+            <p:cNvPr id="10" name="Oval 3">
+              <a:extLst>
+                <a:ext uri="{FF2B5EF4-FFF2-40B4-BE49-F238E27FC236}">
+                  <a16:creationId xmlns:a16="http://schemas.microsoft.com/office/drawing/2014/main" id="{304A6B87-7FA4-4504-9B35-E2A4707F6565}"/>
+                </a:ext>
+              </a:extLst>
+            </p:cNvPr>
+            <p:cNvSpPr/>
+            <p:nvPr/>
+          </p:nvSpPr>
+          <p:spPr>
+            <a:xfrm>
+              <a:off x="7425762" y="3307182"/>
+              <a:ext cx="712343" cy="712343"/>
+            </a:xfrm>
+            <a:prstGeom prst="ellipse">
+              <a:avLst/>
+            </a:prstGeom>
+            <a:solidFill>
+              <a:schemeClr val="bg1"/>
+            </a:solidFill>
+            <a:ln w="76200">
+              <a:solidFill>
+                <a:schemeClr val="tx1"/>
+              </a:solidFill>
+            </a:ln>
+          </p:spPr>
+          <p:style>
+            <a:lnRef idx="2">
+              <a:schemeClr val="accent1">
+                <a:shade val="50000"/>
+              </a:schemeClr>
+            </a:lnRef>
+            <a:fillRef idx="1">
+              <a:schemeClr val="accent1"/>
+            </a:fillRef>
+            <a:effectRef idx="0">
+              <a:schemeClr val="accent1"/>
+            </a:effectRef>
+            <a:fontRef idx="minor">
+              <a:schemeClr val="lt1"/>
+            </a:fontRef>
+          </p:style>
+          <p:txBody>
+            <a:bodyPr rtlCol="0" anchor="ctr"/>
+            <a:lstStyle/>
+            <a:p>
+              <a:pPr algn="ctr"/>
+              <a:r>
+                <a:rPr lang="en-US" sz="3200" b="1">
+                  <a:solidFill>
+                    <a:schemeClr val="tx1"/>
+                  </a:solidFill>
+                  <a:latin typeface="微软雅黑" panose="020B0503020204020204" pitchFamily="34" charset="-122"/>
+                  <a:ea typeface="微软雅黑" panose="020B0503020204020204" pitchFamily="34" charset="-122"/>
+                </a:rPr>
+                <a:t>d</a:t>
+              </a:r>
+            </a:p>
+          </p:txBody>
+        </p:sp>
+        <p:sp>
+          <p:nvSpPr>
+            <p:cNvPr id="12" name="Freeform: Shape 4">
+              <a:extLst>
+                <a:ext uri="{FF2B5EF4-FFF2-40B4-BE49-F238E27FC236}">
+                  <a16:creationId xmlns:a16="http://schemas.microsoft.com/office/drawing/2014/main" id="{E8AC7BC9-80E1-4872-AF40-C3AC01F26F43}"/>
+                </a:ext>
+              </a:extLst>
+            </p:cNvPr>
+            <p:cNvSpPr/>
+            <p:nvPr/>
+          </p:nvSpPr>
+          <p:spPr>
+            <a:xfrm>
+              <a:off x="4177126" y="3945036"/>
+              <a:ext cx="1560251" cy="1038058"/>
+            </a:xfrm>
+            <a:custGeom>
+              <a:avLst/>
+              <a:gdLst>
+                <a:gd name="connsiteX0" fmla="*/ 39675 w 1560251"/>
+                <a:gd name="connsiteY0" fmla="*/ 0 h 1038058"/>
+                <a:gd name="connsiteX1" fmla="*/ 49950 w 1560251"/>
+                <a:gd name="connsiteY1" fmla="*/ 390418 h 1038058"/>
+                <a:gd name="connsiteX2" fmla="*/ 532835 w 1560251"/>
+                <a:gd name="connsiteY2" fmla="*/ 359595 h 1038058"/>
+                <a:gd name="connsiteX3" fmla="*/ 656125 w 1560251"/>
+                <a:gd name="connsiteY3" fmla="*/ 821932 h 1038058"/>
+                <a:gd name="connsiteX4" fmla="*/ 1252026 w 1560251"/>
+                <a:gd name="connsiteY4" fmla="*/ 729465 h 1038058"/>
+                <a:gd name="connsiteX5" fmla="*/ 1560251 w 1560251"/>
+                <a:gd name="connsiteY5" fmla="*/ 1037690 h 1038058"/>
+              </a:gdLst>
+              <a:ahLst/>
+              <a:cxnLst>
+                <a:cxn ang="0">
+                  <a:pos x="connsiteX0" y="connsiteY0"/>
+                </a:cxn>
+                <a:cxn ang="0">
+                  <a:pos x="connsiteX1" y="connsiteY1"/>
+                </a:cxn>
+                <a:cxn ang="0">
+                  <a:pos x="connsiteX2" y="connsiteY2"/>
+                </a:cxn>
+                <a:cxn ang="0">
+                  <a:pos x="connsiteX3" y="connsiteY3"/>
+                </a:cxn>
+                <a:cxn ang="0">
+                  <a:pos x="connsiteX4" y="connsiteY4"/>
+                </a:cxn>
+                <a:cxn ang="0">
+                  <a:pos x="connsiteX5" y="connsiteY5"/>
+                </a:cxn>
+              </a:cxnLst>
+              <a:rect l="l" t="t" r="r" b="b"/>
+              <a:pathLst>
+                <a:path w="1560251" h="1038058">
+                  <a:moveTo>
+                    <a:pt x="39675" y="0"/>
+                  </a:moveTo>
+                  <a:cubicBezTo>
+                    <a:pt x="3716" y="165243"/>
+                    <a:pt x="-32243" y="330486"/>
+                    <a:pt x="49950" y="390418"/>
+                  </a:cubicBezTo>
+                  <a:cubicBezTo>
+                    <a:pt x="132143" y="450350"/>
+                    <a:pt x="431806" y="287676"/>
+                    <a:pt x="532835" y="359595"/>
+                  </a:cubicBezTo>
+                  <a:cubicBezTo>
+                    <a:pt x="633864" y="431514"/>
+                    <a:pt x="536260" y="760287"/>
+                    <a:pt x="656125" y="821932"/>
+                  </a:cubicBezTo>
+                  <a:cubicBezTo>
+                    <a:pt x="775990" y="883577"/>
+                    <a:pt x="1101338" y="693505"/>
+                    <a:pt x="1252026" y="729465"/>
+                  </a:cubicBezTo>
+                  <a:cubicBezTo>
+                    <a:pt x="1402714" y="765425"/>
+                    <a:pt x="1457510" y="1049676"/>
+                    <a:pt x="1560251" y="1037690"/>
+                  </a:cubicBezTo>
+                </a:path>
+              </a:pathLst>
+            </a:custGeom>
+            <a:noFill/>
+            <a:ln w="57150">
+              <a:solidFill>
+                <a:srgbClr val="00B0F0"/>
+              </a:solidFill>
+              <a:headEnd type="none" w="med" len="med"/>
+              <a:tailEnd type="triangle" w="med" len="med"/>
+            </a:ln>
+          </p:spPr>
+          <p:style>
+            <a:lnRef idx="2">
+              <a:schemeClr val="accent1">
+                <a:shade val="50000"/>
+              </a:schemeClr>
+            </a:lnRef>
+            <a:fillRef idx="1">
+              <a:schemeClr val="accent1"/>
+            </a:fillRef>
+            <a:effectRef idx="0">
+              <a:schemeClr val="accent1"/>
+            </a:effectRef>
+            <a:fontRef idx="minor">
+              <a:schemeClr val="lt1"/>
+            </a:fontRef>
+          </p:style>
+          <p:txBody>
+            <a:bodyPr rtlCol="0" anchor="ctr"/>
+            <a:lstStyle/>
+            <a:p>
+              <a:pPr algn="ctr"/>
+              <a:endParaRPr lang="en-US" sz="1200">
+                <a:latin typeface="微软雅黑" panose="020B0503020204020204" pitchFamily="34" charset="-122"/>
+                <a:ea typeface="微软雅黑" panose="020B0503020204020204" pitchFamily="34" charset="-122"/>
+              </a:endParaRPr>
+            </a:p>
+          </p:txBody>
+        </p:sp>
+        <p:sp>
+          <p:nvSpPr>
+            <p:cNvPr id="14" name="Freeform: Shape 5">
+              <a:extLst>
+                <a:ext uri="{FF2B5EF4-FFF2-40B4-BE49-F238E27FC236}">
+                  <a16:creationId xmlns:a16="http://schemas.microsoft.com/office/drawing/2014/main" id="{02B5BA53-91C3-4CE1-8179-8503E300F692}"/>
+                </a:ext>
+              </a:extLst>
+            </p:cNvPr>
+            <p:cNvSpPr/>
+            <p:nvPr/>
+          </p:nvSpPr>
+          <p:spPr>
+            <a:xfrm>
+              <a:off x="6364100" y="3873117"/>
+              <a:ext cx="1119883" cy="1017141"/>
+            </a:xfrm>
+            <a:custGeom>
+              <a:avLst/>
+              <a:gdLst>
+                <a:gd name="connsiteX0" fmla="*/ 0 w 1119883"/>
+                <a:gd name="connsiteY0" fmla="*/ 1017141 h 1017141"/>
+                <a:gd name="connsiteX1" fmla="*/ 421241 w 1119883"/>
+                <a:gd name="connsiteY1" fmla="*/ 801384 h 1017141"/>
+                <a:gd name="connsiteX2" fmla="*/ 534257 w 1119883"/>
+                <a:gd name="connsiteY2" fmla="*/ 441788 h 1017141"/>
+                <a:gd name="connsiteX3" fmla="*/ 863030 w 1119883"/>
+                <a:gd name="connsiteY3" fmla="*/ 308224 h 1017141"/>
+                <a:gd name="connsiteX4" fmla="*/ 1119883 w 1119883"/>
+                <a:gd name="connsiteY4" fmla="*/ 0 h 1017141"/>
+              </a:gdLst>
+              <a:ahLst/>
+              <a:cxnLst>
+                <a:cxn ang="0">
+                  <a:pos x="connsiteX0" y="connsiteY0"/>
+                </a:cxn>
+                <a:cxn ang="0">
+                  <a:pos x="connsiteX1" y="connsiteY1"/>
+                </a:cxn>
+                <a:cxn ang="0">
+                  <a:pos x="connsiteX2" y="connsiteY2"/>
+                </a:cxn>
+                <a:cxn ang="0">
+                  <a:pos x="connsiteX3" y="connsiteY3"/>
+                </a:cxn>
+                <a:cxn ang="0">
+                  <a:pos x="connsiteX4" y="connsiteY4"/>
+                </a:cxn>
+              </a:cxnLst>
+              <a:rect l="l" t="t" r="r" b="b"/>
+              <a:pathLst>
+                <a:path w="1119883" h="1017141">
+                  <a:moveTo>
+                    <a:pt x="0" y="1017141"/>
+                  </a:moveTo>
+                  <a:cubicBezTo>
+                    <a:pt x="166099" y="957208"/>
+                    <a:pt x="332198" y="897276"/>
+                    <a:pt x="421241" y="801384"/>
+                  </a:cubicBezTo>
+                  <a:cubicBezTo>
+                    <a:pt x="510284" y="705492"/>
+                    <a:pt x="460626" y="523981"/>
+                    <a:pt x="534257" y="441788"/>
+                  </a:cubicBezTo>
+                  <a:cubicBezTo>
+                    <a:pt x="607888" y="359595"/>
+                    <a:pt x="765426" y="381855"/>
+                    <a:pt x="863030" y="308224"/>
+                  </a:cubicBezTo>
+                  <a:cubicBezTo>
+                    <a:pt x="960634" y="234593"/>
+                    <a:pt x="1097622" y="49658"/>
+                    <a:pt x="1119883" y="0"/>
+                  </a:cubicBezTo>
+                </a:path>
+              </a:pathLst>
+            </a:custGeom>
+            <a:noFill/>
+            <a:ln w="76200">
+              <a:solidFill>
+                <a:srgbClr val="00B0F0"/>
+              </a:solidFill>
+              <a:headEnd type="none" w="med" len="med"/>
+              <a:tailEnd type="triangle" w="med" len="med"/>
+            </a:ln>
+          </p:spPr>
+          <p:style>
+            <a:lnRef idx="2">
+              <a:schemeClr val="accent1">
+                <a:shade val="50000"/>
+              </a:schemeClr>
+            </a:lnRef>
+            <a:fillRef idx="1">
+              <a:schemeClr val="accent1"/>
+            </a:fillRef>
+            <a:effectRef idx="0">
+              <a:schemeClr val="accent1"/>
+            </a:effectRef>
+            <a:fontRef idx="minor">
+              <a:schemeClr val="lt1"/>
+            </a:fontRef>
+          </p:style>
+          <p:txBody>
+            <a:bodyPr rtlCol="0" anchor="ctr"/>
+            <a:lstStyle/>
+            <a:p>
+              <a:pPr algn="ctr"/>
+              <a:endParaRPr lang="en-US" sz="1200">
+                <a:latin typeface="微软雅黑" panose="020B0503020204020204" pitchFamily="34" charset="-122"/>
+                <a:ea typeface="微软雅黑" panose="020B0503020204020204" pitchFamily="34" charset="-122"/>
+              </a:endParaRPr>
+            </a:p>
+          </p:txBody>
+        </p:sp>
+        <p:sp>
+          <p:nvSpPr>
+            <p:cNvPr id="16" name="Freeform: Shape 6">
+              <a:extLst>
+                <a:ext uri="{FF2B5EF4-FFF2-40B4-BE49-F238E27FC236}">
+                  <a16:creationId xmlns:a16="http://schemas.microsoft.com/office/drawing/2014/main" id="{7F4CE49F-C89E-4BDA-ADC0-161024EF539B}"/>
+                </a:ext>
+              </a:extLst>
+            </p:cNvPr>
+            <p:cNvSpPr/>
+            <p:nvPr/>
+          </p:nvSpPr>
+          <p:spPr>
+            <a:xfrm>
+              <a:off x="4350366" y="3430824"/>
+              <a:ext cx="3082247" cy="258737"/>
+            </a:xfrm>
+            <a:custGeom>
+              <a:avLst/>
+              <a:gdLst>
+                <a:gd name="connsiteX0" fmla="*/ 0 w 3082247"/>
+                <a:gd name="connsiteY0" fmla="*/ 195713 h 258737"/>
+                <a:gd name="connsiteX1" fmla="*/ 523982 w 3082247"/>
+                <a:gd name="connsiteY1" fmla="*/ 504 h 258737"/>
+                <a:gd name="connsiteX2" fmla="*/ 1130157 w 3082247"/>
+                <a:gd name="connsiteY2" fmla="*/ 247084 h 258737"/>
+                <a:gd name="connsiteX3" fmla="*/ 1859622 w 3082247"/>
+                <a:gd name="connsiteY3" fmla="*/ 31326 h 258737"/>
+                <a:gd name="connsiteX4" fmla="*/ 2496620 w 3082247"/>
+                <a:gd name="connsiteY4" fmla="*/ 257358 h 258737"/>
+                <a:gd name="connsiteX5" fmla="*/ 3082247 w 3082247"/>
+                <a:gd name="connsiteY5" fmla="*/ 123794 h 258737"/>
+              </a:gdLst>
+              <a:ahLst/>
+              <a:cxnLst>
+                <a:cxn ang="0">
+                  <a:pos x="connsiteX0" y="connsiteY0"/>
+                </a:cxn>
+                <a:cxn ang="0">
+                  <a:pos x="connsiteX1" y="connsiteY1"/>
+                </a:cxn>
+                <a:cxn ang="0">
+                  <a:pos x="connsiteX2" y="connsiteY2"/>
+                </a:cxn>
+                <a:cxn ang="0">
+                  <a:pos x="connsiteX3" y="connsiteY3"/>
+                </a:cxn>
+                <a:cxn ang="0">
+                  <a:pos x="connsiteX4" y="connsiteY4"/>
+                </a:cxn>
+                <a:cxn ang="0">
+                  <a:pos x="connsiteX5" y="connsiteY5"/>
+                </a:cxn>
+              </a:cxnLst>
+              <a:rect l="l" t="t" r="r" b="b"/>
+              <a:pathLst>
+                <a:path w="3082247" h="258737">
+                  <a:moveTo>
+                    <a:pt x="0" y="195713"/>
+                  </a:moveTo>
+                  <a:cubicBezTo>
+                    <a:pt x="167811" y="93827"/>
+                    <a:pt x="335623" y="-8058"/>
+                    <a:pt x="523982" y="504"/>
+                  </a:cubicBezTo>
+                  <a:cubicBezTo>
+                    <a:pt x="712342" y="9066"/>
+                    <a:pt x="907550" y="241947"/>
+                    <a:pt x="1130157" y="247084"/>
+                  </a:cubicBezTo>
+                  <a:cubicBezTo>
+                    <a:pt x="1352764" y="252221"/>
+                    <a:pt x="1631878" y="29614"/>
+                    <a:pt x="1859622" y="31326"/>
+                  </a:cubicBezTo>
+                  <a:cubicBezTo>
+                    <a:pt x="2087366" y="33038"/>
+                    <a:pt x="2292849" y="241947"/>
+                    <a:pt x="2496620" y="257358"/>
+                  </a:cubicBezTo>
+                  <a:cubicBezTo>
+                    <a:pt x="2700391" y="272769"/>
+                    <a:pt x="3000054" y="154616"/>
+                    <a:pt x="3082247" y="123794"/>
+                  </a:cubicBezTo>
+                </a:path>
+              </a:pathLst>
+            </a:custGeom>
+            <a:noFill/>
+            <a:ln w="76200">
+              <a:solidFill>
+                <a:srgbClr val="FF0000"/>
+              </a:solidFill>
+              <a:headEnd type="none" w="med" len="med"/>
+              <a:tailEnd type="triangle" w="med" len="med"/>
+            </a:ln>
+          </p:spPr>
+          <p:style>
+            <a:lnRef idx="2">
+              <a:schemeClr val="accent1">
+                <a:shade val="50000"/>
+              </a:schemeClr>
+            </a:lnRef>
+            <a:fillRef idx="1">
+              <a:schemeClr val="accent1"/>
+            </a:fillRef>
+            <a:effectRef idx="0">
+              <a:schemeClr val="accent1"/>
+            </a:effectRef>
+            <a:fontRef idx="minor">
+              <a:schemeClr val="lt1"/>
+            </a:fontRef>
+          </p:style>
+          <p:txBody>
+            <a:bodyPr rtlCol="0" anchor="ctr"/>
+            <a:lstStyle/>
+            <a:p>
+              <a:pPr algn="ctr"/>
+              <a:endParaRPr lang="en-US" sz="1200">
+                <a:latin typeface="微软雅黑" panose="020B0503020204020204" pitchFamily="34" charset="-122"/>
+                <a:ea typeface="微软雅黑" panose="020B0503020204020204" pitchFamily="34" charset="-122"/>
+              </a:endParaRPr>
+            </a:p>
+          </p:txBody>
+        </p:sp>
+      </p:grpSp>
+    </p:spTree>
+  </p:cSld>
+  <p:clrMapOvr>
+    <a:masterClrMapping/>
+  </p:clrMapOvr>
+</p:sld>
+</file>
+
+<file path=ppt/slides/slide19.xml><?xml version="1.0" encoding="utf-8"?>
+<p:sld xmlns:a="http://schemas.openxmlformats.org/drawingml/2006/main" xmlns:r="http://schemas.openxmlformats.org/officeDocument/2006/relationships" xmlns:p="http://schemas.openxmlformats.org/presentationml/2006/main">
+  <p:cSld>
+    <p:spTree>
+      <p:nvGrpSpPr>
+        <p:cNvPr id="1" name=""/>
+        <p:cNvGrpSpPr/>
+        <p:nvPr/>
+      </p:nvGrpSpPr>
+      <p:grpSpPr>
+        <a:xfrm>
+          <a:off x="0" y="0"/>
+          <a:ext cx="0" cy="0"/>
+          <a:chOff x="0" y="0"/>
+          <a:chExt cx="0" cy="0"/>
+        </a:xfrm>
+      </p:grpSpPr>
+      <p:sp>
+        <p:nvSpPr>
+          <p:cNvPr id="2" name="文本占位符 1"/>
+          <p:cNvSpPr>
+            <a:spLocks noGrp="1"/>
+          </p:cNvSpPr>
+          <p:nvPr>
+            <p:ph type="body" sz="quarter" idx="14"/>
+          </p:nvPr>
+        </p:nvSpPr>
+        <p:spPr/>
+        <p:txBody>
+          <a:bodyPr/>
+          <a:lstStyle/>
+          <a:p>
+            <a:r>
+              <a:rPr lang="en-US" altLang="zh-CN" dirty="0" err="1"/>
+              <a:t>SGraph</a:t>
+            </a:r>
+            <a:endParaRPr kumimoji="1" lang="zh-CN" altLang="en-US"/>
+          </a:p>
+        </p:txBody>
+      </p:sp>
+      <p:sp>
+        <p:nvSpPr>
+          <p:cNvPr id="3" name="文本占位符 2"/>
+          <p:cNvSpPr>
+            <a:spLocks noGrp="1"/>
+          </p:cNvSpPr>
+          <p:nvPr>
+            <p:ph type="body" sz="quarter" idx="18"/>
+          </p:nvPr>
+        </p:nvSpPr>
+        <p:spPr>
+          <a:xfrm>
+            <a:off x="1036812" y="1016251"/>
+            <a:ext cx="11401999" cy="5309556"/>
+          </a:xfrm>
+        </p:spPr>
+        <p:txBody>
+          <a:bodyPr/>
+          <a:lstStyle/>
+          <a:p>
+            <a:r>
+              <a:rPr lang="en-US" altLang="zh-CN" b="1" i="0" dirty="0">
+                <a:solidFill>
+                  <a:srgbClr val="2A2B2E"/>
+                </a:solidFill>
+                <a:effectLst/>
+                <a:latin typeface="+mn-ea"/>
+              </a:rPr>
+              <a:t>Advantage</a:t>
+            </a:r>
+            <a:r>
+              <a:rPr lang="zh-CN" altLang="en-US" b="0" i="0" dirty="0">
+                <a:solidFill>
+                  <a:srgbClr val="2A2B2E"/>
+                </a:solidFill>
+                <a:effectLst/>
+                <a:latin typeface="+mn-ea"/>
+              </a:rPr>
+              <a:t>：</a:t>
+            </a:r>
+            <a:r>
+              <a:rPr lang="en-US" altLang="zh-CN" b="0" i="0" dirty="0">
+                <a:solidFill>
+                  <a:srgbClr val="2A2B2E"/>
+                </a:solidFill>
+                <a:effectLst/>
+                <a:latin typeface="+mn-ea"/>
+              </a:rPr>
+              <a:t>Lower bound pruning further improves the effectiveness of pruning</a:t>
+            </a:r>
+          </a:p>
+          <a:p>
+            <a:r>
+              <a:rPr lang="en-US" altLang="zh-CN" b="1" i="0" dirty="0">
+                <a:solidFill>
+                  <a:srgbClr val="2A2B2E"/>
+                </a:solidFill>
+                <a:effectLst/>
+                <a:latin typeface="+mn-ea"/>
+              </a:rPr>
+              <a:t>Disadvantage</a:t>
+            </a:r>
+            <a:r>
+              <a:rPr lang="zh-CN" altLang="en-US" b="0" i="0" dirty="0">
+                <a:solidFill>
+                  <a:srgbClr val="2A2B2E"/>
+                </a:solidFill>
+                <a:effectLst/>
+                <a:latin typeface="+mn-ea"/>
+              </a:rPr>
+              <a:t>：</a:t>
+            </a:r>
+            <a:r>
+              <a:rPr lang="en-US" altLang="zh-CN" b="0" i="0" dirty="0">
+                <a:solidFill>
+                  <a:srgbClr val="2A2B2E"/>
+                </a:solidFill>
+                <a:effectLst/>
+                <a:latin typeface="+mn-ea"/>
+              </a:rPr>
+              <a:t>The throughput of concurrent queries is not considered</a:t>
+            </a:r>
+          </a:p>
+          <a:p>
+            <a:endParaRPr kumimoji="1" lang="zh-CN" altLang="en-US" dirty="0"/>
+          </a:p>
+        </p:txBody>
+      </p:sp>
       <p:pic>
         <p:nvPicPr>
           <p:cNvPr id="13" name="图片 12">
             <a:extLst>
               <a:ext uri="{FF2B5EF4-FFF2-40B4-BE49-F238E27FC236}">
                 <a16:creationId xmlns:a16="http://schemas.microsoft.com/office/drawing/2014/main" id="{A8609EA8-8082-4D81-B665-D76852794143}"/>
+              </a:ext>
+            </a:extLst>
+          </p:cNvPr>
+          <p:cNvPicPr>
+            <a:picLocks noChangeAspect="1"/>
+          </p:cNvPicPr>
+          <p:nvPr/>
+        </p:nvPicPr>
+        <p:blipFill>
+          <a:blip r:embed="rId3" cstate="print">
+            <a:extLst>
+              <a:ext uri="{28A0092B-C50C-407E-A947-70E740481C1C}">
+                <a14:useLocalDpi xmlns:a14="http://schemas.microsoft.com/office/drawing/2010/main" val="0"/>
+              </a:ext>
+            </a:extLst>
+          </a:blip>
+          <a:stretch>
+            <a:fillRect/>
+          </a:stretch>
+        </p:blipFill>
+        <p:spPr>
+          <a:xfrm>
+            <a:off x="975402" y="2699297"/>
+            <a:ext cx="5393314" cy="3256304"/>
+          </a:xfrm>
+          <a:prstGeom prst="rect">
+            <a:avLst/>
+          </a:prstGeom>
+        </p:spPr>
+      </p:pic>
+      <p:pic>
+        <p:nvPicPr>
+          <p:cNvPr id="15" name="图片 14">
+            <a:extLst>
+              <a:ext uri="{FF2B5EF4-FFF2-40B4-BE49-F238E27FC236}">
+                <a16:creationId xmlns:a16="http://schemas.microsoft.com/office/drawing/2014/main" id="{42DE5CAB-0B4D-4B35-832B-8CA132FC08F8}"/>
               </a:ext>
             </a:extLst>
           </p:cNvPr>
@@ -13927,44 +15289,8 @@
         </p:blipFill>
         <p:spPr>
           <a:xfrm>
-            <a:off x="1304913" y="1877170"/>
-            <a:ext cx="3994920" cy="2412000"/>
-          </a:xfrm>
-          <a:prstGeom prst="rect">
-            <a:avLst/>
-          </a:prstGeom>
-        </p:spPr>
-      </p:pic>
-      <p:pic>
-        <p:nvPicPr>
-          <p:cNvPr id="15" name="图片 14">
-            <a:extLst>
-              <a:ext uri="{FF2B5EF4-FFF2-40B4-BE49-F238E27FC236}">
-                <a16:creationId xmlns:a16="http://schemas.microsoft.com/office/drawing/2014/main" id="{42DE5CAB-0B4D-4B35-832B-8CA132FC08F8}"/>
-              </a:ext>
-            </a:extLst>
-          </p:cNvPr>
-          <p:cNvPicPr>
-            <a:picLocks noChangeAspect="1"/>
-          </p:cNvPicPr>
-          <p:nvPr/>
-        </p:nvPicPr>
-        <p:blipFill>
-          <a:blip r:embed="rId5" cstate="print">
-            <a:extLst>
-              <a:ext uri="{28A0092B-C50C-407E-A947-70E740481C1C}">
-                <a14:useLocalDpi xmlns:a14="http://schemas.microsoft.com/office/drawing/2010/main" val="0"/>
-              </a:ext>
-            </a:extLst>
-          </a:blip>
-          <a:stretch>
-            <a:fillRect/>
-          </a:stretch>
-        </p:blipFill>
-        <p:spPr>
-          <a:xfrm>
-            <a:off x="1304913" y="4237454"/>
-            <a:ext cx="3994920" cy="2412000"/>
+            <a:off x="5823284" y="2699297"/>
+            <a:ext cx="5393314" cy="3256304"/>
           </a:xfrm>
           <a:prstGeom prst="rect">
             <a:avLst/>
@@ -13972,6 +15298,11 @@
         </p:spPr>
       </p:pic>
     </p:spTree>
+    <p:extLst>
+      <p:ext uri="{BB962C8B-B14F-4D97-AF65-F5344CB8AC3E}">
+        <p14:creationId xmlns:p14="http://schemas.microsoft.com/office/powerpoint/2010/main" val="3731172107"/>
+      </p:ext>
+    </p:extLst>
   </p:cSld>
   <p:clrMapOvr>
     <a:masterClrMapping/>
@@ -18507,7 +19838,7 @@
         </p:blipFill>
         <p:spPr>
           <a:xfrm>
-            <a:off x="7299644" y="1007702"/>
+            <a:off x="7299644" y="1039786"/>
             <a:ext cx="4038482" cy="5617950"/>
           </a:xfrm>
           <a:prstGeom prst="rect">
@@ -18515,6 +19846,86 @@
           </a:prstGeom>
         </p:spPr>
       </p:pic>
+      <p:cxnSp>
+        <p:nvCxnSpPr>
+          <p:cNvPr id="3" name="直接箭头连接符 2">
+            <a:extLst>
+              <a:ext uri="{FF2B5EF4-FFF2-40B4-BE49-F238E27FC236}">
+                <a16:creationId xmlns:a16="http://schemas.microsoft.com/office/drawing/2014/main" id="{22B6BE40-85D6-419E-9568-4A2A8065F156}"/>
+              </a:ext>
+            </a:extLst>
+          </p:cNvPr>
+          <p:cNvCxnSpPr/>
+          <p:nvPr/>
+        </p:nvCxnSpPr>
+        <p:spPr>
+          <a:xfrm>
+            <a:off x="5119370" y="2239508"/>
+            <a:ext cx="2452504" cy="2605208"/>
+          </a:xfrm>
+          <a:prstGeom prst="straightConnector1">
+            <a:avLst/>
+          </a:prstGeom>
+          <a:ln>
+            <a:headEnd type="triangle"/>
+            <a:tailEnd type="triangle"/>
+          </a:ln>
+        </p:spPr>
+        <p:style>
+          <a:lnRef idx="1">
+            <a:schemeClr val="accent1"/>
+          </a:lnRef>
+          <a:fillRef idx="0">
+            <a:schemeClr val="accent1"/>
+          </a:fillRef>
+          <a:effectRef idx="0">
+            <a:schemeClr val="accent1"/>
+          </a:effectRef>
+          <a:fontRef idx="minor">
+            <a:schemeClr val="tx1"/>
+          </a:fontRef>
+        </p:style>
+      </p:cxnSp>
+      <p:cxnSp>
+        <p:nvCxnSpPr>
+          <p:cNvPr id="5" name="直接箭头连接符 4">
+            <a:extLst>
+              <a:ext uri="{FF2B5EF4-FFF2-40B4-BE49-F238E27FC236}">
+                <a16:creationId xmlns:a16="http://schemas.microsoft.com/office/drawing/2014/main" id="{4A814040-D62E-4CA3-815E-26DD0D094E49}"/>
+              </a:ext>
+            </a:extLst>
+          </p:cNvPr>
+          <p:cNvCxnSpPr/>
+          <p:nvPr/>
+        </p:nvCxnSpPr>
+        <p:spPr>
+          <a:xfrm>
+            <a:off x="4347411" y="3256547"/>
+            <a:ext cx="4764505" cy="545432"/>
+          </a:xfrm>
+          <a:prstGeom prst="straightConnector1">
+            <a:avLst/>
+          </a:prstGeom>
+          <a:ln>
+            <a:headEnd type="triangle"/>
+            <a:tailEnd type="triangle"/>
+          </a:ln>
+        </p:spPr>
+        <p:style>
+          <a:lnRef idx="1">
+            <a:schemeClr val="accent1"/>
+          </a:lnRef>
+          <a:fillRef idx="0">
+            <a:schemeClr val="accent1"/>
+          </a:fillRef>
+          <a:effectRef idx="0">
+            <a:schemeClr val="accent1"/>
+          </a:effectRef>
+          <a:fontRef idx="minor">
+            <a:schemeClr val="tx1"/>
+          </a:fontRef>
+        </p:style>
+      </p:cxnSp>
     </p:spTree>
     <p:custDataLst>
       <p:tags r:id="rId1"/>
@@ -18686,6 +20097,86 @@
           </a:prstGeom>
         </p:spPr>
       </p:pic>
+      <p:cxnSp>
+        <p:nvCxnSpPr>
+          <p:cNvPr id="4" name="直接箭头连接符 3">
+            <a:extLst>
+              <a:ext uri="{FF2B5EF4-FFF2-40B4-BE49-F238E27FC236}">
+                <a16:creationId xmlns:a16="http://schemas.microsoft.com/office/drawing/2014/main" id="{9DB12CA0-B5E1-4603-B133-38849ABD126D}"/>
+              </a:ext>
+            </a:extLst>
+          </p:cNvPr>
+          <p:cNvCxnSpPr/>
+          <p:nvPr/>
+        </p:nvCxnSpPr>
+        <p:spPr>
+          <a:xfrm flipH="1">
+            <a:off x="5393623" y="2919663"/>
+            <a:ext cx="2085474" cy="176464"/>
+          </a:xfrm>
+          <a:prstGeom prst="straightConnector1">
+            <a:avLst/>
+          </a:prstGeom>
+          <a:ln>
+            <a:headEnd type="triangle"/>
+            <a:tailEnd type="triangle"/>
+          </a:ln>
+        </p:spPr>
+        <p:style>
+          <a:lnRef idx="1">
+            <a:schemeClr val="accent1"/>
+          </a:lnRef>
+          <a:fillRef idx="0">
+            <a:schemeClr val="accent1"/>
+          </a:fillRef>
+          <a:effectRef idx="0">
+            <a:schemeClr val="accent1"/>
+          </a:effectRef>
+          <a:fontRef idx="minor">
+            <a:schemeClr val="tx1"/>
+          </a:fontRef>
+        </p:style>
+      </p:cxnSp>
+      <p:cxnSp>
+        <p:nvCxnSpPr>
+          <p:cNvPr id="7" name="直接箭头连接符 6">
+            <a:extLst>
+              <a:ext uri="{FF2B5EF4-FFF2-40B4-BE49-F238E27FC236}">
+                <a16:creationId xmlns:a16="http://schemas.microsoft.com/office/drawing/2014/main" id="{9D380109-8D75-4CB5-B114-A1C372349776}"/>
+              </a:ext>
+            </a:extLst>
+          </p:cNvPr>
+          <p:cNvCxnSpPr/>
+          <p:nvPr/>
+        </p:nvCxnSpPr>
+        <p:spPr>
+          <a:xfrm flipH="1">
+            <a:off x="5632570" y="2342147"/>
+            <a:ext cx="3686315" cy="946485"/>
+          </a:xfrm>
+          <a:prstGeom prst="straightConnector1">
+            <a:avLst/>
+          </a:prstGeom>
+          <a:ln>
+            <a:headEnd type="triangle"/>
+            <a:tailEnd type="triangle"/>
+          </a:ln>
+        </p:spPr>
+        <p:style>
+          <a:lnRef idx="1">
+            <a:schemeClr val="accent1"/>
+          </a:lnRef>
+          <a:fillRef idx="0">
+            <a:schemeClr val="accent1"/>
+          </a:fillRef>
+          <a:effectRef idx="0">
+            <a:schemeClr val="accent1"/>
+          </a:effectRef>
+          <a:fontRef idx="minor">
+            <a:schemeClr val="tx1"/>
+          </a:fontRef>
+        </p:style>
+      </p:cxnSp>
     </p:spTree>
     <p:custDataLst>
       <p:tags r:id="rId1"/>
@@ -18726,7 +20217,7 @@
         </p:nvSpPr>
         <p:spPr>
           <a:xfrm>
-            <a:off x="836755" y="1521959"/>
+            <a:off x="1598644" y="2745897"/>
             <a:ext cx="11401999" cy="5309556"/>
           </a:xfrm>
         </p:spPr>
@@ -18829,10 +20320,10 @@
       </p:sp>
       <p:pic>
         <p:nvPicPr>
-          <p:cNvPr id="9" name="图片 8">
+          <p:cNvPr id="6" name="图片 5">
             <a:extLst>
               <a:ext uri="{FF2B5EF4-FFF2-40B4-BE49-F238E27FC236}">
-                <a16:creationId xmlns:a16="http://schemas.microsoft.com/office/drawing/2014/main" id="{E091D1D0-5DD2-4505-AEB0-418A8BF48C74}"/>
+                <a16:creationId xmlns:a16="http://schemas.microsoft.com/office/drawing/2014/main" id="{1EAF2380-CE52-40DC-B5EE-B153AA636074}"/>
               </a:ext>
             </a:extLst>
           </p:cNvPr>
@@ -18842,27 +20333,64 @@
           <p:nvPr/>
         </p:nvPicPr>
         <p:blipFill>
-          <a:blip r:embed="rId5" cstate="print">
-            <a:extLst>
-              <a:ext uri="{28A0092B-C50C-407E-A947-70E740481C1C}">
-                <a14:useLocalDpi xmlns:a14="http://schemas.microsoft.com/office/drawing/2010/main" val="0"/>
-              </a:ext>
-            </a:extLst>
-          </a:blip>
+          <a:blip r:embed="rId5"/>
           <a:stretch>
             <a:fillRect/>
           </a:stretch>
         </p:blipFill>
         <p:spPr>
           <a:xfrm>
-            <a:off x="200259" y="2049428"/>
-            <a:ext cx="6464935" cy="3904615"/>
+            <a:off x="853874" y="3429000"/>
+            <a:ext cx="4972050" cy="1971675"/>
           </a:xfrm>
           <a:prstGeom prst="rect">
             <a:avLst/>
           </a:prstGeom>
         </p:spPr>
       </p:pic>
+      <p:cxnSp>
+        <p:nvCxnSpPr>
+          <p:cNvPr id="11" name="直接箭头连接符 10">
+            <a:extLst>
+              <a:ext uri="{FF2B5EF4-FFF2-40B4-BE49-F238E27FC236}">
+                <a16:creationId xmlns:a16="http://schemas.microsoft.com/office/drawing/2014/main" id="{E7637942-1D92-43A0-8E05-530ED59FFDF4}"/>
+              </a:ext>
+            </a:extLst>
+          </p:cNvPr>
+          <p:cNvCxnSpPr>
+            <a:cxnSpLocks/>
+            <a:stCxn id="6" idx="3"/>
+          </p:cNvCxnSpPr>
+          <p:nvPr/>
+        </p:nvCxnSpPr>
+        <p:spPr>
+          <a:xfrm>
+            <a:off x="5825924" y="4414838"/>
+            <a:ext cx="3478497" cy="125078"/>
+          </a:xfrm>
+          <a:prstGeom prst="straightConnector1">
+            <a:avLst/>
+          </a:prstGeom>
+          <a:ln>
+            <a:headEnd type="triangle"/>
+            <a:tailEnd type="triangle"/>
+          </a:ln>
+        </p:spPr>
+        <p:style>
+          <a:lnRef idx="1">
+            <a:schemeClr val="accent1"/>
+          </a:lnRef>
+          <a:fillRef idx="0">
+            <a:schemeClr val="accent1"/>
+          </a:fillRef>
+          <a:effectRef idx="0">
+            <a:schemeClr val="accent1"/>
+          </a:effectRef>
+          <a:fontRef idx="minor">
+            <a:schemeClr val="tx1"/>
+          </a:fontRef>
+        </p:style>
+      </p:cxnSp>
     </p:spTree>
     <p:custDataLst>
       <p:tags r:id="rId1"/>
@@ -18907,6 +20435,14 @@
 </file>
 
 <file path=ppt/tags/tag5.xml><?xml version="1.0" encoding="utf-8"?>
+<p:tagLst xmlns:a="http://schemas.openxmlformats.org/drawingml/2006/main" xmlns:r="http://schemas.openxmlformats.org/officeDocument/2006/relationships" xmlns:p="http://schemas.openxmlformats.org/presentationml/2006/main">
+  <p:tag name="KSO_WM_BEAUTIFY_FLAG" val="#wm#"/>
+  <p:tag name="KSO_WM_TEMPLATE_CATEGORY" val="custom"/>
+  <p:tag name="KSO_WM_TEMPLATE_INDEX" val="20187308"/>
+</p:tagLst>
+</file>
+
+<file path=ppt/tags/tag6.xml><?xml version="1.0" encoding="utf-8"?>
 <p:tagLst xmlns:a="http://schemas.openxmlformats.org/drawingml/2006/main" xmlns:r="http://schemas.openxmlformats.org/officeDocument/2006/relationships" xmlns:p="http://schemas.openxmlformats.org/presentationml/2006/main">
   <p:tag name="KSO_WM_BEAUTIFY_FLAG" val="#wm#"/>
   <p:tag name="KSO_WM_TEMPLATE_CATEGORY" val="custom"/>

--- a/并发点对点查询/其它材料/PPT/GraphCPP介绍.pptx
+++ b/并发点对点查询/其它材料/PPT/GraphCPP介绍.pptx
@@ -10741,12 +10741,18 @@
                     <a:p>
                       <a:pPr algn="ctr" fontAlgn="ctr"/>
                       <a:r>
-                        <a:rPr lang="en-US" sz="1400" u="none" strike="noStrike">
+                        <a:rPr lang="en-US" sz="1400" u="none" strike="noStrike" dirty="0" err="1">
                           <a:effectLst/>
                         </a:rPr>
-                        <a:t>Sgraph-C</a:t>
+                        <a:t>Sgraph</a:t>
                       </a:r>
-                      <a:endParaRPr lang="en-US" sz="1400" b="0" i="0" u="none" strike="noStrike">
+                      <a:r>
+                        <a:rPr lang="en-US" sz="1400" u="none" strike="noStrike" dirty="0">
+                          <a:effectLst/>
+                        </a:rPr>
+                        <a:t>-C</a:t>
+                      </a:r>
+                      <a:endParaRPr lang="en-US" sz="1400" b="0" i="0" u="none" strike="noStrike" dirty="0">
                         <a:solidFill>
                           <a:srgbClr val="000000"/>
                         </a:solidFill>
@@ -13970,7 +13976,7 @@
             <a:p>
               <a:pPr algn="ctr"/>
               <a:r>
-                <a:rPr lang="en-US" altLang="zh-CN" sz="3200" b="1">
+                <a:rPr lang="en-US" altLang="zh-CN" sz="3200" b="1" dirty="0">
                   <a:solidFill>
                     <a:schemeClr val="tx1"/>
                   </a:solidFill>
@@ -13979,7 +13985,7 @@
                 </a:rPr>
                 <a:t>v</a:t>
               </a:r>
-              <a:endParaRPr lang="en-US" sz="3200" b="1">
+              <a:endParaRPr lang="en-US" sz="3200" b="1" dirty="0">
                 <a:solidFill>
                   <a:schemeClr val="tx1"/>
                 </a:solidFill>
@@ -14462,7 +14468,7 @@
               <a:rPr lang="en-US" altLang="zh-CN" dirty="0" err="1"/>
               <a:t>SGraph</a:t>
             </a:r>
-            <a:endParaRPr kumimoji="1" lang="zh-CN" altLang="en-US"/>
+            <a:endParaRPr kumimoji="1" lang="zh-CN" altLang="en-US" dirty="0"/>
           </a:p>
         </p:txBody>
       </p:sp>
@@ -19652,8 +19658,8 @@
         </p:blipFill>
         <p:spPr>
           <a:xfrm>
-            <a:off x="2295525" y="1286132"/>
-            <a:ext cx="7600950" cy="4998085"/>
+            <a:off x="1591351" y="720032"/>
+            <a:ext cx="9346136" cy="6145652"/>
           </a:xfrm>
           <a:prstGeom prst="rect">
             <a:avLst/>
@@ -19704,7 +19710,7 @@
         </p:blipFill>
         <p:spPr>
           <a:xfrm>
-            <a:off x="1271905" y="1916343"/>
+            <a:off x="1353118" y="1917563"/>
             <a:ext cx="3847465" cy="643890"/>
           </a:xfrm>
           <a:prstGeom prst="rect">
@@ -19838,7 +19844,7 @@
         </p:blipFill>
         <p:spPr>
           <a:xfrm>
-            <a:off x="7299644" y="1039786"/>
+            <a:off x="7299644" y="1048253"/>
             <a:ext cx="4038482" cy="5617950"/>
           </a:xfrm>
           <a:prstGeom prst="rect">

--- a/并发点对点查询/其它材料/PPT/GraphCPP介绍.pptx
+++ b/并发点对点查询/其它材料/PPT/GraphCPP介绍.pptx
@@ -221,7 +221,7 @@
           <a:p>
             <a:fld id="{FD01935B-F7A1-472F-9BFB-8826E17EB721}" type="datetimeFigureOut">
               <a:rPr lang="zh-CN" altLang="en-US" smtClean="0"/>
-              <a:t>2023-12-04</a:t>
+              <a:t>2023-12-05</a:t>
             </a:fld>
             <a:endParaRPr lang="zh-CN" altLang="en-US"/>
           </a:p>
@@ -6890,7 +6890,7 @@
             </a:pPr>
             <a:fld id="{52ABB3E6-6620-45AF-AA63-6794136009CB}" type="datetime1">
               <a:rPr lang="zh-CN" altLang="en-US"/>
-              <a:t>2023-12-04</a:t>
+              <a:t>2023-12-05</a:t>
             </a:fld>
             <a:endParaRPr lang="zh-CN" altLang="en-US" dirty="0"/>
           </a:p>
@@ -7197,7 +7197,7 @@
           <a:p>
             <a:fld id="{D997B5FA-0921-464F-AAE1-844C04324D75}" type="datetimeFigureOut">
               <a:rPr lang="zh-CN" altLang="en-US" smtClean="0"/>
-              <a:t>2023-12-04</a:t>
+              <a:t>2023-12-05</a:t>
             </a:fld>
             <a:endParaRPr lang="zh-CN" altLang="en-US"/>
           </a:p>
@@ -7360,7 +7360,7 @@
           <a:p>
             <a:fld id="{D997B5FA-0921-464F-AAE1-844C04324D75}" type="datetimeFigureOut">
               <a:rPr lang="zh-CN" altLang="en-US" smtClean="0"/>
-              <a:t>2023-12-04</a:t>
+              <a:t>2023-12-05</a:t>
             </a:fld>
             <a:endParaRPr lang="zh-CN" altLang="en-US"/>
           </a:p>
@@ -7533,7 +7533,7 @@
           <a:p>
             <a:fld id="{D997B5FA-0921-464F-AAE1-844C04324D75}" type="datetimeFigureOut">
               <a:rPr lang="zh-CN" altLang="en-US" smtClean="0"/>
-              <a:t>2023-12-04</a:t>
+              <a:t>2023-12-05</a:t>
             </a:fld>
             <a:endParaRPr lang="zh-CN" altLang="en-US"/>
           </a:p>
@@ -7718,7 +7718,7 @@
           <a:p>
             <a:fld id="{D997B5FA-0921-464F-AAE1-844C04324D75}" type="datetimeFigureOut">
               <a:rPr lang="zh-CN" altLang="en-US" smtClean="0"/>
-              <a:t>2023-12-04</a:t>
+              <a:t>2023-12-05</a:t>
             </a:fld>
             <a:endParaRPr lang="zh-CN" altLang="en-US"/>
           </a:p>
@@ -7881,7 +7881,7 @@
           <a:p>
             <a:fld id="{D997B5FA-0921-464F-AAE1-844C04324D75}" type="datetimeFigureOut">
               <a:rPr lang="zh-CN" altLang="en-US" smtClean="0"/>
-              <a:t>2023-12-04</a:t>
+              <a:t>2023-12-05</a:t>
             </a:fld>
             <a:endParaRPr lang="zh-CN" altLang="en-US"/>
           </a:p>
@@ -8121,7 +8121,7 @@
           <a:p>
             <a:fld id="{D997B5FA-0921-464F-AAE1-844C04324D75}" type="datetimeFigureOut">
               <a:rPr lang="zh-CN" altLang="en-US" smtClean="0"/>
-              <a:t>2023-12-04</a:t>
+              <a:t>2023-12-05</a:t>
             </a:fld>
             <a:endParaRPr lang="zh-CN" altLang="en-US"/>
           </a:p>
@@ -8345,7 +8345,7 @@
           <a:p>
             <a:fld id="{D997B5FA-0921-464F-AAE1-844C04324D75}" type="datetimeFigureOut">
               <a:rPr lang="zh-CN" altLang="en-US" smtClean="0"/>
-              <a:t>2023-12-04</a:t>
+              <a:t>2023-12-05</a:t>
             </a:fld>
             <a:endParaRPr lang="zh-CN" altLang="en-US"/>
           </a:p>
@@ -8704,7 +8704,7 @@
           <a:p>
             <a:fld id="{D997B5FA-0921-464F-AAE1-844C04324D75}" type="datetimeFigureOut">
               <a:rPr lang="zh-CN" altLang="en-US" smtClean="0"/>
-              <a:t>2023-12-04</a:t>
+              <a:t>2023-12-05</a:t>
             </a:fld>
             <a:endParaRPr lang="zh-CN" altLang="en-US"/>
           </a:p>
@@ -8816,7 +8816,7 @@
           <a:p>
             <a:fld id="{D997B5FA-0921-464F-AAE1-844C04324D75}" type="datetimeFigureOut">
               <a:rPr lang="zh-CN" altLang="en-US" smtClean="0"/>
-              <a:t>2023-12-04</a:t>
+              <a:t>2023-12-05</a:t>
             </a:fld>
             <a:endParaRPr lang="zh-CN" altLang="en-US"/>
           </a:p>
@@ -8906,7 +8906,7 @@
           <a:p>
             <a:fld id="{D997B5FA-0921-464F-AAE1-844C04324D75}" type="datetimeFigureOut">
               <a:rPr lang="zh-CN" altLang="en-US" smtClean="0"/>
-              <a:t>2023-12-04</a:t>
+              <a:t>2023-12-05</a:t>
             </a:fld>
             <a:endParaRPr lang="zh-CN" altLang="en-US"/>
           </a:p>
@@ -9176,7 +9176,7 @@
           <a:p>
             <a:fld id="{D997B5FA-0921-464F-AAE1-844C04324D75}" type="datetimeFigureOut">
               <a:rPr lang="zh-CN" altLang="en-US" smtClean="0"/>
-              <a:t>2023-12-04</a:t>
+              <a:t>2023-12-05</a:t>
             </a:fld>
             <a:endParaRPr lang="zh-CN" altLang="en-US"/>
           </a:p>
@@ -9382,7 +9382,7 @@
           <a:p>
             <a:fld id="{D997B5FA-0921-464F-AAE1-844C04324D75}" type="datetimeFigureOut">
               <a:rPr lang="zh-CN" altLang="en-US" smtClean="0"/>
-              <a:t>2023-12-04</a:t>
+              <a:t>2023-12-05</a:t>
             </a:fld>
             <a:endParaRPr lang="zh-CN" altLang="en-US"/>
           </a:p>
